--- a/Arrays & Strings/#3.pptx
+++ b/Arrays & Strings/#3.pptx
@@ -12,11 +12,12 @@
     <p:sldId id="257" r:id="rId5"/>
     <p:sldId id="258" r:id="rId6"/>
     <p:sldId id="279" r:id="rId7"/>
-    <p:sldId id="261" r:id="rId8"/>
+    <p:sldId id="285" r:id="rId8"/>
     <p:sldId id="280" r:id="rId9"/>
-    <p:sldId id="262" r:id="rId10"/>
-    <p:sldId id="263" r:id="rId11"/>
-    <p:sldId id="264" r:id="rId12"/>
+    <p:sldId id="286" r:id="rId10"/>
+    <p:sldId id="262" r:id="rId11"/>
+    <p:sldId id="263" r:id="rId12"/>
+    <p:sldId id="264" r:id="rId13"/>
   </p:sldIdLst>
   <p:sldSz cx="12192000" cy="6858000"/>
   <p:notesSz cx="6858000" cy="9144000"/>
@@ -3557,7 +3558,7 @@
                   </a:outerShdw>
                 </a:effectLst>
               </a:rPr>
-              <a:t>  #13</a:t>
+              <a:t>  #48</a:t>
             </a:r>
             <a:br>
               <a:rPr lang="en-US" sz="6600" b="1" dirty="0">
@@ -3587,7 +3588,7 @@
                 </a:effectLst>
                 <a:sym typeface="+mn-ea"/>
               </a:rPr>
-              <a:t>Roman to Integer</a:t>
+              <a:t>Rotate Image</a:t>
             </a:r>
             <a:endParaRPr lang="en-US" altLang="ko-KR" sz="6600" b="1">
               <a:solidFill>
@@ -3673,6 +3674,73 @@
           </a:prstGeom>
         </p:spPr>
       </p:pic>
+    </p:spTree>
+  </p:cSld>
+  <p:clrMapOvr>
+    <a:masterClrMapping/>
+  </p:clrMapOvr>
+</p:sld>
+</file>
+
+<file path=ppt/slides/slide10.xml><?xml version="1.0" encoding="utf-8"?>
+<p:sld xmlns:a="http://schemas.openxmlformats.org/drawingml/2006/main" xmlns:r="http://schemas.openxmlformats.org/officeDocument/2006/relationships" xmlns:p="http://schemas.openxmlformats.org/presentationml/2006/main">
+  <p:cSld>
+    <p:spTree>
+      <p:nvGrpSpPr>
+        <p:cNvPr id="1" name=""/>
+        <p:cNvGrpSpPr/>
+        <p:nvPr/>
+      </p:nvGrpSpPr>
+      <p:grpSpPr>
+        <a:xfrm>
+          <a:off x="0" y="0"/>
+          <a:ext cx="0" cy="0"/>
+          <a:chOff x="0" y="0"/>
+          <a:chExt cx="0" cy="0"/>
+        </a:xfrm>
+      </p:grpSpPr>
+      <p:sp>
+        <p:nvSpPr>
+          <p:cNvPr id="2" name="제목 1"/>
+          <p:cNvSpPr>
+            <a:spLocks noGrp="1"/>
+          </p:cNvSpPr>
+          <p:nvPr>
+            <p:ph type="title"/>
+          </p:nvPr>
+        </p:nvSpPr>
+        <p:spPr/>
+        <p:txBody>
+          <a:bodyPr/>
+          <a:lstStyle/>
+          <a:p>
+            <a:r>
+              <a:rPr lang="en-US" altLang="ko-KR" dirty="0"/>
+              <a:t>Greetings</a:t>
+            </a:r>
+            <a:endParaRPr lang="en-US" dirty="0"/>
+          </a:p>
+        </p:txBody>
+      </p:sp>
+      <p:sp>
+        <p:nvSpPr>
+          <p:cNvPr id="3" name="텍스트 개체 틀 2"/>
+          <p:cNvSpPr>
+            <a:spLocks noGrp="1"/>
+          </p:cNvSpPr>
+          <p:nvPr>
+            <p:ph type="body" idx="1"/>
+          </p:nvPr>
+        </p:nvSpPr>
+        <p:spPr/>
+        <p:txBody>
+          <a:bodyPr/>
+          <a:lstStyle/>
+          <a:p>
+            <a:endParaRPr lang="en-US"/>
+          </a:p>
+        </p:txBody>
+      </p:sp>
     </p:spTree>
   </p:cSld>
   <p:clrMapOvr>
@@ -3801,12 +3869,20 @@
           <a:p>
             <a:r>
               <a:rPr lang="en-US" altLang="ko-KR"/>
-              <a:t>Difficulty: </a:t>
+              <a:t>Difficulty:</a:t>
+            </a:r>
+            <a:r>
+              <a:rPr lang="en-US" altLang="ko-KR">
+                <a:solidFill>
+                  <a:schemeClr val="accent4"/>
+                </a:solidFill>
+              </a:rPr>
+              <a:t> </a:t>
             </a:r>
             <a:r>
               <a:rPr lang="en-US" altLang="ko-KR" b="1">
                 <a:solidFill>
-                  <a:srgbClr val="00B050"/>
+                  <a:schemeClr val="accent4"/>
                 </a:solidFill>
                 <a:effectLst>
                   <a:outerShdw blurRad="38100" dist="25400" dir="5400000" algn="ctr" rotWithShape="0">
@@ -3816,7 +3892,7 @@
                   </a:outerShdw>
                 </a:effectLst>
               </a:rPr>
-              <a:t>easy</a:t>
+              <a:t>medium</a:t>
             </a:r>
             <a:endParaRPr lang="en-US" altLang="ko-KR"/>
           </a:p>
@@ -3838,7 +3914,7 @@
                   </a:outerShdw>
                 </a:effectLst>
               </a:rPr>
-              <a:t>Hashmaps</a:t>
+              <a:t>Matrix</a:t>
             </a:r>
             <a:endParaRPr lang="en-US" altLang="ko-KR" b="1" dirty="0">
               <a:solidFill>
@@ -3929,7 +4005,7 @@
       </p:sp>
       <p:pic>
         <p:nvPicPr>
-          <p:cNvPr id="3" name="Picture 2"/>
+          <p:cNvPr id="4" name="Picture 3"/>
           <p:cNvPicPr>
             <a:picLocks noChangeAspect="1"/>
           </p:cNvPicPr>
@@ -3937,15 +4013,14 @@
         </p:nvPicPr>
         <p:blipFill>
           <a:blip r:embed="rId1"/>
-          <a:srcRect r="28810" b="48228"/>
           <a:stretch>
             <a:fillRect/>
           </a:stretch>
         </p:blipFill>
         <p:spPr>
           <a:xfrm>
-            <a:off x="562610" y="1691005"/>
-            <a:ext cx="6346190" cy="3208655"/>
+            <a:off x="683260" y="1624330"/>
+            <a:ext cx="7988300" cy="1804670"/>
           </a:xfrm>
           <a:prstGeom prst="rect">
             <a:avLst/>
@@ -3962,7 +4037,7 @@
       </p:pic>
       <p:pic>
         <p:nvPicPr>
-          <p:cNvPr id="5" name="Picture 4"/>
+          <p:cNvPr id="7" name="Picture 6"/>
           <p:cNvPicPr>
             <a:picLocks noChangeAspect="1"/>
           </p:cNvPicPr>
@@ -3976,23 +4051,65 @@
         </p:blipFill>
         <p:spPr>
           <a:xfrm>
-            <a:off x="7145020" y="1691005"/>
-            <a:ext cx="4523105" cy="1325245"/>
+            <a:off x="8865870" y="1824355"/>
+            <a:ext cx="3143885" cy="1386840"/>
           </a:xfrm>
           <a:prstGeom prst="rect">
             <a:avLst/>
           </a:prstGeom>
           <a:ln w="28575" cmpd="sng">
             <a:solidFill>
-              <a:srgbClr val="FFC000"/>
+              <a:schemeClr val="accent4"/>
             </a:solidFill>
             <a:prstDash val="solid"/>
           </a:ln>
         </p:spPr>
       </p:pic>
+      <p:sp>
+        <p:nvSpPr>
+          <p:cNvPr id="8" name="Down Arrow 7"/>
+          <p:cNvSpPr/>
+          <p:nvPr/>
+        </p:nvSpPr>
+        <p:spPr>
+          <a:xfrm>
+            <a:off x="4909820" y="3568065"/>
+            <a:ext cx="2372995" cy="595630"/>
+          </a:xfrm>
+          <a:prstGeom prst="downArrow">
+            <a:avLst/>
+          </a:prstGeom>
+          <a:solidFill>
+            <a:schemeClr val="tx1"/>
+          </a:solidFill>
+        </p:spPr>
+        <p:style>
+          <a:lnRef idx="2">
+            <a:schemeClr val="accent1">
+              <a:lumMod val="75000"/>
+            </a:schemeClr>
+          </a:lnRef>
+          <a:fillRef idx="1">
+            <a:schemeClr val="accent1"/>
+          </a:fillRef>
+          <a:effectRef idx="0">
+            <a:srgbClr val="FFFFFF"/>
+          </a:effectRef>
+          <a:fontRef idx="minor">
+            <a:schemeClr val="lt1"/>
+          </a:fontRef>
+        </p:style>
+        <p:txBody>
+          <a:bodyPr rtlCol="0" anchor="ctr"/>
+          <a:p>
+            <a:pPr algn="ctr"/>
+            <a:endParaRPr lang="en-US"/>
+          </a:p>
+        </p:txBody>
+      </p:sp>
       <p:pic>
         <p:nvPicPr>
-          <p:cNvPr id="6" name="Picture 5"/>
+          <p:cNvPr id="9" name="Picture 8"/>
           <p:cNvPicPr>
             <a:picLocks noChangeAspect="1"/>
           </p:cNvPicPr>
@@ -4006,18 +4123,36 @@
         </p:blipFill>
         <p:spPr>
           <a:xfrm>
-            <a:off x="7298055" y="3242310"/>
-            <a:ext cx="4216400" cy="2869565"/>
+            <a:off x="683260" y="4163695"/>
+            <a:ext cx="4178935" cy="2305050"/>
           </a:xfrm>
           <a:prstGeom prst="rect">
             <a:avLst/>
           </a:prstGeom>
-          <a:ln w="28575" cmpd="sng">
-            <a:solidFill>
-              <a:srgbClr val="00B050"/>
-            </a:solidFill>
-            <a:prstDash val="solid"/>
-          </a:ln>
+        </p:spPr>
+      </p:pic>
+      <p:pic>
+        <p:nvPicPr>
+          <p:cNvPr id="10" name="Picture 9"/>
+          <p:cNvPicPr>
+            <a:picLocks noChangeAspect="1"/>
+          </p:cNvPicPr>
+          <p:nvPr/>
+        </p:nvPicPr>
+        <p:blipFill>
+          <a:blip r:embed="rId4"/>
+          <a:stretch>
+            <a:fillRect/>
+          </a:stretch>
+        </p:blipFill>
+        <p:spPr>
+          <a:xfrm>
+            <a:off x="7282815" y="4220210"/>
+            <a:ext cx="4356100" cy="2248535"/>
+          </a:xfrm>
+          <a:prstGeom prst="rect">
+            <a:avLst/>
+          </a:prstGeom>
         </p:spPr>
       </p:pic>
     </p:spTree>
@@ -4047,53 +4182,6 @@
       </p:grpSpPr>
       <p:sp>
         <p:nvSpPr>
-          <p:cNvPr id="38" name="Rounded Rectangle 37"/>
-          <p:cNvSpPr/>
-          <p:nvPr/>
-        </p:nvSpPr>
-        <p:spPr>
-          <a:xfrm>
-            <a:off x="4067175" y="4019550"/>
-            <a:ext cx="2238375" cy="1219200"/>
-          </a:xfrm>
-          <a:prstGeom prst="roundRect">
-            <a:avLst/>
-          </a:prstGeom>
-          <a:solidFill>
-            <a:schemeClr val="accent6">
-              <a:alpha val="53000"/>
-            </a:schemeClr>
-          </a:solidFill>
-          <a:ln>
-            <a:noFill/>
-          </a:ln>
-        </p:spPr>
-        <p:style>
-          <a:lnRef idx="2">
-            <a:schemeClr val="accent1">
-              <a:lumMod val="75000"/>
-            </a:schemeClr>
-          </a:lnRef>
-          <a:fillRef idx="1">
-            <a:schemeClr val="accent1"/>
-          </a:fillRef>
-          <a:effectRef idx="0">
-            <a:srgbClr val="FFFFFF"/>
-          </a:effectRef>
-          <a:fontRef idx="minor">
-            <a:schemeClr val="lt1"/>
-          </a:fontRef>
-        </p:style>
-        <p:txBody>
-          <a:bodyPr rtlCol="0" anchor="ctr"/>
-          <a:p>
-            <a:pPr algn="ctr"/>
-            <a:endParaRPr lang="en-US"/>
-          </a:p>
-        </p:txBody>
-      </p:sp>
-      <p:sp>
-        <p:nvSpPr>
           <p:cNvPr id="2" name="제목 1"/>
           <p:cNvSpPr>
             <a:spLocks noGrp="1"/>
@@ -4114,139 +4202,522 @@
           <a:p>
             <a:r>
               <a:rPr lang="en-US" altLang="ko-KR" dirty="0"/>
-              <a:t>Solution (1)</a:t>
-            </a:r>
-            <a:endParaRPr lang="en-US" dirty="0"/>
-          </a:p>
-        </p:txBody>
-      </p:sp>
-      <p:pic>
-        <p:nvPicPr>
-          <p:cNvPr id="3" name="Picture 2"/>
-          <p:cNvPicPr>
-            <a:picLocks noChangeAspect="1"/>
-          </p:cNvPicPr>
-          <p:nvPr/>
-        </p:nvPicPr>
-        <p:blipFill>
-          <a:blip r:embed="rId1"/>
-          <a:srcRect t="17566"/>
-          <a:stretch>
-            <a:fillRect/>
-          </a:stretch>
-        </p:blipFill>
-        <p:spPr>
-          <a:xfrm>
-            <a:off x="8221345" y="2853690"/>
-            <a:ext cx="3221990" cy="2976880"/>
-          </a:xfrm>
-          <a:prstGeom prst="rect">
-            <a:avLst/>
-          </a:prstGeom>
-          <a:ln w="28575" cmpd="sng">
-            <a:solidFill>
-              <a:srgbClr val="FFC000"/>
-            </a:solidFill>
-            <a:prstDash val="sysDot"/>
-          </a:ln>
-        </p:spPr>
-      </p:pic>
-      <p:pic>
-        <p:nvPicPr>
-          <p:cNvPr id="5" name="Picture 4"/>
-          <p:cNvPicPr>
-            <a:picLocks noChangeAspect="1"/>
-          </p:cNvPicPr>
-          <p:nvPr/>
-        </p:nvPicPr>
-        <p:blipFill>
-          <a:blip r:embed="rId1"/>
-          <a:srcRect l="65291" t="5696" r="8992" b="85525"/>
-          <a:stretch>
-            <a:fillRect/>
-          </a:stretch>
-        </p:blipFill>
-        <p:spPr>
-          <a:xfrm>
-            <a:off x="9272270" y="1548765"/>
-            <a:ext cx="1271270" cy="486410"/>
-          </a:xfrm>
-          <a:prstGeom prst="roundRect">
-            <a:avLst/>
-          </a:prstGeom>
-          <a:ln w="38100">
-            <a:solidFill>
-              <a:srgbClr val="FF0000"/>
-            </a:solidFill>
-          </a:ln>
-        </p:spPr>
-      </p:pic>
-      <p:sp>
-        <p:nvSpPr>
-          <p:cNvPr id="6" name="Down Arrow 5"/>
-          <p:cNvSpPr/>
-          <p:nvPr/>
-        </p:nvSpPr>
-        <p:spPr>
-          <a:xfrm>
-            <a:off x="9744075" y="2235835"/>
-            <a:ext cx="327660" cy="417195"/>
-          </a:xfrm>
-          <a:prstGeom prst="downArrow">
-            <a:avLst/>
-          </a:prstGeom>
-          <a:solidFill>
-            <a:schemeClr val="tx1"/>
-          </a:solidFill>
-        </p:spPr>
-        <p:style>
-          <a:lnRef idx="2">
-            <a:schemeClr val="accent1">
-              <a:lumMod val="75000"/>
-            </a:schemeClr>
-          </a:lnRef>
-          <a:fillRef idx="1">
-            <a:schemeClr val="accent1"/>
-          </a:fillRef>
-          <a:effectRef idx="0">
-            <a:srgbClr val="FFFFFF"/>
-          </a:effectRef>
-          <a:fontRef idx="minor">
-            <a:schemeClr val="lt1"/>
-          </a:fontRef>
-        </p:style>
-        <p:txBody>
-          <a:bodyPr rtlCol="0" anchor="ctr"/>
-          <a:p>
-            <a:pPr algn="ctr"/>
-            <a:endParaRPr lang="en-US"/>
+              <a:t>Solution (1): </a:t>
+            </a:r>
+            <a:r>
+              <a:rPr lang="en-US" altLang="ko-KR" dirty="0">
+                <a:highlight>
+                  <a:srgbClr val="FFFF00"/>
+                </a:highlight>
+              </a:rPr>
+              <a:t>Step1</a:t>
+            </a:r>
+            <a:endParaRPr lang="en-US" altLang="ko-KR" dirty="0">
+              <a:highlight>
+                <a:srgbClr val="FFFF00"/>
+              </a:highlight>
+            </a:endParaRPr>
           </a:p>
         </p:txBody>
       </p:sp>
       <p:grpSp>
         <p:nvGrpSpPr>
-          <p:cNvPr id="27" name="Group 26"/>
+          <p:cNvPr id="61" name="Group 60"/>
           <p:cNvGrpSpPr/>
           <p:nvPr/>
         </p:nvGrpSpPr>
         <p:grpSpPr>
-          <a:xfrm>
-            <a:off x="501015" y="1174750"/>
-            <a:ext cx="5523230" cy="1635760"/>
-            <a:chOff x="2468" y="2256"/>
-            <a:chExt cx="8698" cy="2576"/>
+          <a:xfrm rot="0">
+            <a:off x="838200" y="2727325"/>
+            <a:ext cx="2764790" cy="2491740"/>
+            <a:chOff x="1687" y="2939"/>
+            <a:chExt cx="4354" cy="3924"/>
           </a:xfrm>
         </p:grpSpPr>
+        <p:grpSp>
+          <p:nvGrpSpPr>
+            <p:cNvPr id="50" name="Group 49"/>
+            <p:cNvGrpSpPr/>
+            <p:nvPr/>
+          </p:nvGrpSpPr>
+          <p:grpSpPr>
+            <a:xfrm>
+              <a:off x="1687" y="2939"/>
+              <a:ext cx="4355" cy="3925"/>
+              <a:chOff x="2375" y="3580"/>
+              <a:chExt cx="2720" cy="2576"/>
+            </a:xfrm>
+          </p:grpSpPr>
+          <p:grpSp>
+            <p:nvGrpSpPr>
+              <p:cNvPr id="32" name="Group 31"/>
+              <p:cNvGrpSpPr/>
+              <p:nvPr/>
+            </p:nvGrpSpPr>
+            <p:grpSpPr>
+              <a:xfrm>
+                <a:off x="2375" y="3580"/>
+                <a:ext cx="2720" cy="858"/>
+                <a:chOff x="2375" y="5159"/>
+                <a:chExt cx="2720" cy="858"/>
+              </a:xfrm>
+            </p:grpSpPr>
+            <p:sp>
+              <p:nvSpPr>
+                <p:cNvPr id="23" name="Rectangles 22"/>
+                <p:cNvSpPr/>
+                <p:nvPr/>
+              </p:nvSpPr>
+              <p:spPr>
+                <a:xfrm>
+                  <a:off x="2375" y="5159"/>
+                  <a:ext cx="907" cy="859"/>
+                </a:xfrm>
+                <a:prstGeom prst="rect">
+                  <a:avLst/>
+                </a:prstGeom>
+                <a:noFill/>
+                <a:ln w="28575" cmpd="sng">
+                  <a:solidFill>
+                    <a:schemeClr val="tx1"/>
+                  </a:solidFill>
+                  <a:prstDash val="solid"/>
+                </a:ln>
+              </p:spPr>
+              <p:style>
+                <a:lnRef idx="2">
+                  <a:schemeClr val="accent1">
+                    <a:lumMod val="75000"/>
+                  </a:schemeClr>
+                </a:lnRef>
+                <a:fillRef idx="1">
+                  <a:schemeClr val="accent1"/>
+                </a:fillRef>
+                <a:effectRef idx="0">
+                  <a:srgbClr val="FFFFFF"/>
+                </a:effectRef>
+                <a:fontRef idx="minor">
+                  <a:schemeClr val="lt1"/>
+                </a:fontRef>
+              </p:style>
+              <p:txBody>
+                <a:bodyPr rtlCol="0" anchor="ctr"/>
+                <a:p>
+                  <a:pPr algn="ctr"/>
+                  <a:endParaRPr lang="en-US"/>
+                </a:p>
+              </p:txBody>
+            </p:sp>
+            <p:sp>
+              <p:nvSpPr>
+                <p:cNvPr id="30" name="Rectangles 29"/>
+                <p:cNvSpPr/>
+                <p:nvPr/>
+              </p:nvSpPr>
+              <p:spPr>
+                <a:xfrm>
+                  <a:off x="3282" y="5159"/>
+                  <a:ext cx="907" cy="859"/>
+                </a:xfrm>
+                <a:prstGeom prst="rect">
+                  <a:avLst/>
+                </a:prstGeom>
+                <a:noFill/>
+                <a:ln w="28575" cmpd="sng">
+                  <a:solidFill>
+                    <a:schemeClr val="tx1"/>
+                  </a:solidFill>
+                  <a:prstDash val="solid"/>
+                </a:ln>
+              </p:spPr>
+              <p:style>
+                <a:lnRef idx="2">
+                  <a:schemeClr val="accent1">
+                    <a:lumMod val="75000"/>
+                  </a:schemeClr>
+                </a:lnRef>
+                <a:fillRef idx="1">
+                  <a:schemeClr val="accent1"/>
+                </a:fillRef>
+                <a:effectRef idx="0">
+                  <a:srgbClr val="FFFFFF"/>
+                </a:effectRef>
+                <a:fontRef idx="minor">
+                  <a:schemeClr val="lt1"/>
+                </a:fontRef>
+              </p:style>
+              <p:txBody>
+                <a:bodyPr rtlCol="0" anchor="ctr"/>
+                <a:p>
+                  <a:pPr algn="ctr"/>
+                  <a:endParaRPr lang="en-US"/>
+                </a:p>
+              </p:txBody>
+            </p:sp>
+            <p:sp>
+              <p:nvSpPr>
+                <p:cNvPr id="31" name="Rectangles 30"/>
+                <p:cNvSpPr/>
+                <p:nvPr/>
+              </p:nvSpPr>
+              <p:spPr>
+                <a:xfrm>
+                  <a:off x="4189" y="5159"/>
+                  <a:ext cx="907" cy="859"/>
+                </a:xfrm>
+                <a:prstGeom prst="rect">
+                  <a:avLst/>
+                </a:prstGeom>
+                <a:noFill/>
+                <a:ln w="28575" cmpd="sng">
+                  <a:solidFill>
+                    <a:schemeClr val="tx1"/>
+                  </a:solidFill>
+                  <a:prstDash val="solid"/>
+                </a:ln>
+              </p:spPr>
+              <p:style>
+                <a:lnRef idx="2">
+                  <a:schemeClr val="accent1">
+                    <a:lumMod val="75000"/>
+                  </a:schemeClr>
+                </a:lnRef>
+                <a:fillRef idx="1">
+                  <a:schemeClr val="accent1"/>
+                </a:fillRef>
+                <a:effectRef idx="0">
+                  <a:srgbClr val="FFFFFF"/>
+                </a:effectRef>
+                <a:fontRef idx="minor">
+                  <a:schemeClr val="lt1"/>
+                </a:fontRef>
+              </p:style>
+              <p:txBody>
+                <a:bodyPr rtlCol="0" anchor="ctr"/>
+                <a:p>
+                  <a:pPr algn="ctr"/>
+                  <a:endParaRPr lang="en-US"/>
+                </a:p>
+              </p:txBody>
+            </p:sp>
+          </p:grpSp>
+          <p:grpSp>
+            <p:nvGrpSpPr>
+              <p:cNvPr id="37" name="Group 36"/>
+              <p:cNvGrpSpPr/>
+              <p:nvPr/>
+            </p:nvGrpSpPr>
+            <p:grpSpPr>
+              <a:xfrm>
+                <a:off x="2375" y="4439"/>
+                <a:ext cx="2720" cy="858"/>
+                <a:chOff x="2375" y="5159"/>
+                <a:chExt cx="2720" cy="858"/>
+              </a:xfrm>
+            </p:grpSpPr>
+            <p:sp>
+              <p:nvSpPr>
+                <p:cNvPr id="39" name="Rectangles 38"/>
+                <p:cNvSpPr/>
+                <p:nvPr/>
+              </p:nvSpPr>
+              <p:spPr>
+                <a:xfrm>
+                  <a:off x="2375" y="5159"/>
+                  <a:ext cx="907" cy="859"/>
+                </a:xfrm>
+                <a:prstGeom prst="rect">
+                  <a:avLst/>
+                </a:prstGeom>
+                <a:noFill/>
+                <a:ln w="28575" cmpd="sng">
+                  <a:solidFill>
+                    <a:schemeClr val="tx1"/>
+                  </a:solidFill>
+                  <a:prstDash val="solid"/>
+                </a:ln>
+              </p:spPr>
+              <p:style>
+                <a:lnRef idx="2">
+                  <a:schemeClr val="accent1">
+                    <a:lumMod val="75000"/>
+                  </a:schemeClr>
+                </a:lnRef>
+                <a:fillRef idx="1">
+                  <a:schemeClr val="accent1"/>
+                </a:fillRef>
+                <a:effectRef idx="0">
+                  <a:srgbClr val="FFFFFF"/>
+                </a:effectRef>
+                <a:fontRef idx="minor">
+                  <a:schemeClr val="lt1"/>
+                </a:fontRef>
+              </p:style>
+              <p:txBody>
+                <a:bodyPr rtlCol="0" anchor="ctr"/>
+                <a:p>
+                  <a:pPr algn="ctr"/>
+                  <a:endParaRPr lang="en-US"/>
+                </a:p>
+              </p:txBody>
+            </p:sp>
+            <p:sp>
+              <p:nvSpPr>
+                <p:cNvPr id="40" name="Rectangles 39"/>
+                <p:cNvSpPr/>
+                <p:nvPr/>
+              </p:nvSpPr>
+              <p:spPr>
+                <a:xfrm>
+                  <a:off x="3282" y="5159"/>
+                  <a:ext cx="907" cy="859"/>
+                </a:xfrm>
+                <a:prstGeom prst="rect">
+                  <a:avLst/>
+                </a:prstGeom>
+                <a:noFill/>
+                <a:ln w="28575" cmpd="sng">
+                  <a:solidFill>
+                    <a:schemeClr val="tx1"/>
+                  </a:solidFill>
+                  <a:prstDash val="solid"/>
+                </a:ln>
+              </p:spPr>
+              <p:style>
+                <a:lnRef idx="2">
+                  <a:schemeClr val="accent1">
+                    <a:lumMod val="75000"/>
+                  </a:schemeClr>
+                </a:lnRef>
+                <a:fillRef idx="1">
+                  <a:schemeClr val="accent1"/>
+                </a:fillRef>
+                <a:effectRef idx="0">
+                  <a:srgbClr val="FFFFFF"/>
+                </a:effectRef>
+                <a:fontRef idx="minor">
+                  <a:schemeClr val="lt1"/>
+                </a:fontRef>
+              </p:style>
+              <p:txBody>
+                <a:bodyPr rtlCol="0" anchor="ctr"/>
+                <a:p>
+                  <a:pPr algn="ctr"/>
+                  <a:endParaRPr lang="en-US"/>
+                </a:p>
+              </p:txBody>
+            </p:sp>
+            <p:sp>
+              <p:nvSpPr>
+                <p:cNvPr id="41" name="Rectangles 40"/>
+                <p:cNvSpPr/>
+                <p:nvPr/>
+              </p:nvSpPr>
+              <p:spPr>
+                <a:xfrm>
+                  <a:off x="4189" y="5159"/>
+                  <a:ext cx="907" cy="859"/>
+                </a:xfrm>
+                <a:prstGeom prst="rect">
+                  <a:avLst/>
+                </a:prstGeom>
+                <a:noFill/>
+                <a:ln w="28575" cmpd="sng">
+                  <a:solidFill>
+                    <a:schemeClr val="tx1"/>
+                  </a:solidFill>
+                  <a:prstDash val="solid"/>
+                </a:ln>
+              </p:spPr>
+              <p:style>
+                <a:lnRef idx="2">
+                  <a:schemeClr val="accent1">
+                    <a:lumMod val="75000"/>
+                  </a:schemeClr>
+                </a:lnRef>
+                <a:fillRef idx="1">
+                  <a:schemeClr val="accent1"/>
+                </a:fillRef>
+                <a:effectRef idx="0">
+                  <a:srgbClr val="FFFFFF"/>
+                </a:effectRef>
+                <a:fontRef idx="minor">
+                  <a:schemeClr val="lt1"/>
+                </a:fontRef>
+              </p:style>
+              <p:txBody>
+                <a:bodyPr rtlCol="0" anchor="ctr"/>
+                <a:p>
+                  <a:pPr algn="ctr"/>
+                  <a:endParaRPr lang="en-US"/>
+                </a:p>
+              </p:txBody>
+            </p:sp>
+          </p:grpSp>
+          <p:grpSp>
+            <p:nvGrpSpPr>
+              <p:cNvPr id="42" name="Group 41"/>
+              <p:cNvGrpSpPr/>
+              <p:nvPr/>
+            </p:nvGrpSpPr>
+            <p:grpSpPr>
+              <a:xfrm>
+                <a:off x="2375" y="5298"/>
+                <a:ext cx="2720" cy="858"/>
+                <a:chOff x="2375" y="5159"/>
+                <a:chExt cx="2720" cy="858"/>
+              </a:xfrm>
+            </p:grpSpPr>
+            <p:sp>
+              <p:nvSpPr>
+                <p:cNvPr id="43" name="Rectangles 42"/>
+                <p:cNvSpPr/>
+                <p:nvPr/>
+              </p:nvSpPr>
+              <p:spPr>
+                <a:xfrm>
+                  <a:off x="2375" y="5159"/>
+                  <a:ext cx="907" cy="859"/>
+                </a:xfrm>
+                <a:prstGeom prst="rect">
+                  <a:avLst/>
+                </a:prstGeom>
+                <a:noFill/>
+                <a:ln w="28575" cmpd="sng">
+                  <a:solidFill>
+                    <a:schemeClr val="tx1"/>
+                  </a:solidFill>
+                  <a:prstDash val="solid"/>
+                </a:ln>
+              </p:spPr>
+              <p:style>
+                <a:lnRef idx="2">
+                  <a:schemeClr val="accent1">
+                    <a:lumMod val="75000"/>
+                  </a:schemeClr>
+                </a:lnRef>
+                <a:fillRef idx="1">
+                  <a:schemeClr val="accent1"/>
+                </a:fillRef>
+                <a:effectRef idx="0">
+                  <a:srgbClr val="FFFFFF"/>
+                </a:effectRef>
+                <a:fontRef idx="minor">
+                  <a:schemeClr val="lt1"/>
+                </a:fontRef>
+              </p:style>
+              <p:txBody>
+                <a:bodyPr rtlCol="0" anchor="ctr"/>
+                <a:p>
+                  <a:pPr algn="ctr"/>
+                  <a:endParaRPr lang="en-US"/>
+                </a:p>
+              </p:txBody>
+            </p:sp>
+            <p:sp>
+              <p:nvSpPr>
+                <p:cNvPr id="44" name="Rectangles 43"/>
+                <p:cNvSpPr/>
+                <p:nvPr/>
+              </p:nvSpPr>
+              <p:spPr>
+                <a:xfrm>
+                  <a:off x="3282" y="5159"/>
+                  <a:ext cx="907" cy="859"/>
+                </a:xfrm>
+                <a:prstGeom prst="rect">
+                  <a:avLst/>
+                </a:prstGeom>
+                <a:noFill/>
+                <a:ln w="28575" cmpd="sng">
+                  <a:solidFill>
+                    <a:schemeClr val="tx1"/>
+                  </a:solidFill>
+                  <a:prstDash val="solid"/>
+                </a:ln>
+              </p:spPr>
+              <p:style>
+                <a:lnRef idx="2">
+                  <a:schemeClr val="accent1">
+                    <a:lumMod val="75000"/>
+                  </a:schemeClr>
+                </a:lnRef>
+                <a:fillRef idx="1">
+                  <a:schemeClr val="accent1"/>
+                </a:fillRef>
+                <a:effectRef idx="0">
+                  <a:srgbClr val="FFFFFF"/>
+                </a:effectRef>
+                <a:fontRef idx="minor">
+                  <a:schemeClr val="lt1"/>
+                </a:fontRef>
+              </p:style>
+              <p:txBody>
+                <a:bodyPr rtlCol="0" anchor="ctr"/>
+                <a:p>
+                  <a:pPr algn="ctr"/>
+                  <a:endParaRPr lang="en-US"/>
+                </a:p>
+              </p:txBody>
+            </p:sp>
+            <p:sp>
+              <p:nvSpPr>
+                <p:cNvPr id="45" name="Rectangles 44"/>
+                <p:cNvSpPr/>
+                <p:nvPr/>
+              </p:nvSpPr>
+              <p:spPr>
+                <a:xfrm>
+                  <a:off x="4189" y="5159"/>
+                  <a:ext cx="907" cy="859"/>
+                </a:xfrm>
+                <a:prstGeom prst="rect">
+                  <a:avLst/>
+                </a:prstGeom>
+                <a:noFill/>
+                <a:ln w="28575" cmpd="sng">
+                  <a:solidFill>
+                    <a:schemeClr val="tx1"/>
+                  </a:solidFill>
+                  <a:prstDash val="solid"/>
+                </a:ln>
+              </p:spPr>
+              <p:style>
+                <a:lnRef idx="2">
+                  <a:schemeClr val="accent1">
+                    <a:lumMod val="75000"/>
+                  </a:schemeClr>
+                </a:lnRef>
+                <a:fillRef idx="1">
+                  <a:schemeClr val="accent1"/>
+                </a:fillRef>
+                <a:effectRef idx="0">
+                  <a:srgbClr val="FFFFFF"/>
+                </a:effectRef>
+                <a:fontRef idx="minor">
+                  <a:schemeClr val="lt1"/>
+                </a:fontRef>
+              </p:style>
+              <p:txBody>
+                <a:bodyPr rtlCol="0" anchor="ctr"/>
+                <a:p>
+                  <a:pPr algn="ctr"/>
+                  <a:endParaRPr lang="en-US"/>
+                </a:p>
+              </p:txBody>
+            </p:sp>
+          </p:grpSp>
+        </p:grpSp>
         <p:sp>
           <p:nvSpPr>
-            <p:cNvPr id="7" name="Text Box 6"/>
+            <p:cNvPr id="52" name="Text Box 51"/>
             <p:cNvSpPr txBox="1"/>
             <p:nvPr/>
           </p:nvSpPr>
           <p:spPr>
             <a:xfrm>
-              <a:off x="2468" y="2435"/>
-              <a:ext cx="8698" cy="1743"/>
+              <a:off x="1969" y="3134"/>
+              <a:ext cx="819" cy="919"/>
             </a:xfrm>
             <a:prstGeom prst="rect">
               <a:avLst/>
@@ -4260,37 +4731,7 @@
             <a:p>
               <a:pPr algn="ctr"/>
               <a:r>
-                <a:rPr lang="en-US" sz="6600"/>
-                <a:t>M C M X C I V</a:t>
-              </a:r>
-              <a:endParaRPr lang="en-US" sz="6600"/>
-            </a:p>
-          </p:txBody>
-        </p:sp>
-        <p:sp>
-          <p:nvSpPr>
-            <p:cNvPr id="12" name="Text Box 11"/>
-            <p:cNvSpPr txBox="1"/>
-            <p:nvPr/>
-          </p:nvSpPr>
-          <p:spPr>
-            <a:xfrm>
-              <a:off x="3203" y="2256"/>
-              <a:ext cx="1132" cy="580"/>
-            </a:xfrm>
-            <a:prstGeom prst="rect">
-              <a:avLst/>
-            </a:prstGeom>
-            <a:noFill/>
-          </p:spPr>
-          <p:txBody>
-            <a:bodyPr wrap="square" rtlCol="0">
-              <a:spAutoFit/>
-            </a:bodyPr>
-            <a:p>
-              <a:pPr algn="ctr"/>
-              <a:r>
-                <a:rPr lang="en-US" b="1">
+                <a:rPr lang="en-US" sz="3200" b="1">
                   <a:ln/>
                   <a:solidFill>
                     <a:schemeClr val="accent1"/>
@@ -4303,9 +4744,9 @@
                     </a:outerShdw>
                   </a:effectLst>
                 </a:rPr>
-                <a:t>1000</a:t>
+                <a:t>1</a:t>
               </a:r>
-              <a:endParaRPr lang="en-US" b="1">
+              <a:endParaRPr lang="en-US" sz="3200" b="1">
                 <a:ln/>
                 <a:solidFill>
                   <a:schemeClr val="accent1"/>
@@ -4323,14 +4764,14 @@
         </p:sp>
         <p:sp>
           <p:nvSpPr>
-            <p:cNvPr id="14" name="Text Box 13"/>
+            <p:cNvPr id="53" name="Text Box 52"/>
             <p:cNvSpPr txBox="1"/>
             <p:nvPr/>
           </p:nvSpPr>
           <p:spPr>
             <a:xfrm>
-              <a:off x="5670" y="2256"/>
-              <a:ext cx="1132" cy="580"/>
+              <a:off x="4904" y="4443"/>
+              <a:ext cx="819" cy="919"/>
             </a:xfrm>
             <a:prstGeom prst="rect">
               <a:avLst/>
@@ -4344,7 +4785,7 @@
             <a:p>
               <a:pPr algn="ctr"/>
               <a:r>
-                <a:rPr lang="en-US" b="1">
+                <a:rPr lang="en-US" sz="3200" b="1">
                   <a:solidFill>
                     <a:schemeClr val="accent1"/>
                   </a:solidFill>
@@ -4356,9 +4797,9 @@
                     </a:outerShdw>
                   </a:effectLst>
                 </a:rPr>
-                <a:t>1000</a:t>
+                <a:t>6</a:t>
               </a:r>
-              <a:endParaRPr lang="en-US" b="1">
+              <a:endParaRPr lang="en-US" sz="3200" b="1">
                 <a:solidFill>
                   <a:schemeClr val="accent1"/>
                 </a:solidFill>
@@ -4375,274 +4816,14 @@
         </p:sp>
         <p:sp>
           <p:nvSpPr>
-            <p:cNvPr id="15" name="Text Box 14"/>
+            <p:cNvPr id="54" name="Text Box 53"/>
             <p:cNvSpPr txBox="1"/>
             <p:nvPr/>
           </p:nvSpPr>
           <p:spPr>
             <a:xfrm>
-              <a:off x="6902" y="2256"/>
-              <a:ext cx="1132" cy="580"/>
-            </a:xfrm>
-            <a:prstGeom prst="rect">
-              <a:avLst/>
-            </a:prstGeom>
-            <a:noFill/>
-          </p:spPr>
-          <p:txBody>
-            <a:bodyPr wrap="square" rtlCol="0">
-              <a:spAutoFit/>
-            </a:bodyPr>
-            <a:p>
-              <a:pPr algn="ctr"/>
-              <a:r>
-                <a:rPr lang="en-US" b="1">
-                  <a:solidFill>
-                    <a:schemeClr val="accent4"/>
-                  </a:solidFill>
-                  <a:effectLst>
-                    <a:outerShdw blurRad="38100" dist="25400" dir="5400000" algn="ctr" rotWithShape="0">
-                      <a:srgbClr val="6E747A">
-                        <a:alpha val="43000"/>
-                      </a:srgbClr>
-                    </a:outerShdw>
-                  </a:effectLst>
-                </a:rPr>
-                <a:t>10</a:t>
-              </a:r>
-              <a:endParaRPr lang="en-US" b="1">
-                <a:solidFill>
-                  <a:schemeClr val="accent4"/>
-                </a:solidFill>
-                <a:effectLst>
-                  <a:outerShdw blurRad="38100" dist="25400" dir="5400000" algn="ctr" rotWithShape="0">
-                    <a:srgbClr val="6E747A">
-                      <a:alpha val="43000"/>
-                    </a:srgbClr>
-                  </a:outerShdw>
-                </a:effectLst>
-              </a:endParaRPr>
-            </a:p>
-          </p:txBody>
-        </p:sp>
-        <p:sp>
-          <p:nvSpPr>
-            <p:cNvPr id="16" name="Text Box 15"/>
-            <p:cNvSpPr txBox="1"/>
-            <p:nvPr/>
-          </p:nvSpPr>
-          <p:spPr>
-            <a:xfrm>
-              <a:off x="8663" y="2256"/>
-              <a:ext cx="1132" cy="580"/>
-            </a:xfrm>
-            <a:prstGeom prst="rect">
-              <a:avLst/>
-            </a:prstGeom>
-            <a:noFill/>
-          </p:spPr>
-          <p:txBody>
-            <a:bodyPr wrap="square" rtlCol="0">
-              <a:spAutoFit/>
-            </a:bodyPr>
-            <a:p>
-              <a:pPr algn="ctr"/>
-              <a:r>
-                <a:rPr lang="en-US" b="1">
-                  <a:solidFill>
-                    <a:schemeClr val="accent6"/>
-                  </a:solidFill>
-                  <a:effectLst>
-                    <a:outerShdw blurRad="38100" dist="25400" dir="5400000" algn="ctr" rotWithShape="0">
-                      <a:srgbClr val="6E747A">
-                        <a:alpha val="43000"/>
-                      </a:srgbClr>
-                    </a:outerShdw>
-                  </a:effectLst>
-                </a:rPr>
-                <a:t>1</a:t>
-              </a:r>
-              <a:endParaRPr lang="en-US" b="1">
-                <a:solidFill>
-                  <a:schemeClr val="accent6"/>
-                </a:solidFill>
-                <a:effectLst>
-                  <a:outerShdw blurRad="38100" dist="25400" dir="5400000" algn="ctr" rotWithShape="0">
-                    <a:srgbClr val="6E747A">
-                      <a:alpha val="43000"/>
-                    </a:srgbClr>
-                  </a:outerShdw>
-                </a:effectLst>
-              </a:endParaRPr>
-            </a:p>
-          </p:txBody>
-        </p:sp>
-        <p:sp>
-          <p:nvSpPr>
-            <p:cNvPr id="17" name="Text Box 16"/>
-            <p:cNvSpPr txBox="1"/>
-            <p:nvPr/>
-          </p:nvSpPr>
-          <p:spPr>
-            <a:xfrm>
-              <a:off x="9469" y="2256"/>
-              <a:ext cx="1132" cy="580"/>
-            </a:xfrm>
-            <a:prstGeom prst="rect">
-              <a:avLst/>
-            </a:prstGeom>
-            <a:noFill/>
-          </p:spPr>
-          <p:txBody>
-            <a:bodyPr wrap="square" rtlCol="0">
-              <a:spAutoFit/>
-            </a:bodyPr>
-            <a:p>
-              <a:pPr algn="ctr"/>
-              <a:r>
-                <a:rPr lang="en-US" b="1">
-                  <a:solidFill>
-                    <a:srgbClr val="7030A0"/>
-                  </a:solidFill>
-                  <a:effectLst>
-                    <a:outerShdw blurRad="38100" dist="25400" dir="5400000" algn="ctr" rotWithShape="0">
-                      <a:srgbClr val="6E747A">
-                        <a:alpha val="43000"/>
-                      </a:srgbClr>
-                    </a:outerShdw>
-                  </a:effectLst>
-                </a:rPr>
-                <a:t>5</a:t>
-              </a:r>
-              <a:endParaRPr lang="en-US" b="1">
-                <a:solidFill>
-                  <a:srgbClr val="7030A0"/>
-                </a:solidFill>
-                <a:effectLst>
-                  <a:outerShdw blurRad="38100" dist="25400" dir="5400000" algn="ctr" rotWithShape="0">
-                    <a:srgbClr val="6E747A">
-                      <a:alpha val="43000"/>
-                    </a:srgbClr>
-                  </a:outerShdw>
-                </a:effectLst>
-              </a:endParaRPr>
-            </a:p>
-          </p:txBody>
-        </p:sp>
-        <p:sp>
-          <p:nvSpPr>
-            <p:cNvPr id="18" name="Text Box 17"/>
-            <p:cNvSpPr txBox="1"/>
-            <p:nvPr/>
-          </p:nvSpPr>
-          <p:spPr>
-            <a:xfrm>
-              <a:off x="7929" y="2256"/>
-              <a:ext cx="1132" cy="580"/>
-            </a:xfrm>
-            <a:prstGeom prst="rect">
-              <a:avLst/>
-            </a:prstGeom>
-            <a:noFill/>
-          </p:spPr>
-          <p:txBody>
-            <a:bodyPr wrap="square" rtlCol="0">
-              <a:spAutoFit/>
-            </a:bodyPr>
-            <a:p>
-              <a:pPr algn="ctr"/>
-              <a:r>
-                <a:rPr lang="en-US" b="1">
-                  <a:solidFill>
-                    <a:schemeClr val="accent2"/>
-                  </a:solidFill>
-                  <a:effectLst>
-                    <a:outerShdw blurRad="38100" dist="25400" dir="5400000" algn="ctr" rotWithShape="0">
-                      <a:srgbClr val="6E747A">
-                        <a:alpha val="43000"/>
-                      </a:srgbClr>
-                    </a:outerShdw>
-                  </a:effectLst>
-                </a:rPr>
-                <a:t>100</a:t>
-              </a:r>
-              <a:endParaRPr lang="en-US" b="1">
-                <a:solidFill>
-                  <a:schemeClr val="accent2"/>
-                </a:solidFill>
-                <a:effectLst>
-                  <a:outerShdw blurRad="38100" dist="25400" dir="5400000" algn="ctr" rotWithShape="0">
-                    <a:srgbClr val="6E747A">
-                      <a:alpha val="43000"/>
-                    </a:srgbClr>
-                  </a:outerShdw>
-                </a:effectLst>
-              </a:endParaRPr>
-            </a:p>
-          </p:txBody>
-        </p:sp>
-        <p:sp>
-          <p:nvSpPr>
-            <p:cNvPr id="19" name="Text Box 18"/>
-            <p:cNvSpPr txBox="1"/>
-            <p:nvPr/>
-          </p:nvSpPr>
-          <p:spPr>
-            <a:xfrm>
-              <a:off x="4438" y="2256"/>
-              <a:ext cx="1132" cy="580"/>
-            </a:xfrm>
-            <a:prstGeom prst="rect">
-              <a:avLst/>
-            </a:prstGeom>
-            <a:noFill/>
-          </p:spPr>
-          <p:txBody>
-            <a:bodyPr wrap="square" rtlCol="0">
-              <a:spAutoFit/>
-            </a:bodyPr>
-            <a:p>
-              <a:pPr algn="ctr"/>
-              <a:r>
-                <a:rPr lang="en-US" b="1">
-                  <a:solidFill>
-                    <a:schemeClr val="accent2"/>
-                  </a:solidFill>
-                  <a:effectLst>
-                    <a:outerShdw blurRad="38100" dist="25400" dir="5400000" algn="ctr" rotWithShape="0">
-                      <a:srgbClr val="6E747A">
-                        <a:alpha val="43000"/>
-                      </a:srgbClr>
-                    </a:outerShdw>
-                  </a:effectLst>
-                </a:rPr>
-                <a:t>100</a:t>
-              </a:r>
-              <a:endParaRPr lang="en-US" b="1">
-                <a:solidFill>
-                  <a:schemeClr val="accent2"/>
-                </a:solidFill>
-                <a:effectLst>
-                  <a:outerShdw blurRad="38100" dist="25400" dir="5400000" algn="ctr" rotWithShape="0">
-                    <a:srgbClr val="6E747A">
-                      <a:alpha val="43000"/>
-                    </a:srgbClr>
-                  </a:outerShdw>
-                </a:effectLst>
-              </a:endParaRPr>
-            </a:p>
-          </p:txBody>
-        </p:sp>
-        <p:sp>
-          <p:nvSpPr>
-            <p:cNvPr id="20" name="Text Box 19"/>
-            <p:cNvSpPr txBox="1"/>
-            <p:nvPr/>
-          </p:nvSpPr>
-          <p:spPr>
-            <a:xfrm>
-              <a:off x="3385" y="3914"/>
-              <a:ext cx="657" cy="919"/>
+              <a:off x="3440" y="5752"/>
+              <a:ext cx="819" cy="919"/>
             </a:xfrm>
             <a:prstGeom prst="rect">
               <a:avLst/>
@@ -4658,29 +4839,43 @@
               <a:r>
                 <a:rPr lang="en-US" sz="3200" b="1">
                   <a:solidFill>
-                    <a:srgbClr val="FF0000"/>
+                    <a:schemeClr val="accent1"/>
                   </a:solidFill>
+                  <a:effectLst>
+                    <a:outerShdw blurRad="38100" dist="25400" dir="5400000" algn="ctr" rotWithShape="0">
+                      <a:srgbClr val="6E747A">
+                        <a:alpha val="43000"/>
+                      </a:srgbClr>
+                    </a:outerShdw>
+                  </a:effectLst>
                 </a:rPr>
-                <a:t>i</a:t>
+                <a:t>8</a:t>
               </a:r>
               <a:endParaRPr lang="en-US" sz="3200" b="1">
                 <a:solidFill>
-                  <a:srgbClr val="FF0000"/>
+                  <a:schemeClr val="accent1"/>
                 </a:solidFill>
+                <a:effectLst>
+                  <a:outerShdw blurRad="38100" dist="25400" dir="5400000" algn="ctr" rotWithShape="0">
+                    <a:srgbClr val="6E747A">
+                      <a:alpha val="43000"/>
+                    </a:srgbClr>
+                  </a:outerShdw>
+                </a:effectLst>
               </a:endParaRPr>
             </a:p>
           </p:txBody>
         </p:sp>
         <p:sp>
           <p:nvSpPr>
-            <p:cNvPr id="21" name="Text Box 20"/>
+            <p:cNvPr id="55" name="Text Box 54"/>
             <p:cNvSpPr txBox="1"/>
             <p:nvPr/>
           </p:nvSpPr>
           <p:spPr>
             <a:xfrm>
-              <a:off x="4421" y="3914"/>
-              <a:ext cx="1248" cy="919"/>
+              <a:off x="3456" y="4443"/>
+              <a:ext cx="819" cy="919"/>
             </a:xfrm>
             <a:prstGeom prst="rect">
               <a:avLst/>
@@ -4696,29 +4891,43 @@
               <a:r>
                 <a:rPr lang="en-US" sz="3200" b="1">
                   <a:solidFill>
-                    <a:srgbClr val="FF0000"/>
+                    <a:schemeClr val="accent1"/>
                   </a:solidFill>
+                  <a:effectLst>
+                    <a:outerShdw blurRad="38100" dist="25400" dir="5400000" algn="ctr" rotWithShape="0">
+                      <a:srgbClr val="6E747A">
+                        <a:alpha val="43000"/>
+                      </a:srgbClr>
+                    </a:outerShdw>
+                  </a:effectLst>
                 </a:rPr>
-                <a:t>i+1</a:t>
+                <a:t>5</a:t>
               </a:r>
               <a:endParaRPr lang="en-US" sz="3200" b="1">
                 <a:solidFill>
-                  <a:srgbClr val="FF0000"/>
+                  <a:schemeClr val="accent1"/>
                 </a:solidFill>
+                <a:effectLst>
+                  <a:outerShdw blurRad="38100" dist="25400" dir="5400000" algn="ctr" rotWithShape="0">
+                    <a:srgbClr val="6E747A">
+                      <a:alpha val="43000"/>
+                    </a:srgbClr>
+                  </a:outerShdw>
+                </a:effectLst>
               </a:endParaRPr>
             </a:p>
           </p:txBody>
         </p:sp>
         <p:sp>
           <p:nvSpPr>
-            <p:cNvPr id="22" name="Text Box 21"/>
+            <p:cNvPr id="56" name="Text Box 55"/>
             <p:cNvSpPr txBox="1"/>
             <p:nvPr/>
           </p:nvSpPr>
           <p:spPr>
             <a:xfrm>
-              <a:off x="5603" y="3914"/>
-              <a:ext cx="1094" cy="919"/>
+              <a:off x="4911" y="3134"/>
+              <a:ext cx="819" cy="919"/>
             </a:xfrm>
             <a:prstGeom prst="rect">
               <a:avLst/>
@@ -4734,29 +4943,43 @@
               <a:r>
                 <a:rPr lang="en-US" sz="3200" b="1">
                   <a:solidFill>
-                    <a:srgbClr val="FF0000"/>
+                    <a:schemeClr val="accent1"/>
                   </a:solidFill>
+                  <a:effectLst>
+                    <a:outerShdw blurRad="38100" dist="25400" dir="5400000" algn="ctr" rotWithShape="0">
+                      <a:srgbClr val="6E747A">
+                        <a:alpha val="43000"/>
+                      </a:srgbClr>
+                    </a:outerShdw>
+                  </a:effectLst>
                 </a:rPr>
-                <a:t>i+2</a:t>
+                <a:t>3</a:t>
               </a:r>
               <a:endParaRPr lang="en-US" sz="3200" b="1">
                 <a:solidFill>
-                  <a:srgbClr val="FF0000"/>
+                  <a:schemeClr val="accent1"/>
                 </a:solidFill>
+                <a:effectLst>
+                  <a:outerShdw blurRad="38100" dist="25400" dir="5400000" algn="ctr" rotWithShape="0">
+                    <a:srgbClr val="6E747A">
+                      <a:alpha val="43000"/>
+                    </a:srgbClr>
+                  </a:outerShdw>
+                </a:effectLst>
               </a:endParaRPr>
             </a:p>
           </p:txBody>
         </p:sp>
         <p:sp>
           <p:nvSpPr>
-            <p:cNvPr id="24" name="Text Box 23"/>
+            <p:cNvPr id="57" name="Text Box 56"/>
             <p:cNvSpPr txBox="1"/>
             <p:nvPr/>
           </p:nvSpPr>
           <p:spPr>
             <a:xfrm>
-              <a:off x="6802" y="3914"/>
-              <a:ext cx="2838" cy="919"/>
+              <a:off x="3440" y="3134"/>
+              <a:ext cx="819" cy="919"/>
             </a:xfrm>
             <a:prstGeom prst="rect">
               <a:avLst/>
@@ -4772,29 +4995,43 @@
               <a:r>
                 <a:rPr lang="en-US" sz="3200" b="1">
                   <a:solidFill>
-                    <a:srgbClr val="FF0000"/>
+                    <a:schemeClr val="accent1"/>
                   </a:solidFill>
+                  <a:effectLst>
+                    <a:outerShdw blurRad="38100" dist="25400" dir="5400000" algn="ctr" rotWithShape="0">
+                      <a:srgbClr val="6E747A">
+                        <a:alpha val="43000"/>
+                      </a:srgbClr>
+                    </a:outerShdw>
+                  </a:effectLst>
                 </a:rPr>
-                <a:t>...............</a:t>
+                <a:t>2</a:t>
               </a:r>
               <a:endParaRPr lang="en-US" sz="3200" b="1">
                 <a:solidFill>
-                  <a:srgbClr val="FF0000"/>
+                  <a:schemeClr val="accent1"/>
                 </a:solidFill>
+                <a:effectLst>
+                  <a:outerShdw blurRad="38100" dist="25400" dir="5400000" algn="ctr" rotWithShape="0">
+                    <a:srgbClr val="6E747A">
+                      <a:alpha val="43000"/>
+                    </a:srgbClr>
+                  </a:outerShdw>
+                </a:effectLst>
               </a:endParaRPr>
             </a:p>
           </p:txBody>
         </p:sp>
         <p:sp>
           <p:nvSpPr>
-            <p:cNvPr id="25" name="Text Box 24"/>
+            <p:cNvPr id="58" name="Text Box 57"/>
             <p:cNvSpPr txBox="1"/>
             <p:nvPr/>
           </p:nvSpPr>
           <p:spPr>
             <a:xfrm>
-              <a:off x="9469" y="3914"/>
-              <a:ext cx="1296" cy="919"/>
+              <a:off x="1976" y="5752"/>
+              <a:ext cx="819" cy="919"/>
             </a:xfrm>
             <a:prstGeom prst="rect">
               <a:avLst/>
@@ -4810,15 +5047,133 @@
               <a:r>
                 <a:rPr lang="en-US" sz="3200" b="1">
                   <a:solidFill>
-                    <a:srgbClr val="FF0000"/>
+                    <a:schemeClr val="accent1"/>
                   </a:solidFill>
+                  <a:effectLst>
+                    <a:outerShdw blurRad="38100" dist="25400" dir="5400000" algn="ctr" rotWithShape="0">
+                      <a:srgbClr val="6E747A">
+                        <a:alpha val="43000"/>
+                      </a:srgbClr>
+                    </a:outerShdw>
+                  </a:effectLst>
                 </a:rPr>
-                <a:t>i+n</a:t>
+                <a:t>7</a:t>
               </a:r>
               <a:endParaRPr lang="en-US" sz="3200" b="1">
                 <a:solidFill>
-                  <a:srgbClr val="FF0000"/>
+                  <a:schemeClr val="accent1"/>
                 </a:solidFill>
+                <a:effectLst>
+                  <a:outerShdw blurRad="38100" dist="25400" dir="5400000" algn="ctr" rotWithShape="0">
+                    <a:srgbClr val="6E747A">
+                      <a:alpha val="43000"/>
+                    </a:srgbClr>
+                  </a:outerShdw>
+                </a:effectLst>
+              </a:endParaRPr>
+            </a:p>
+          </p:txBody>
+        </p:sp>
+        <p:sp>
+          <p:nvSpPr>
+            <p:cNvPr id="59" name="Text Box 58"/>
+            <p:cNvSpPr txBox="1"/>
+            <p:nvPr/>
+          </p:nvSpPr>
+          <p:spPr>
+            <a:xfrm>
+              <a:off x="2007" y="4443"/>
+              <a:ext cx="819" cy="919"/>
+            </a:xfrm>
+            <a:prstGeom prst="rect">
+              <a:avLst/>
+            </a:prstGeom>
+            <a:noFill/>
+          </p:spPr>
+          <p:txBody>
+            <a:bodyPr wrap="square" rtlCol="0">
+              <a:spAutoFit/>
+            </a:bodyPr>
+            <a:p>
+              <a:pPr algn="ctr"/>
+              <a:r>
+                <a:rPr lang="en-US" sz="3200" b="1">
+                  <a:solidFill>
+                    <a:schemeClr val="accent1"/>
+                  </a:solidFill>
+                  <a:effectLst>
+                    <a:outerShdw blurRad="38100" dist="25400" dir="5400000" algn="ctr" rotWithShape="0">
+                      <a:srgbClr val="6E747A">
+                        <a:alpha val="43000"/>
+                      </a:srgbClr>
+                    </a:outerShdw>
+                  </a:effectLst>
+                </a:rPr>
+                <a:t>4</a:t>
+              </a:r>
+              <a:endParaRPr lang="en-US" sz="3200" b="1">
+                <a:solidFill>
+                  <a:schemeClr val="accent1"/>
+                </a:solidFill>
+                <a:effectLst>
+                  <a:outerShdw blurRad="38100" dist="25400" dir="5400000" algn="ctr" rotWithShape="0">
+                    <a:srgbClr val="6E747A">
+                      <a:alpha val="43000"/>
+                    </a:srgbClr>
+                  </a:outerShdw>
+                </a:effectLst>
+              </a:endParaRPr>
+            </a:p>
+          </p:txBody>
+        </p:sp>
+        <p:sp>
+          <p:nvSpPr>
+            <p:cNvPr id="60" name="Text Box 59"/>
+            <p:cNvSpPr txBox="1"/>
+            <p:nvPr/>
+          </p:nvSpPr>
+          <p:spPr>
+            <a:xfrm>
+              <a:off x="4904" y="5752"/>
+              <a:ext cx="819" cy="919"/>
+            </a:xfrm>
+            <a:prstGeom prst="rect">
+              <a:avLst/>
+            </a:prstGeom>
+            <a:noFill/>
+          </p:spPr>
+          <p:txBody>
+            <a:bodyPr wrap="square" rtlCol="0">
+              <a:spAutoFit/>
+            </a:bodyPr>
+            <a:p>
+              <a:pPr algn="ctr"/>
+              <a:r>
+                <a:rPr lang="en-US" sz="3200" b="1">
+                  <a:solidFill>
+                    <a:schemeClr val="accent1"/>
+                  </a:solidFill>
+                  <a:effectLst>
+                    <a:outerShdw blurRad="38100" dist="25400" dir="5400000" algn="ctr" rotWithShape="0">
+                      <a:srgbClr val="6E747A">
+                        <a:alpha val="43000"/>
+                      </a:srgbClr>
+                    </a:outerShdw>
+                  </a:effectLst>
+                </a:rPr>
+                <a:t>9</a:t>
+              </a:r>
+              <a:endParaRPr lang="en-US" sz="3200" b="1">
+                <a:solidFill>
+                  <a:schemeClr val="accent1"/>
+                </a:solidFill>
+                <a:effectLst>
+                  <a:outerShdw blurRad="38100" dist="25400" dir="5400000" algn="ctr" rotWithShape="0">
+                    <a:srgbClr val="6E747A">
+                      <a:alpha val="43000"/>
+                    </a:srgbClr>
+                  </a:outerShdw>
+                </a:effectLst>
               </a:endParaRPr>
             </a:p>
           </p:txBody>
@@ -4826,14 +5181,14 @@
       </p:grpSp>
       <p:sp>
         <p:nvSpPr>
-          <p:cNvPr id="26" name="Text Box 25"/>
+          <p:cNvPr id="87" name="Text Box 86"/>
           <p:cNvSpPr txBox="1"/>
           <p:nvPr/>
         </p:nvSpPr>
         <p:spPr>
           <a:xfrm>
-            <a:off x="5774690" y="2320290"/>
-            <a:ext cx="2955925" cy="398780"/>
+            <a:off x="1580515" y="2143125"/>
+            <a:ext cx="1304925" cy="460375"/>
           </a:xfrm>
           <a:prstGeom prst="rect">
             <a:avLst/>
@@ -4845,207 +5200,61 @@
             <a:spAutoFit/>
           </a:bodyPr>
           <a:p>
-            <a:r>
-              <a:rPr lang="en-US" sz="2000" b="1">
-                <a:highlight>
-                  <a:srgbClr val="FFFF00"/>
-                </a:highlight>
+            <a:pPr algn="ctr"/>
+            <a:r>
+              <a:rPr lang="en-US" sz="2400" b="1">
+                <a:solidFill>
+                  <a:srgbClr val="FF0000"/>
+                </a:solidFill>
               </a:rPr>
-              <a:t>n</a:t>
-            </a:r>
-            <a:r>
-              <a:rPr lang="en-US" sz="2000"/>
+              <a:t>i</a:t>
+            </a:r>
+            <a:r>
+              <a:rPr lang="en-US" sz="2400"/>
               <a:t> = </a:t>
             </a:r>
             <a:r>
-              <a:rPr lang="en-US" sz="2000" i="1"/>
-              <a:t>Length of string (input)</a:t>
-            </a:r>
-            <a:endParaRPr lang="en-US" sz="2000" i="1"/>
+              <a:rPr lang="en-US" sz="2400" b="1">
+                <a:ln/>
+                <a:solidFill>
+                  <a:schemeClr val="tx1"/>
+                </a:solidFill>
+                <a:effectLst>
+                  <a:outerShdw blurRad="38100" dist="19050" dir="2700000" algn="tl" rotWithShape="0">
+                    <a:schemeClr val="dk1">
+                      <a:alpha val="40000"/>
+                    </a:schemeClr>
+                  </a:outerShdw>
+                </a:effectLst>
+              </a:rPr>
+              <a:t>ROW</a:t>
+            </a:r>
+            <a:endParaRPr lang="en-US" sz="2400" b="1">
+              <a:ln/>
+              <a:solidFill>
+                <a:schemeClr val="tx1"/>
+              </a:solidFill>
+              <a:effectLst>
+                <a:outerShdw blurRad="38100" dist="19050" dir="2700000" algn="tl" rotWithShape="0">
+                  <a:schemeClr val="dk1">
+                    <a:alpha val="40000"/>
+                  </a:schemeClr>
+                </a:outerShdw>
+              </a:effectLst>
+            </a:endParaRPr>
           </a:p>
         </p:txBody>
       </p:sp>
       <p:sp>
         <p:nvSpPr>
-          <p:cNvPr id="28" name="Rectangles 27"/>
-          <p:cNvSpPr/>
-          <p:nvPr/>
-        </p:nvSpPr>
-        <p:spPr>
-          <a:xfrm>
-            <a:off x="723900" y="1190625"/>
-            <a:ext cx="5000625" cy="1676400"/>
-          </a:xfrm>
-          <a:prstGeom prst="rect">
-            <a:avLst/>
-          </a:prstGeom>
-          <a:noFill/>
-          <a:ln w="28575" cmpd="sng">
-            <a:solidFill>
-              <a:srgbClr val="00B050"/>
-            </a:solidFill>
-            <a:prstDash val="solid"/>
-          </a:ln>
-        </p:spPr>
-        <p:style>
-          <a:lnRef idx="2">
-            <a:schemeClr val="accent1">
-              <a:lumMod val="75000"/>
-            </a:schemeClr>
-          </a:lnRef>
-          <a:fillRef idx="1">
-            <a:schemeClr val="accent1"/>
-          </a:fillRef>
-          <a:effectRef idx="0">
-            <a:srgbClr val="FFFFFF"/>
-          </a:effectRef>
-          <a:fontRef idx="minor">
-            <a:schemeClr val="lt1"/>
-          </a:fontRef>
-        </p:style>
-        <p:txBody>
-          <a:bodyPr rtlCol="0" anchor="ctr"/>
-          <a:p>
-            <a:pPr algn="ctr"/>
-            <a:endParaRPr lang="en-US"/>
-          </a:p>
-        </p:txBody>
-      </p:sp>
-      <p:sp>
-        <p:nvSpPr>
-          <p:cNvPr id="29" name="Down Arrow 28"/>
-          <p:cNvSpPr/>
-          <p:nvPr/>
-        </p:nvSpPr>
-        <p:spPr>
-          <a:xfrm>
-            <a:off x="2853055" y="3009900"/>
-            <a:ext cx="400050" cy="504825"/>
-          </a:xfrm>
-          <a:prstGeom prst="downArrow">
-            <a:avLst/>
-          </a:prstGeom>
-        </p:spPr>
-        <p:style>
-          <a:lnRef idx="2">
-            <a:schemeClr val="accent1">
-              <a:lumMod val="75000"/>
-            </a:schemeClr>
-          </a:lnRef>
-          <a:fillRef idx="1">
-            <a:schemeClr val="accent1"/>
-          </a:fillRef>
-          <a:effectRef idx="0">
-            <a:srgbClr val="FFFFFF"/>
-          </a:effectRef>
-          <a:fontRef idx="minor">
-            <a:schemeClr val="lt1"/>
-          </a:fontRef>
-        </p:style>
-        <p:txBody>
-          <a:bodyPr rtlCol="0" anchor="ctr"/>
-          <a:p>
-            <a:pPr algn="ctr"/>
-            <a:endParaRPr lang="en-US"/>
-          </a:p>
-        </p:txBody>
-      </p:sp>
-      <p:sp>
-        <p:nvSpPr>
-          <p:cNvPr id="33" name="Text Box 32"/>
+          <p:cNvPr id="88" name="Text Box 87"/>
           <p:cNvSpPr txBox="1"/>
           <p:nvPr/>
         </p:nvSpPr>
         <p:spPr>
           <a:xfrm>
-            <a:off x="596265" y="4037330"/>
-            <a:ext cx="2174875" cy="1106805"/>
-          </a:xfrm>
-          <a:prstGeom prst="rect">
-            <a:avLst/>
-          </a:prstGeom>
-          <a:noFill/>
-        </p:spPr>
-        <p:txBody>
-          <a:bodyPr wrap="square" rtlCol="0" anchor="t">
-            <a:spAutoFit/>
-          </a:bodyPr>
-          <a:p>
-            <a:r>
-              <a:rPr lang="en-US" sz="6600">
-                <a:sym typeface="+mn-ea"/>
-              </a:rPr>
-              <a:t>C    M</a:t>
-            </a:r>
-            <a:endParaRPr lang="en-US" sz="6600">
-              <a:sym typeface="+mn-ea"/>
-            </a:endParaRPr>
-          </a:p>
-        </p:txBody>
-      </p:sp>
-      <p:sp>
-        <p:nvSpPr>
-          <p:cNvPr id="34" name="Notched Right Arrow 33"/>
-          <p:cNvSpPr/>
-          <p:nvPr/>
-        </p:nvSpPr>
-        <p:spPr>
-          <a:xfrm>
-            <a:off x="2771140" y="4319270"/>
-            <a:ext cx="733425" cy="542925"/>
-          </a:xfrm>
-          <a:prstGeom prst="notchedRightArrow">
-            <a:avLst/>
-          </a:prstGeom>
-          <a:gradFill>
-            <a:gsLst>
-              <a:gs pos="0">
-                <a:srgbClr val="14CD68"/>
-              </a:gs>
-              <a:gs pos="100000">
-                <a:srgbClr val="035C7D"/>
-              </a:gs>
-            </a:gsLst>
-            <a:lin ang="5400000" scaled="0"/>
-          </a:gradFill>
-          <a:ln>
-            <a:noFill/>
-          </a:ln>
-        </p:spPr>
-        <p:style>
-          <a:lnRef idx="2">
-            <a:schemeClr val="accent1">
-              <a:lumMod val="75000"/>
-            </a:schemeClr>
-          </a:lnRef>
-          <a:fillRef idx="1">
-            <a:schemeClr val="accent1"/>
-          </a:fillRef>
-          <a:effectRef idx="0">
-            <a:srgbClr val="FFFFFF"/>
-          </a:effectRef>
-          <a:fontRef idx="minor">
-            <a:schemeClr val="lt1"/>
-          </a:fontRef>
-        </p:style>
-        <p:txBody>
-          <a:bodyPr rtlCol="0" anchor="ctr"/>
-          <a:p>
-            <a:pPr algn="ctr"/>
-            <a:endParaRPr lang="en-US"/>
-          </a:p>
-        </p:txBody>
-      </p:sp>
-      <p:sp>
-        <p:nvSpPr>
-          <p:cNvPr id="35" name="Text Box 34"/>
-          <p:cNvSpPr txBox="1"/>
-          <p:nvPr/>
-        </p:nvSpPr>
-        <p:spPr>
-          <a:xfrm>
-            <a:off x="501015" y="5024120"/>
-            <a:ext cx="2270125" cy="521970"/>
+            <a:off x="3800475" y="3682365"/>
+            <a:ext cx="1811020" cy="460375"/>
           </a:xfrm>
           <a:prstGeom prst="rect">
             <a:avLst/>
@@ -5057,67 +5266,1377 @@
             <a:spAutoFit/>
           </a:bodyPr>
           <a:p>
-            <a:r>
-              <a:rPr lang="en-US" sz="2800" b="1">
-                <a:ln/>
+            <a:pPr algn="ctr"/>
+            <a:r>
+              <a:rPr lang="en-US" sz="2400" b="1">
                 <a:solidFill>
-                  <a:schemeClr val="accent1"/>
+                  <a:srgbClr val="FF0000"/>
+                </a:solidFill>
+              </a:rPr>
+              <a:t>j</a:t>
+            </a:r>
+            <a:r>
+              <a:rPr lang="en-US" sz="2400"/>
+              <a:t> = </a:t>
+            </a:r>
+            <a:r>
+              <a:rPr lang="en-US" sz="2400" b="1">
+                <a:solidFill>
+                  <a:schemeClr val="tx1"/>
                 </a:solidFill>
                 <a:effectLst>
-                  <a:outerShdw blurRad="38100" dist="25400" dir="5400000" algn="ctr" rotWithShape="0">
-                    <a:srgbClr val="6E747A">
-                      <a:alpha val="43000"/>
-                    </a:srgbClr>
+                  <a:outerShdw blurRad="38100" dist="19050" dir="2700000" algn="tl" rotWithShape="0">
+                    <a:schemeClr val="dk1">
+                      <a:alpha val="40000"/>
+                    </a:schemeClr>
                   </a:outerShdw>
                 </a:effectLst>
               </a:rPr>
-              <a:t>i + 1   &lt;     i + 2      </a:t>
-            </a:r>
-            <a:endParaRPr lang="en-US" sz="2800" b="1">
-              <a:ln/>
+              <a:t>Column</a:t>
+            </a:r>
+            <a:endParaRPr lang="en-US" sz="2400" b="1">
               <a:solidFill>
-                <a:schemeClr val="accent1"/>
+                <a:schemeClr val="tx1"/>
               </a:solidFill>
               <a:effectLst>
-                <a:outerShdw blurRad="38100" dist="25400" dir="5400000" algn="ctr" rotWithShape="0">
-                  <a:srgbClr val="6E747A">
-                    <a:alpha val="43000"/>
-                  </a:srgbClr>
+                <a:outerShdw blurRad="38100" dist="19050" dir="2700000" algn="tl" rotWithShape="0">
+                  <a:schemeClr val="dk1">
+                    <a:alpha val="40000"/>
+                  </a:schemeClr>
                 </a:outerShdw>
               </a:effectLst>
             </a:endParaRPr>
           </a:p>
         </p:txBody>
       </p:sp>
-      <p:sp>
-        <p:nvSpPr>
-          <p:cNvPr id="36" name="Text Box 35"/>
-          <p:cNvSpPr txBox="1"/>
+      <p:cxnSp>
+        <p:nvCxnSpPr>
+          <p:cNvPr id="89" name="Straight Arrow Connector 88"/>
+          <p:cNvCxnSpPr/>
           <p:nvPr/>
-        </p:nvSpPr>
+        </p:nvCxnSpPr>
         <p:spPr>
           <a:xfrm>
-            <a:off x="4191000" y="4037330"/>
-            <a:ext cx="2689860" cy="1106805"/>
+            <a:off x="3712210" y="2753360"/>
+            <a:ext cx="0" cy="2442845"/>
           </a:xfrm>
-          <a:prstGeom prst="rect">
+          <a:prstGeom prst="straightConnector1">
             <a:avLst/>
           </a:prstGeom>
-          <a:noFill/>
+          <a:ln w="28575" cmpd="sng">
+            <a:solidFill>
+              <a:srgbClr val="FF0000"/>
+            </a:solidFill>
+            <a:prstDash val="solid"/>
+            <a:headEnd type="arrow"/>
+            <a:tailEnd type="arrow"/>
+          </a:ln>
         </p:spPr>
-        <p:txBody>
-          <a:bodyPr wrap="square" rtlCol="0">
-            <a:spAutoFit/>
-          </a:bodyPr>
-          <a:p>
-            <a:r>
-              <a:rPr lang="en-US" sz="6600"/>
-              <a:t>M - C</a:t>
-            </a:r>
-            <a:endParaRPr lang="en-US" sz="6600"/>
-          </a:p>
-        </p:txBody>
-      </p:sp>
+        <p:style>
+          <a:lnRef idx="2">
+            <a:schemeClr val="accent1"/>
+          </a:lnRef>
+          <a:fillRef idx="0">
+            <a:srgbClr val="FFFFFF"/>
+          </a:fillRef>
+          <a:effectRef idx="0">
+            <a:srgbClr val="FFFFFF"/>
+          </a:effectRef>
+          <a:fontRef idx="minor">
+            <a:schemeClr val="tx1"/>
+          </a:fontRef>
+        </p:style>
+      </p:cxnSp>
+      <p:cxnSp>
+        <p:nvCxnSpPr>
+          <p:cNvPr id="90" name="Straight Arrow Connector 89"/>
+          <p:cNvCxnSpPr/>
+          <p:nvPr/>
+        </p:nvCxnSpPr>
+        <p:spPr>
+          <a:xfrm rot="5400000">
+            <a:off x="2238375" y="1381760"/>
+            <a:ext cx="0" cy="2442845"/>
+          </a:xfrm>
+          <a:prstGeom prst="straightConnector1">
+            <a:avLst/>
+          </a:prstGeom>
+          <a:ln w="28575" cmpd="sng">
+            <a:solidFill>
+              <a:srgbClr val="FF0000"/>
+            </a:solidFill>
+            <a:prstDash val="solid"/>
+            <a:headEnd type="arrow"/>
+            <a:tailEnd type="arrow"/>
+          </a:ln>
+        </p:spPr>
+        <p:style>
+          <a:lnRef idx="2">
+            <a:schemeClr val="accent1"/>
+          </a:lnRef>
+          <a:fillRef idx="0">
+            <a:srgbClr val="FFFFFF"/>
+          </a:fillRef>
+          <a:effectRef idx="0">
+            <a:srgbClr val="FFFFFF"/>
+          </a:effectRef>
+          <a:fontRef idx="minor">
+            <a:schemeClr val="tx1"/>
+          </a:fontRef>
+        </p:style>
+      </p:cxnSp>
+      <p:grpSp>
+        <p:nvGrpSpPr>
+          <p:cNvPr id="94" name="Group 93"/>
+          <p:cNvGrpSpPr/>
+          <p:nvPr/>
+        </p:nvGrpSpPr>
+        <p:grpSpPr>
+          <a:xfrm rot="0">
+            <a:off x="7505700" y="2308860"/>
+            <a:ext cx="2765425" cy="3051810"/>
+            <a:chOff x="10681" y="1866"/>
+            <a:chExt cx="4355" cy="4806"/>
+          </a:xfrm>
+        </p:grpSpPr>
+        <p:grpSp>
+          <p:nvGrpSpPr>
+            <p:cNvPr id="62" name="Group 61"/>
+            <p:cNvGrpSpPr/>
+            <p:nvPr/>
+          </p:nvGrpSpPr>
+          <p:grpSpPr>
+            <a:xfrm>
+              <a:off x="10681" y="2747"/>
+              <a:ext cx="4355" cy="3925"/>
+              <a:chOff x="1687" y="2939"/>
+              <a:chExt cx="4355" cy="3925"/>
+            </a:xfrm>
+          </p:grpSpPr>
+          <p:grpSp>
+            <p:nvGrpSpPr>
+              <p:cNvPr id="63" name="Group 62"/>
+              <p:cNvGrpSpPr/>
+              <p:nvPr/>
+            </p:nvGrpSpPr>
+            <p:grpSpPr>
+              <a:xfrm>
+                <a:off x="1687" y="2939"/>
+                <a:ext cx="4355" cy="3925"/>
+                <a:chOff x="2375" y="3580"/>
+                <a:chExt cx="2720" cy="2576"/>
+              </a:xfrm>
+            </p:grpSpPr>
+            <p:grpSp>
+              <p:nvGrpSpPr>
+                <p:cNvPr id="64" name="Group 63"/>
+                <p:cNvGrpSpPr/>
+                <p:nvPr/>
+              </p:nvGrpSpPr>
+              <p:grpSpPr>
+                <a:xfrm>
+                  <a:off x="2375" y="3580"/>
+                  <a:ext cx="2720" cy="858"/>
+                  <a:chOff x="2375" y="5159"/>
+                  <a:chExt cx="2720" cy="858"/>
+                </a:xfrm>
+              </p:grpSpPr>
+              <p:sp>
+                <p:nvSpPr>
+                  <p:cNvPr id="65" name="Rectangles 64"/>
+                  <p:cNvSpPr/>
+                  <p:nvPr/>
+                </p:nvSpPr>
+                <p:spPr>
+                  <a:xfrm>
+                    <a:off x="2375" y="5159"/>
+                    <a:ext cx="907" cy="859"/>
+                  </a:xfrm>
+                  <a:prstGeom prst="rect">
+                    <a:avLst/>
+                  </a:prstGeom>
+                  <a:noFill/>
+                  <a:ln w="28575" cmpd="sng">
+                    <a:solidFill>
+                      <a:schemeClr val="tx1"/>
+                    </a:solidFill>
+                    <a:prstDash val="solid"/>
+                  </a:ln>
+                </p:spPr>
+                <p:style>
+                  <a:lnRef idx="2">
+                    <a:schemeClr val="accent1">
+                      <a:lumMod val="75000"/>
+                    </a:schemeClr>
+                  </a:lnRef>
+                  <a:fillRef idx="1">
+                    <a:schemeClr val="accent1"/>
+                  </a:fillRef>
+                  <a:effectRef idx="0">
+                    <a:srgbClr val="FFFFFF"/>
+                  </a:effectRef>
+                  <a:fontRef idx="minor">
+                    <a:schemeClr val="lt1"/>
+                  </a:fontRef>
+                </p:style>
+                <p:txBody>
+                  <a:bodyPr rtlCol="0" anchor="ctr"/>
+                  <a:p>
+                    <a:pPr algn="ctr"/>
+                    <a:endParaRPr lang="en-US"/>
+                  </a:p>
+                </p:txBody>
+              </p:sp>
+              <p:sp>
+                <p:nvSpPr>
+                  <p:cNvPr id="66" name="Rectangles 65"/>
+                  <p:cNvSpPr/>
+                  <p:nvPr/>
+                </p:nvSpPr>
+                <p:spPr>
+                  <a:xfrm>
+                    <a:off x="3282" y="5159"/>
+                    <a:ext cx="907" cy="859"/>
+                  </a:xfrm>
+                  <a:prstGeom prst="rect">
+                    <a:avLst/>
+                  </a:prstGeom>
+                  <a:noFill/>
+                  <a:ln w="28575" cmpd="sng">
+                    <a:solidFill>
+                      <a:schemeClr val="tx1"/>
+                    </a:solidFill>
+                    <a:prstDash val="solid"/>
+                  </a:ln>
+                </p:spPr>
+                <p:style>
+                  <a:lnRef idx="2">
+                    <a:schemeClr val="accent1">
+                      <a:lumMod val="75000"/>
+                    </a:schemeClr>
+                  </a:lnRef>
+                  <a:fillRef idx="1">
+                    <a:schemeClr val="accent1"/>
+                  </a:fillRef>
+                  <a:effectRef idx="0">
+                    <a:srgbClr val="FFFFFF"/>
+                  </a:effectRef>
+                  <a:fontRef idx="minor">
+                    <a:schemeClr val="lt1"/>
+                  </a:fontRef>
+                </p:style>
+                <p:txBody>
+                  <a:bodyPr rtlCol="0" anchor="ctr"/>
+                  <a:p>
+                    <a:pPr algn="ctr"/>
+                    <a:endParaRPr lang="en-US"/>
+                  </a:p>
+                </p:txBody>
+              </p:sp>
+              <p:sp>
+                <p:nvSpPr>
+                  <p:cNvPr id="67" name="Rectangles 66"/>
+                  <p:cNvSpPr/>
+                  <p:nvPr/>
+                </p:nvSpPr>
+                <p:spPr>
+                  <a:xfrm>
+                    <a:off x="4189" y="5159"/>
+                    <a:ext cx="907" cy="859"/>
+                  </a:xfrm>
+                  <a:prstGeom prst="rect">
+                    <a:avLst/>
+                  </a:prstGeom>
+                  <a:noFill/>
+                  <a:ln w="28575" cmpd="sng">
+                    <a:solidFill>
+                      <a:schemeClr val="tx1"/>
+                    </a:solidFill>
+                    <a:prstDash val="solid"/>
+                  </a:ln>
+                </p:spPr>
+                <p:style>
+                  <a:lnRef idx="2">
+                    <a:schemeClr val="accent1">
+                      <a:lumMod val="75000"/>
+                    </a:schemeClr>
+                  </a:lnRef>
+                  <a:fillRef idx="1">
+                    <a:schemeClr val="accent1"/>
+                  </a:fillRef>
+                  <a:effectRef idx="0">
+                    <a:srgbClr val="FFFFFF"/>
+                  </a:effectRef>
+                  <a:fontRef idx="minor">
+                    <a:schemeClr val="lt1"/>
+                  </a:fontRef>
+                </p:style>
+                <p:txBody>
+                  <a:bodyPr rtlCol="0" anchor="ctr"/>
+                  <a:p>
+                    <a:pPr algn="ctr"/>
+                    <a:endParaRPr lang="en-US"/>
+                  </a:p>
+                </p:txBody>
+              </p:sp>
+            </p:grpSp>
+            <p:grpSp>
+              <p:nvGrpSpPr>
+                <p:cNvPr id="68" name="Group 67"/>
+                <p:cNvGrpSpPr/>
+                <p:nvPr/>
+              </p:nvGrpSpPr>
+              <p:grpSpPr>
+                <a:xfrm>
+                  <a:off x="2375" y="4439"/>
+                  <a:ext cx="2720" cy="858"/>
+                  <a:chOff x="2375" y="5159"/>
+                  <a:chExt cx="2720" cy="858"/>
+                </a:xfrm>
+              </p:grpSpPr>
+              <p:sp>
+                <p:nvSpPr>
+                  <p:cNvPr id="69" name="Rectangles 68"/>
+                  <p:cNvSpPr/>
+                  <p:nvPr/>
+                </p:nvSpPr>
+                <p:spPr>
+                  <a:xfrm>
+                    <a:off x="2375" y="5159"/>
+                    <a:ext cx="907" cy="859"/>
+                  </a:xfrm>
+                  <a:prstGeom prst="rect">
+                    <a:avLst/>
+                  </a:prstGeom>
+                  <a:noFill/>
+                  <a:ln w="28575" cmpd="sng">
+                    <a:solidFill>
+                      <a:schemeClr val="tx1"/>
+                    </a:solidFill>
+                    <a:prstDash val="solid"/>
+                  </a:ln>
+                </p:spPr>
+                <p:style>
+                  <a:lnRef idx="2">
+                    <a:schemeClr val="accent1">
+                      <a:lumMod val="75000"/>
+                    </a:schemeClr>
+                  </a:lnRef>
+                  <a:fillRef idx="1">
+                    <a:schemeClr val="accent1"/>
+                  </a:fillRef>
+                  <a:effectRef idx="0">
+                    <a:srgbClr val="FFFFFF"/>
+                  </a:effectRef>
+                  <a:fontRef idx="minor">
+                    <a:schemeClr val="lt1"/>
+                  </a:fontRef>
+                </p:style>
+                <p:txBody>
+                  <a:bodyPr rtlCol="0" anchor="ctr"/>
+                  <a:p>
+                    <a:pPr algn="ctr"/>
+                    <a:endParaRPr lang="en-US"/>
+                  </a:p>
+                </p:txBody>
+              </p:sp>
+              <p:sp>
+                <p:nvSpPr>
+                  <p:cNvPr id="70" name="Rectangles 69"/>
+                  <p:cNvSpPr/>
+                  <p:nvPr/>
+                </p:nvSpPr>
+                <p:spPr>
+                  <a:xfrm>
+                    <a:off x="3282" y="5159"/>
+                    <a:ext cx="907" cy="859"/>
+                  </a:xfrm>
+                  <a:prstGeom prst="rect">
+                    <a:avLst/>
+                  </a:prstGeom>
+                  <a:noFill/>
+                  <a:ln w="28575" cmpd="sng">
+                    <a:solidFill>
+                      <a:schemeClr val="tx1"/>
+                    </a:solidFill>
+                    <a:prstDash val="solid"/>
+                  </a:ln>
+                </p:spPr>
+                <p:style>
+                  <a:lnRef idx="2">
+                    <a:schemeClr val="accent1">
+                      <a:lumMod val="75000"/>
+                    </a:schemeClr>
+                  </a:lnRef>
+                  <a:fillRef idx="1">
+                    <a:schemeClr val="accent1"/>
+                  </a:fillRef>
+                  <a:effectRef idx="0">
+                    <a:srgbClr val="FFFFFF"/>
+                  </a:effectRef>
+                  <a:fontRef idx="minor">
+                    <a:schemeClr val="lt1"/>
+                  </a:fontRef>
+                </p:style>
+                <p:txBody>
+                  <a:bodyPr rtlCol="0" anchor="ctr"/>
+                  <a:p>
+                    <a:pPr algn="ctr"/>
+                    <a:endParaRPr lang="en-US"/>
+                  </a:p>
+                </p:txBody>
+              </p:sp>
+              <p:sp>
+                <p:nvSpPr>
+                  <p:cNvPr id="71" name="Rectangles 70"/>
+                  <p:cNvSpPr/>
+                  <p:nvPr/>
+                </p:nvSpPr>
+                <p:spPr>
+                  <a:xfrm>
+                    <a:off x="4189" y="5159"/>
+                    <a:ext cx="907" cy="859"/>
+                  </a:xfrm>
+                  <a:prstGeom prst="rect">
+                    <a:avLst/>
+                  </a:prstGeom>
+                  <a:noFill/>
+                  <a:ln w="28575" cmpd="sng">
+                    <a:solidFill>
+                      <a:schemeClr val="tx1"/>
+                    </a:solidFill>
+                    <a:prstDash val="solid"/>
+                  </a:ln>
+                </p:spPr>
+                <p:style>
+                  <a:lnRef idx="2">
+                    <a:schemeClr val="accent1">
+                      <a:lumMod val="75000"/>
+                    </a:schemeClr>
+                  </a:lnRef>
+                  <a:fillRef idx="1">
+                    <a:schemeClr val="accent1"/>
+                  </a:fillRef>
+                  <a:effectRef idx="0">
+                    <a:srgbClr val="FFFFFF"/>
+                  </a:effectRef>
+                  <a:fontRef idx="minor">
+                    <a:schemeClr val="lt1"/>
+                  </a:fontRef>
+                </p:style>
+                <p:txBody>
+                  <a:bodyPr rtlCol="0" anchor="ctr"/>
+                  <a:p>
+                    <a:pPr algn="ctr"/>
+                    <a:endParaRPr lang="en-US"/>
+                  </a:p>
+                </p:txBody>
+              </p:sp>
+            </p:grpSp>
+            <p:grpSp>
+              <p:nvGrpSpPr>
+                <p:cNvPr id="72" name="Group 71"/>
+                <p:cNvGrpSpPr/>
+                <p:nvPr/>
+              </p:nvGrpSpPr>
+              <p:grpSpPr>
+                <a:xfrm>
+                  <a:off x="2375" y="5298"/>
+                  <a:ext cx="2720" cy="858"/>
+                  <a:chOff x="2375" y="5159"/>
+                  <a:chExt cx="2720" cy="858"/>
+                </a:xfrm>
+              </p:grpSpPr>
+              <p:sp>
+                <p:nvSpPr>
+                  <p:cNvPr id="73" name="Rectangles 72"/>
+                  <p:cNvSpPr/>
+                  <p:nvPr/>
+                </p:nvSpPr>
+                <p:spPr>
+                  <a:xfrm>
+                    <a:off x="2375" y="5159"/>
+                    <a:ext cx="907" cy="859"/>
+                  </a:xfrm>
+                  <a:prstGeom prst="rect">
+                    <a:avLst/>
+                  </a:prstGeom>
+                  <a:noFill/>
+                  <a:ln w="28575" cmpd="sng">
+                    <a:solidFill>
+                      <a:schemeClr val="tx1"/>
+                    </a:solidFill>
+                    <a:prstDash val="solid"/>
+                  </a:ln>
+                </p:spPr>
+                <p:style>
+                  <a:lnRef idx="2">
+                    <a:schemeClr val="accent1">
+                      <a:lumMod val="75000"/>
+                    </a:schemeClr>
+                  </a:lnRef>
+                  <a:fillRef idx="1">
+                    <a:schemeClr val="accent1"/>
+                  </a:fillRef>
+                  <a:effectRef idx="0">
+                    <a:srgbClr val="FFFFFF"/>
+                  </a:effectRef>
+                  <a:fontRef idx="minor">
+                    <a:schemeClr val="lt1"/>
+                  </a:fontRef>
+                </p:style>
+                <p:txBody>
+                  <a:bodyPr rtlCol="0" anchor="ctr"/>
+                  <a:p>
+                    <a:pPr algn="ctr"/>
+                    <a:endParaRPr lang="en-US"/>
+                  </a:p>
+                </p:txBody>
+              </p:sp>
+              <p:sp>
+                <p:nvSpPr>
+                  <p:cNvPr id="74" name="Rectangles 73"/>
+                  <p:cNvSpPr/>
+                  <p:nvPr/>
+                </p:nvSpPr>
+                <p:spPr>
+                  <a:xfrm>
+                    <a:off x="3282" y="5159"/>
+                    <a:ext cx="907" cy="859"/>
+                  </a:xfrm>
+                  <a:prstGeom prst="rect">
+                    <a:avLst/>
+                  </a:prstGeom>
+                  <a:noFill/>
+                  <a:ln w="28575" cmpd="sng">
+                    <a:solidFill>
+                      <a:schemeClr val="tx1"/>
+                    </a:solidFill>
+                    <a:prstDash val="solid"/>
+                  </a:ln>
+                </p:spPr>
+                <p:style>
+                  <a:lnRef idx="2">
+                    <a:schemeClr val="accent1">
+                      <a:lumMod val="75000"/>
+                    </a:schemeClr>
+                  </a:lnRef>
+                  <a:fillRef idx="1">
+                    <a:schemeClr val="accent1"/>
+                  </a:fillRef>
+                  <a:effectRef idx="0">
+                    <a:srgbClr val="FFFFFF"/>
+                  </a:effectRef>
+                  <a:fontRef idx="minor">
+                    <a:schemeClr val="lt1"/>
+                  </a:fontRef>
+                </p:style>
+                <p:txBody>
+                  <a:bodyPr rtlCol="0" anchor="ctr"/>
+                  <a:p>
+                    <a:pPr algn="ctr"/>
+                    <a:endParaRPr lang="en-US"/>
+                  </a:p>
+                </p:txBody>
+              </p:sp>
+              <p:sp>
+                <p:nvSpPr>
+                  <p:cNvPr id="75" name="Rectangles 74"/>
+                  <p:cNvSpPr/>
+                  <p:nvPr/>
+                </p:nvSpPr>
+                <p:spPr>
+                  <a:xfrm>
+                    <a:off x="4189" y="5159"/>
+                    <a:ext cx="907" cy="859"/>
+                  </a:xfrm>
+                  <a:prstGeom prst="rect">
+                    <a:avLst/>
+                  </a:prstGeom>
+                  <a:noFill/>
+                  <a:ln w="28575" cmpd="sng">
+                    <a:solidFill>
+                      <a:schemeClr val="tx1"/>
+                    </a:solidFill>
+                    <a:prstDash val="solid"/>
+                  </a:ln>
+                </p:spPr>
+                <p:style>
+                  <a:lnRef idx="2">
+                    <a:schemeClr val="accent1">
+                      <a:lumMod val="75000"/>
+                    </a:schemeClr>
+                  </a:lnRef>
+                  <a:fillRef idx="1">
+                    <a:schemeClr val="accent1"/>
+                  </a:fillRef>
+                  <a:effectRef idx="0">
+                    <a:srgbClr val="FFFFFF"/>
+                  </a:effectRef>
+                  <a:fontRef idx="minor">
+                    <a:schemeClr val="lt1"/>
+                  </a:fontRef>
+                </p:style>
+                <p:txBody>
+                  <a:bodyPr rtlCol="0" anchor="ctr"/>
+                  <a:p>
+                    <a:pPr algn="ctr"/>
+                    <a:endParaRPr lang="en-US"/>
+                  </a:p>
+                </p:txBody>
+              </p:sp>
+            </p:grpSp>
+          </p:grpSp>
+          <p:sp>
+            <p:nvSpPr>
+              <p:cNvPr id="76" name="Text Box 75"/>
+              <p:cNvSpPr txBox="1"/>
+              <p:nvPr/>
+            </p:nvSpPr>
+            <p:spPr>
+              <a:xfrm>
+                <a:off x="1969" y="3134"/>
+                <a:ext cx="819" cy="919"/>
+              </a:xfrm>
+              <a:prstGeom prst="rect">
+                <a:avLst/>
+              </a:prstGeom>
+              <a:noFill/>
+            </p:spPr>
+            <p:txBody>
+              <a:bodyPr wrap="square" rtlCol="0">
+                <a:spAutoFit/>
+              </a:bodyPr>
+              <a:p>
+                <a:pPr algn="ctr"/>
+                <a:r>
+                  <a:rPr lang="en-US" sz="3200" b="1">
+                    <a:solidFill>
+                      <a:schemeClr val="accent1"/>
+                    </a:solidFill>
+                    <a:effectLst>
+                      <a:outerShdw blurRad="38100" dist="25400" dir="5400000" algn="ctr" rotWithShape="0">
+                        <a:srgbClr val="6E747A">
+                          <a:alpha val="43000"/>
+                        </a:srgbClr>
+                      </a:outerShdw>
+                    </a:effectLst>
+                  </a:rPr>
+                  <a:t>1</a:t>
+                </a:r>
+                <a:endParaRPr lang="en-US" sz="3200" b="1">
+                  <a:solidFill>
+                    <a:schemeClr val="accent1"/>
+                  </a:solidFill>
+                  <a:effectLst>
+                    <a:outerShdw blurRad="38100" dist="25400" dir="5400000" algn="ctr" rotWithShape="0">
+                      <a:srgbClr val="6E747A">
+                        <a:alpha val="43000"/>
+                      </a:srgbClr>
+                    </a:outerShdw>
+                  </a:effectLst>
+                </a:endParaRPr>
+              </a:p>
+            </p:txBody>
+          </p:sp>
+          <p:sp>
+            <p:nvSpPr>
+              <p:cNvPr id="77" name="Text Box 76"/>
+              <p:cNvSpPr txBox="1"/>
+              <p:nvPr/>
+            </p:nvSpPr>
+            <p:spPr>
+              <a:xfrm>
+                <a:off x="4904" y="4443"/>
+                <a:ext cx="819" cy="919"/>
+              </a:xfrm>
+              <a:prstGeom prst="rect">
+                <a:avLst/>
+              </a:prstGeom>
+              <a:noFill/>
+            </p:spPr>
+            <p:txBody>
+              <a:bodyPr wrap="square" rtlCol="0">
+                <a:spAutoFit/>
+              </a:bodyPr>
+              <a:p>
+                <a:pPr algn="ctr"/>
+                <a:r>
+                  <a:rPr lang="en-US" sz="3200" b="1">
+                    <a:solidFill>
+                      <a:schemeClr val="accent1"/>
+                    </a:solidFill>
+                    <a:effectLst>
+                      <a:outerShdw blurRad="38100" dist="25400" dir="5400000" algn="ctr" rotWithShape="0">
+                        <a:srgbClr val="6E747A">
+                          <a:alpha val="43000"/>
+                        </a:srgbClr>
+                      </a:outerShdw>
+                    </a:effectLst>
+                  </a:rPr>
+                  <a:t>8</a:t>
+                </a:r>
+                <a:endParaRPr lang="en-US" sz="3200" b="1">
+                  <a:solidFill>
+                    <a:schemeClr val="accent1"/>
+                  </a:solidFill>
+                  <a:effectLst>
+                    <a:outerShdw blurRad="38100" dist="25400" dir="5400000" algn="ctr" rotWithShape="0">
+                      <a:srgbClr val="6E747A">
+                        <a:alpha val="43000"/>
+                      </a:srgbClr>
+                    </a:outerShdw>
+                  </a:effectLst>
+                </a:endParaRPr>
+              </a:p>
+            </p:txBody>
+          </p:sp>
+          <p:sp>
+            <p:nvSpPr>
+              <p:cNvPr id="78" name="Text Box 77"/>
+              <p:cNvSpPr txBox="1"/>
+              <p:nvPr/>
+            </p:nvSpPr>
+            <p:spPr>
+              <a:xfrm>
+                <a:off x="3440" y="5752"/>
+                <a:ext cx="819" cy="919"/>
+              </a:xfrm>
+              <a:prstGeom prst="rect">
+                <a:avLst/>
+              </a:prstGeom>
+              <a:noFill/>
+            </p:spPr>
+            <p:txBody>
+              <a:bodyPr wrap="square" rtlCol="0">
+                <a:spAutoFit/>
+              </a:bodyPr>
+              <a:p>
+                <a:pPr algn="ctr"/>
+                <a:r>
+                  <a:rPr lang="en-US" sz="3200" b="1">
+                    <a:solidFill>
+                      <a:schemeClr val="accent1"/>
+                    </a:solidFill>
+                    <a:effectLst>
+                      <a:outerShdw blurRad="38100" dist="25400" dir="5400000" algn="ctr" rotWithShape="0">
+                        <a:srgbClr val="6E747A">
+                          <a:alpha val="43000"/>
+                        </a:srgbClr>
+                      </a:outerShdw>
+                    </a:effectLst>
+                  </a:rPr>
+                  <a:t>6</a:t>
+                </a:r>
+                <a:endParaRPr lang="en-US" sz="3200" b="1">
+                  <a:solidFill>
+                    <a:schemeClr val="accent1"/>
+                  </a:solidFill>
+                  <a:effectLst>
+                    <a:outerShdw blurRad="38100" dist="25400" dir="5400000" algn="ctr" rotWithShape="0">
+                      <a:srgbClr val="6E747A">
+                        <a:alpha val="43000"/>
+                      </a:srgbClr>
+                    </a:outerShdw>
+                  </a:effectLst>
+                </a:endParaRPr>
+              </a:p>
+            </p:txBody>
+          </p:sp>
+          <p:sp>
+            <p:nvSpPr>
+              <p:cNvPr id="79" name="Text Box 78"/>
+              <p:cNvSpPr txBox="1"/>
+              <p:nvPr/>
+            </p:nvSpPr>
+            <p:spPr>
+              <a:xfrm>
+                <a:off x="3456" y="4443"/>
+                <a:ext cx="819" cy="919"/>
+              </a:xfrm>
+              <a:prstGeom prst="rect">
+                <a:avLst/>
+              </a:prstGeom>
+              <a:noFill/>
+            </p:spPr>
+            <p:txBody>
+              <a:bodyPr wrap="square" rtlCol="0">
+                <a:spAutoFit/>
+              </a:bodyPr>
+              <a:p>
+                <a:pPr algn="ctr"/>
+                <a:r>
+                  <a:rPr lang="en-US" sz="3200" b="1">
+                    <a:solidFill>
+                      <a:schemeClr val="accent1"/>
+                    </a:solidFill>
+                    <a:effectLst>
+                      <a:outerShdw blurRad="38100" dist="25400" dir="5400000" algn="ctr" rotWithShape="0">
+                        <a:srgbClr val="6E747A">
+                          <a:alpha val="43000"/>
+                        </a:srgbClr>
+                      </a:outerShdw>
+                    </a:effectLst>
+                  </a:rPr>
+                  <a:t>5</a:t>
+                </a:r>
+                <a:endParaRPr lang="en-US" sz="3200" b="1">
+                  <a:solidFill>
+                    <a:schemeClr val="accent1"/>
+                  </a:solidFill>
+                  <a:effectLst>
+                    <a:outerShdw blurRad="38100" dist="25400" dir="5400000" algn="ctr" rotWithShape="0">
+                      <a:srgbClr val="6E747A">
+                        <a:alpha val="43000"/>
+                      </a:srgbClr>
+                    </a:outerShdw>
+                  </a:effectLst>
+                </a:endParaRPr>
+              </a:p>
+            </p:txBody>
+          </p:sp>
+          <p:sp>
+            <p:nvSpPr>
+              <p:cNvPr id="80" name="Text Box 79"/>
+              <p:cNvSpPr txBox="1"/>
+              <p:nvPr/>
+            </p:nvSpPr>
+            <p:spPr>
+              <a:xfrm>
+                <a:off x="4911" y="3134"/>
+                <a:ext cx="819" cy="919"/>
+              </a:xfrm>
+              <a:prstGeom prst="rect">
+                <a:avLst/>
+              </a:prstGeom>
+              <a:noFill/>
+            </p:spPr>
+            <p:txBody>
+              <a:bodyPr wrap="square" rtlCol="0">
+                <a:spAutoFit/>
+              </a:bodyPr>
+              <a:p>
+                <a:pPr algn="ctr"/>
+                <a:r>
+                  <a:rPr lang="en-US" sz="3200" b="1">
+                    <a:solidFill>
+                      <a:schemeClr val="accent1"/>
+                    </a:solidFill>
+                    <a:effectLst>
+                      <a:outerShdw blurRad="38100" dist="25400" dir="5400000" algn="ctr" rotWithShape="0">
+                        <a:srgbClr val="6E747A">
+                          <a:alpha val="43000"/>
+                        </a:srgbClr>
+                      </a:outerShdw>
+                    </a:effectLst>
+                  </a:rPr>
+                  <a:t>7</a:t>
+                </a:r>
+                <a:endParaRPr lang="en-US" sz="3200" b="1">
+                  <a:solidFill>
+                    <a:schemeClr val="accent1"/>
+                  </a:solidFill>
+                  <a:effectLst>
+                    <a:outerShdw blurRad="38100" dist="25400" dir="5400000" algn="ctr" rotWithShape="0">
+                      <a:srgbClr val="6E747A">
+                        <a:alpha val="43000"/>
+                      </a:srgbClr>
+                    </a:outerShdw>
+                  </a:effectLst>
+                </a:endParaRPr>
+              </a:p>
+            </p:txBody>
+          </p:sp>
+          <p:sp>
+            <p:nvSpPr>
+              <p:cNvPr id="81" name="Text Box 80"/>
+              <p:cNvSpPr txBox="1"/>
+              <p:nvPr/>
+            </p:nvSpPr>
+            <p:spPr>
+              <a:xfrm>
+                <a:off x="3440" y="3134"/>
+                <a:ext cx="819" cy="919"/>
+              </a:xfrm>
+              <a:prstGeom prst="rect">
+                <a:avLst/>
+              </a:prstGeom>
+              <a:noFill/>
+            </p:spPr>
+            <p:txBody>
+              <a:bodyPr wrap="square" rtlCol="0">
+                <a:spAutoFit/>
+              </a:bodyPr>
+              <a:p>
+                <a:pPr algn="ctr"/>
+                <a:r>
+                  <a:rPr lang="en-US" sz="3200" b="1">
+                    <a:solidFill>
+                      <a:schemeClr val="accent1"/>
+                    </a:solidFill>
+                    <a:effectLst>
+                      <a:outerShdw blurRad="38100" dist="25400" dir="5400000" algn="ctr" rotWithShape="0">
+                        <a:srgbClr val="6E747A">
+                          <a:alpha val="43000"/>
+                        </a:srgbClr>
+                      </a:outerShdw>
+                    </a:effectLst>
+                  </a:rPr>
+                  <a:t>4</a:t>
+                </a:r>
+                <a:endParaRPr lang="en-US" sz="3200" b="1">
+                  <a:solidFill>
+                    <a:schemeClr val="accent1"/>
+                  </a:solidFill>
+                  <a:effectLst>
+                    <a:outerShdw blurRad="38100" dist="25400" dir="5400000" algn="ctr" rotWithShape="0">
+                      <a:srgbClr val="6E747A">
+                        <a:alpha val="43000"/>
+                      </a:srgbClr>
+                    </a:outerShdw>
+                  </a:effectLst>
+                </a:endParaRPr>
+              </a:p>
+            </p:txBody>
+          </p:sp>
+          <p:sp>
+            <p:nvSpPr>
+              <p:cNvPr id="82" name="Text Box 81"/>
+              <p:cNvSpPr txBox="1"/>
+              <p:nvPr/>
+            </p:nvSpPr>
+            <p:spPr>
+              <a:xfrm>
+                <a:off x="1976" y="5752"/>
+                <a:ext cx="819" cy="919"/>
+              </a:xfrm>
+              <a:prstGeom prst="rect">
+                <a:avLst/>
+              </a:prstGeom>
+              <a:noFill/>
+            </p:spPr>
+            <p:txBody>
+              <a:bodyPr wrap="square" rtlCol="0">
+                <a:spAutoFit/>
+              </a:bodyPr>
+              <a:p>
+                <a:pPr algn="ctr"/>
+                <a:r>
+                  <a:rPr lang="en-US" sz="3200" b="1">
+                    <a:solidFill>
+                      <a:schemeClr val="accent1"/>
+                    </a:solidFill>
+                    <a:effectLst>
+                      <a:outerShdw blurRad="38100" dist="25400" dir="5400000" algn="ctr" rotWithShape="0">
+                        <a:srgbClr val="6E747A">
+                          <a:alpha val="43000"/>
+                        </a:srgbClr>
+                      </a:outerShdw>
+                    </a:effectLst>
+                  </a:rPr>
+                  <a:t>3</a:t>
+                </a:r>
+                <a:endParaRPr lang="en-US" sz="3200" b="1">
+                  <a:solidFill>
+                    <a:schemeClr val="accent1"/>
+                  </a:solidFill>
+                  <a:effectLst>
+                    <a:outerShdw blurRad="38100" dist="25400" dir="5400000" algn="ctr" rotWithShape="0">
+                      <a:srgbClr val="6E747A">
+                        <a:alpha val="43000"/>
+                      </a:srgbClr>
+                    </a:outerShdw>
+                  </a:effectLst>
+                </a:endParaRPr>
+              </a:p>
+            </p:txBody>
+          </p:sp>
+          <p:sp>
+            <p:nvSpPr>
+              <p:cNvPr id="83" name="Text Box 82"/>
+              <p:cNvSpPr txBox="1"/>
+              <p:nvPr/>
+            </p:nvSpPr>
+            <p:spPr>
+              <a:xfrm>
+                <a:off x="2007" y="4443"/>
+                <a:ext cx="819" cy="919"/>
+              </a:xfrm>
+              <a:prstGeom prst="rect">
+                <a:avLst/>
+              </a:prstGeom>
+              <a:noFill/>
+            </p:spPr>
+            <p:txBody>
+              <a:bodyPr wrap="square" rtlCol="0">
+                <a:spAutoFit/>
+              </a:bodyPr>
+              <a:p>
+                <a:pPr algn="ctr"/>
+                <a:r>
+                  <a:rPr lang="en-US" sz="3200" b="1">
+                    <a:solidFill>
+                      <a:schemeClr val="accent1"/>
+                    </a:solidFill>
+                    <a:effectLst>
+                      <a:outerShdw blurRad="38100" dist="25400" dir="5400000" algn="ctr" rotWithShape="0">
+                        <a:srgbClr val="6E747A">
+                          <a:alpha val="43000"/>
+                        </a:srgbClr>
+                      </a:outerShdw>
+                    </a:effectLst>
+                  </a:rPr>
+                  <a:t>2</a:t>
+                </a:r>
+                <a:endParaRPr lang="en-US" sz="3200" b="1">
+                  <a:solidFill>
+                    <a:schemeClr val="accent1"/>
+                  </a:solidFill>
+                  <a:effectLst>
+                    <a:outerShdw blurRad="38100" dist="25400" dir="5400000" algn="ctr" rotWithShape="0">
+                      <a:srgbClr val="6E747A">
+                        <a:alpha val="43000"/>
+                      </a:srgbClr>
+                    </a:outerShdw>
+                  </a:effectLst>
+                </a:endParaRPr>
+              </a:p>
+            </p:txBody>
+          </p:sp>
+          <p:sp>
+            <p:nvSpPr>
+              <p:cNvPr id="84" name="Text Box 83"/>
+              <p:cNvSpPr txBox="1"/>
+              <p:nvPr/>
+            </p:nvSpPr>
+            <p:spPr>
+              <a:xfrm>
+                <a:off x="4904" y="5752"/>
+                <a:ext cx="819" cy="919"/>
+              </a:xfrm>
+              <a:prstGeom prst="rect">
+                <a:avLst/>
+              </a:prstGeom>
+              <a:noFill/>
+            </p:spPr>
+            <p:txBody>
+              <a:bodyPr wrap="square" rtlCol="0">
+                <a:spAutoFit/>
+              </a:bodyPr>
+              <a:p>
+                <a:pPr algn="ctr"/>
+                <a:r>
+                  <a:rPr lang="en-US" sz="3200" b="1">
+                    <a:solidFill>
+                      <a:schemeClr val="accent1"/>
+                    </a:solidFill>
+                    <a:effectLst>
+                      <a:outerShdw blurRad="38100" dist="25400" dir="5400000" algn="ctr" rotWithShape="0">
+                        <a:srgbClr val="6E747A">
+                          <a:alpha val="43000"/>
+                        </a:srgbClr>
+                      </a:outerShdw>
+                    </a:effectLst>
+                  </a:rPr>
+                  <a:t>9</a:t>
+                </a:r>
+                <a:endParaRPr lang="en-US" sz="3200" b="1">
+                  <a:solidFill>
+                    <a:schemeClr val="accent1"/>
+                  </a:solidFill>
+                  <a:effectLst>
+                    <a:outerShdw blurRad="38100" dist="25400" dir="5400000" algn="ctr" rotWithShape="0">
+                      <a:srgbClr val="6E747A">
+                        <a:alpha val="43000"/>
+                      </a:srgbClr>
+                    </a:outerShdw>
+                  </a:effectLst>
+                </a:endParaRPr>
+              </a:p>
+            </p:txBody>
+          </p:sp>
+        </p:grpSp>
+        <p:sp>
+          <p:nvSpPr>
+            <p:cNvPr id="91" name="Text Box 90"/>
+            <p:cNvSpPr txBox="1"/>
+            <p:nvPr/>
+          </p:nvSpPr>
+          <p:spPr>
+            <a:xfrm>
+              <a:off x="11319" y="1866"/>
+              <a:ext cx="2813" cy="580"/>
+            </a:xfrm>
+            <a:prstGeom prst="rect">
+              <a:avLst/>
+            </a:prstGeom>
+            <a:noFill/>
+          </p:spPr>
+          <p:txBody>
+            <a:bodyPr wrap="square" rtlCol="0">
+              <a:spAutoFit/>
+            </a:bodyPr>
+            <a:p>
+              <a:pPr algn="ctr"/>
+              <a:r>
+                <a:rPr lang="en-US">
+                  <a:highlight>
+                    <a:srgbClr val="00FFFF"/>
+                  </a:highlight>
+                </a:rPr>
+                <a:t># Transposation</a:t>
+              </a:r>
+              <a:endParaRPr lang="en-US">
+                <a:highlight>
+                  <a:srgbClr val="00FFFF"/>
+                </a:highlight>
+              </a:endParaRPr>
+            </a:p>
+          </p:txBody>
+        </p:sp>
+      </p:grpSp>
+      <p:grpSp>
+        <p:nvGrpSpPr>
+          <p:cNvPr id="98" name="Group 97"/>
+          <p:cNvGrpSpPr/>
+          <p:nvPr/>
+        </p:nvGrpSpPr>
+        <p:grpSpPr>
+          <a:xfrm>
+            <a:off x="4420235" y="1388745"/>
+            <a:ext cx="2838450" cy="754380"/>
+            <a:chOff x="6816" y="1694"/>
+            <a:chExt cx="4470" cy="1188"/>
+          </a:xfrm>
+        </p:grpSpPr>
+        <p:sp>
+          <p:nvSpPr>
+            <p:cNvPr id="93" name="Text Box 92"/>
+            <p:cNvSpPr txBox="1"/>
+            <p:nvPr/>
+          </p:nvSpPr>
+          <p:spPr>
+            <a:xfrm>
+              <a:off x="7133" y="1834"/>
+              <a:ext cx="3837" cy="822"/>
+            </a:xfrm>
+            <a:prstGeom prst="rect">
+              <a:avLst/>
+            </a:prstGeom>
+            <a:noFill/>
+          </p:spPr>
+          <p:txBody>
+            <a:bodyPr wrap="square" rtlCol="0">
+              <a:spAutoFit/>
+            </a:bodyPr>
+            <a:p>
+              <a:r>
+                <a:rPr lang="en-US" sz="2800" b="1">
+                  <a:ln/>
+                  <a:solidFill>
+                    <a:schemeClr val="tx1"/>
+                  </a:solidFill>
+                  <a:effectLst>
+                    <a:outerShdw blurRad="38100" dist="19050" dir="2700000" algn="tl" rotWithShape="0">
+                      <a:schemeClr val="dk1">
+                        <a:alpha val="40000"/>
+                      </a:schemeClr>
+                    </a:outerShdw>
+                  </a:effectLst>
+                </a:rPr>
+                <a:t>a( </a:t>
+              </a:r>
+              <a:r>
+                <a:rPr lang="en-US" sz="2800" b="1">
+                  <a:ln/>
+                  <a:solidFill>
+                    <a:srgbClr val="FF0000"/>
+                  </a:solidFill>
+                  <a:effectLst>
+                    <a:outerShdw blurRad="38100" dist="19050" dir="2700000" algn="tl" rotWithShape="0">
+                      <a:schemeClr val="dk1">
+                        <a:alpha val="40000"/>
+                      </a:schemeClr>
+                    </a:outerShdw>
+                  </a:effectLst>
+                </a:rPr>
+                <a:t>i</a:t>
+              </a:r>
+              <a:r>
+                <a:rPr lang="en-US" sz="2800" b="1">
+                  <a:ln/>
+                  <a:solidFill>
+                    <a:schemeClr val="tx1"/>
+                  </a:solidFill>
+                  <a:effectLst>
+                    <a:outerShdw blurRad="38100" dist="19050" dir="2700000" algn="tl" rotWithShape="0">
+                      <a:schemeClr val="dk1">
+                        <a:alpha val="40000"/>
+                      </a:schemeClr>
+                    </a:outerShdw>
+                  </a:effectLst>
+                </a:rPr>
+                <a:t>,</a:t>
+              </a:r>
+              <a:r>
+                <a:rPr lang="en-US" sz="2800" b="1">
+                  <a:ln/>
+                  <a:solidFill>
+                    <a:srgbClr val="FF0000"/>
+                  </a:solidFill>
+                  <a:effectLst>
+                    <a:outerShdw blurRad="38100" dist="19050" dir="2700000" algn="tl" rotWithShape="0">
+                      <a:schemeClr val="dk1">
+                        <a:alpha val="40000"/>
+                      </a:schemeClr>
+                    </a:outerShdw>
+                  </a:effectLst>
+                </a:rPr>
+                <a:t>j </a:t>
+              </a:r>
+              <a:r>
+                <a:rPr lang="en-US" sz="2800" b="1">
+                  <a:ln/>
+                  <a:solidFill>
+                    <a:schemeClr val="tx1"/>
+                  </a:solidFill>
+                  <a:effectLst>
+                    <a:outerShdw blurRad="38100" dist="19050" dir="2700000" algn="tl" rotWithShape="0">
+                      <a:schemeClr val="dk1">
+                        <a:alpha val="40000"/>
+                      </a:schemeClr>
+                    </a:outerShdw>
+                  </a:effectLst>
+                </a:rPr>
+                <a:t>) = a*( </a:t>
+              </a:r>
+              <a:r>
+                <a:rPr lang="en-US" sz="2800" b="1">
+                  <a:ln/>
+                  <a:solidFill>
+                    <a:srgbClr val="FF0000"/>
+                  </a:solidFill>
+                  <a:effectLst>
+                    <a:outerShdw blurRad="38100" dist="19050" dir="2700000" algn="tl" rotWithShape="0">
+                      <a:schemeClr val="dk1">
+                        <a:alpha val="40000"/>
+                      </a:schemeClr>
+                    </a:outerShdw>
+                  </a:effectLst>
+                </a:rPr>
+                <a:t>j</a:t>
+              </a:r>
+              <a:r>
+                <a:rPr lang="en-US" sz="2800" b="1">
+                  <a:ln/>
+                  <a:solidFill>
+                    <a:schemeClr val="tx1"/>
+                  </a:solidFill>
+                  <a:effectLst>
+                    <a:outerShdw blurRad="38100" dist="19050" dir="2700000" algn="tl" rotWithShape="0">
+                      <a:schemeClr val="dk1">
+                        <a:alpha val="40000"/>
+                      </a:schemeClr>
+                    </a:outerShdw>
+                  </a:effectLst>
+                </a:rPr>
+                <a:t>,</a:t>
+              </a:r>
+              <a:r>
+                <a:rPr lang="en-US" sz="2800" b="1">
+                  <a:ln/>
+                  <a:solidFill>
+                    <a:srgbClr val="FF0000"/>
+                  </a:solidFill>
+                  <a:effectLst>
+                    <a:outerShdw blurRad="38100" dist="19050" dir="2700000" algn="tl" rotWithShape="0">
+                      <a:schemeClr val="dk1">
+                        <a:alpha val="40000"/>
+                      </a:schemeClr>
+                    </a:outerShdw>
+                  </a:effectLst>
+                </a:rPr>
+                <a:t>i </a:t>
+              </a:r>
+              <a:r>
+                <a:rPr lang="en-US" sz="2800" b="1">
+                  <a:ln/>
+                  <a:solidFill>
+                    <a:schemeClr val="tx1"/>
+                  </a:solidFill>
+                  <a:effectLst>
+                    <a:outerShdw blurRad="38100" dist="19050" dir="2700000" algn="tl" rotWithShape="0">
+                      <a:schemeClr val="dk1">
+                        <a:alpha val="40000"/>
+                      </a:schemeClr>
+                    </a:outerShdw>
+                  </a:effectLst>
+                </a:rPr>
+                <a:t>)</a:t>
+              </a:r>
+              <a:endParaRPr lang="en-US" sz="2800" b="1">
+                <a:ln/>
+                <a:solidFill>
+                  <a:schemeClr val="tx1"/>
+                </a:solidFill>
+                <a:effectLst>
+                  <a:outerShdw blurRad="38100" dist="19050" dir="2700000" algn="tl" rotWithShape="0">
+                    <a:schemeClr val="dk1">
+                      <a:alpha val="40000"/>
+                    </a:schemeClr>
+                  </a:outerShdw>
+                </a:effectLst>
+              </a:endParaRPr>
+            </a:p>
+          </p:txBody>
+        </p:sp>
+        <p:sp>
+          <p:nvSpPr>
+            <p:cNvPr id="96" name="Rounded Rectangle 95"/>
+            <p:cNvSpPr/>
+            <p:nvPr/>
+          </p:nvSpPr>
+          <p:spPr>
+            <a:xfrm>
+              <a:off x="6816" y="1694"/>
+              <a:ext cx="4471" cy="1188"/>
+            </a:xfrm>
+            <a:prstGeom prst="roundRect">
+              <a:avLst/>
+            </a:prstGeom>
+            <a:noFill/>
+            <a:ln w="38100" cmpd="sng">
+              <a:solidFill>
+                <a:srgbClr val="00B050"/>
+              </a:solidFill>
+              <a:prstDash val="sysDot"/>
+            </a:ln>
+          </p:spPr>
+          <p:style>
+            <a:lnRef idx="2">
+              <a:schemeClr val="accent1">
+                <a:lumMod val="75000"/>
+              </a:schemeClr>
+            </a:lnRef>
+            <a:fillRef idx="1">
+              <a:schemeClr val="accent1"/>
+            </a:fillRef>
+            <a:effectRef idx="0">
+              <a:srgbClr val="FFFFFF"/>
+            </a:effectRef>
+            <a:fontRef idx="minor">
+              <a:schemeClr val="lt1"/>
+            </a:fontRef>
+          </p:style>
+          <p:txBody>
+            <a:bodyPr rtlCol="0" anchor="ctr"/>
+            <a:p>
+              <a:pPr algn="ctr"/>
+              <a:endParaRPr lang="en-US"/>
+            </a:p>
+          </p:txBody>
+        </p:sp>
+      </p:grpSp>
     </p:spTree>
   </p:cSld>
   <p:clrMapOvr>
@@ -5165,36 +6684,3321 @@
           <a:p>
             <a:r>
               <a:rPr lang="en-US" altLang="ko-KR" dirty="0"/>
-              <a:t>Solution (2)</a:t>
-            </a:r>
-            <a:endParaRPr lang="en-US" dirty="0"/>
+              <a:t>Solution (2): </a:t>
+            </a:r>
+            <a:r>
+              <a:rPr lang="en-US" altLang="ko-KR" dirty="0">
+                <a:highlight>
+                  <a:srgbClr val="FFFF00"/>
+                </a:highlight>
+              </a:rPr>
+              <a:t>Step2</a:t>
+            </a:r>
+            <a:endParaRPr lang="en-US" altLang="ko-KR" dirty="0">
+              <a:highlight>
+                <a:srgbClr val="FFFF00"/>
+              </a:highlight>
+            </a:endParaRPr>
           </a:p>
         </p:txBody>
       </p:sp>
-      <p:pic>
-        <p:nvPicPr>
-          <p:cNvPr id="3" name="Picture 2"/>
-          <p:cNvPicPr>
-            <a:picLocks noChangeAspect="1"/>
-          </p:cNvPicPr>
+      <p:grpSp>
+        <p:nvGrpSpPr>
+          <p:cNvPr id="100" name="Group 99"/>
+          <p:cNvGrpSpPr/>
           <p:nvPr/>
-        </p:nvPicPr>
-        <p:blipFill>
-          <a:blip r:embed="rId1"/>
-          <a:stretch>
-            <a:fillRect/>
-          </a:stretch>
-        </p:blipFill>
+        </p:nvGrpSpPr>
+        <p:grpSpPr>
+          <a:xfrm>
+            <a:off x="2308225" y="1174750"/>
+            <a:ext cx="7407275" cy="3349625"/>
+            <a:chOff x="1918" y="2483"/>
+            <a:chExt cx="11665" cy="5275"/>
+          </a:xfrm>
+        </p:grpSpPr>
+        <p:grpSp>
+          <p:nvGrpSpPr>
+            <p:cNvPr id="12" name="Group 11"/>
+            <p:cNvGrpSpPr/>
+            <p:nvPr/>
+          </p:nvGrpSpPr>
+          <p:grpSpPr>
+            <a:xfrm>
+              <a:off x="1918" y="2483"/>
+              <a:ext cx="8124" cy="5107"/>
+              <a:chOff x="7422" y="1903"/>
+              <a:chExt cx="8124" cy="5107"/>
+            </a:xfrm>
+          </p:grpSpPr>
+          <p:grpSp>
+            <p:nvGrpSpPr>
+              <p:cNvPr id="62" name="Group 61"/>
+              <p:cNvGrpSpPr/>
+              <p:nvPr/>
+            </p:nvGrpSpPr>
+            <p:grpSpPr>
+              <a:xfrm rot="0">
+                <a:off x="7422" y="3068"/>
+                <a:ext cx="4355" cy="3925"/>
+                <a:chOff x="1687" y="2939"/>
+                <a:chExt cx="4355" cy="3925"/>
+              </a:xfrm>
+            </p:grpSpPr>
+            <p:grpSp>
+              <p:nvGrpSpPr>
+                <p:cNvPr id="63" name="Group 62"/>
+                <p:cNvGrpSpPr/>
+                <p:nvPr/>
+              </p:nvGrpSpPr>
+              <p:grpSpPr>
+                <a:xfrm>
+                  <a:off x="1687" y="2939"/>
+                  <a:ext cx="4355" cy="3925"/>
+                  <a:chOff x="2375" y="3580"/>
+                  <a:chExt cx="2720" cy="2576"/>
+                </a:xfrm>
+              </p:grpSpPr>
+              <p:grpSp>
+                <p:nvGrpSpPr>
+                  <p:cNvPr id="64" name="Group 63"/>
+                  <p:cNvGrpSpPr/>
+                  <p:nvPr/>
+                </p:nvGrpSpPr>
+                <p:grpSpPr>
+                  <a:xfrm>
+                    <a:off x="2375" y="3580"/>
+                    <a:ext cx="2720" cy="858"/>
+                    <a:chOff x="2375" y="5159"/>
+                    <a:chExt cx="2720" cy="858"/>
+                  </a:xfrm>
+                </p:grpSpPr>
+                <p:sp>
+                  <p:nvSpPr>
+                    <p:cNvPr id="65" name="Rectangles 64"/>
+                    <p:cNvSpPr/>
+                    <p:nvPr/>
+                  </p:nvSpPr>
+                  <p:spPr>
+                    <a:xfrm>
+                      <a:off x="2375" y="5159"/>
+                      <a:ext cx="907" cy="859"/>
+                    </a:xfrm>
+                    <a:prstGeom prst="rect">
+                      <a:avLst/>
+                    </a:prstGeom>
+                    <a:noFill/>
+                    <a:ln w="28575" cmpd="sng">
+                      <a:solidFill>
+                        <a:schemeClr val="tx1"/>
+                      </a:solidFill>
+                      <a:prstDash val="solid"/>
+                    </a:ln>
+                  </p:spPr>
+                  <p:style>
+                    <a:lnRef idx="2">
+                      <a:schemeClr val="accent1">
+                        <a:lumMod val="75000"/>
+                      </a:schemeClr>
+                    </a:lnRef>
+                    <a:fillRef idx="1">
+                      <a:schemeClr val="accent1"/>
+                    </a:fillRef>
+                    <a:effectRef idx="0">
+                      <a:srgbClr val="FFFFFF"/>
+                    </a:effectRef>
+                    <a:fontRef idx="minor">
+                      <a:schemeClr val="lt1"/>
+                    </a:fontRef>
+                  </p:style>
+                  <p:txBody>
+                    <a:bodyPr rtlCol="0" anchor="ctr"/>
+                    <a:p>
+                      <a:pPr algn="ctr"/>
+                      <a:endParaRPr lang="en-US"/>
+                    </a:p>
+                  </p:txBody>
+                </p:sp>
+                <p:sp>
+                  <p:nvSpPr>
+                    <p:cNvPr id="66" name="Rectangles 65"/>
+                    <p:cNvSpPr/>
+                    <p:nvPr/>
+                  </p:nvSpPr>
+                  <p:spPr>
+                    <a:xfrm>
+                      <a:off x="3282" y="5159"/>
+                      <a:ext cx="907" cy="859"/>
+                    </a:xfrm>
+                    <a:prstGeom prst="rect">
+                      <a:avLst/>
+                    </a:prstGeom>
+                    <a:noFill/>
+                    <a:ln w="28575" cmpd="sng">
+                      <a:solidFill>
+                        <a:schemeClr val="tx1"/>
+                      </a:solidFill>
+                      <a:prstDash val="solid"/>
+                    </a:ln>
+                  </p:spPr>
+                  <p:style>
+                    <a:lnRef idx="2">
+                      <a:schemeClr val="accent1">
+                        <a:lumMod val="75000"/>
+                      </a:schemeClr>
+                    </a:lnRef>
+                    <a:fillRef idx="1">
+                      <a:schemeClr val="accent1"/>
+                    </a:fillRef>
+                    <a:effectRef idx="0">
+                      <a:srgbClr val="FFFFFF"/>
+                    </a:effectRef>
+                    <a:fontRef idx="minor">
+                      <a:schemeClr val="lt1"/>
+                    </a:fontRef>
+                  </p:style>
+                  <p:txBody>
+                    <a:bodyPr rtlCol="0" anchor="ctr"/>
+                    <a:p>
+                      <a:pPr algn="ctr"/>
+                      <a:endParaRPr lang="en-US"/>
+                    </a:p>
+                  </p:txBody>
+                </p:sp>
+                <p:sp>
+                  <p:nvSpPr>
+                    <p:cNvPr id="67" name="Rectangles 66"/>
+                    <p:cNvSpPr/>
+                    <p:nvPr/>
+                  </p:nvSpPr>
+                  <p:spPr>
+                    <a:xfrm>
+                      <a:off x="4189" y="5159"/>
+                      <a:ext cx="907" cy="859"/>
+                    </a:xfrm>
+                    <a:prstGeom prst="rect">
+                      <a:avLst/>
+                    </a:prstGeom>
+                    <a:noFill/>
+                    <a:ln w="28575" cmpd="sng">
+                      <a:solidFill>
+                        <a:schemeClr val="tx1"/>
+                      </a:solidFill>
+                      <a:prstDash val="solid"/>
+                    </a:ln>
+                  </p:spPr>
+                  <p:style>
+                    <a:lnRef idx="2">
+                      <a:schemeClr val="accent1">
+                        <a:lumMod val="75000"/>
+                      </a:schemeClr>
+                    </a:lnRef>
+                    <a:fillRef idx="1">
+                      <a:schemeClr val="accent1"/>
+                    </a:fillRef>
+                    <a:effectRef idx="0">
+                      <a:srgbClr val="FFFFFF"/>
+                    </a:effectRef>
+                    <a:fontRef idx="minor">
+                      <a:schemeClr val="lt1"/>
+                    </a:fontRef>
+                  </p:style>
+                  <p:txBody>
+                    <a:bodyPr rtlCol="0" anchor="ctr"/>
+                    <a:p>
+                      <a:pPr algn="ctr"/>
+                      <a:endParaRPr lang="en-US"/>
+                    </a:p>
+                  </p:txBody>
+                </p:sp>
+              </p:grpSp>
+              <p:grpSp>
+                <p:nvGrpSpPr>
+                  <p:cNvPr id="68" name="Group 67"/>
+                  <p:cNvGrpSpPr/>
+                  <p:nvPr/>
+                </p:nvGrpSpPr>
+                <p:grpSpPr>
+                  <a:xfrm>
+                    <a:off x="2375" y="4439"/>
+                    <a:ext cx="2720" cy="858"/>
+                    <a:chOff x="2375" y="5159"/>
+                    <a:chExt cx="2720" cy="858"/>
+                  </a:xfrm>
+                </p:grpSpPr>
+                <p:sp>
+                  <p:nvSpPr>
+                    <p:cNvPr id="69" name="Rectangles 68"/>
+                    <p:cNvSpPr/>
+                    <p:nvPr/>
+                  </p:nvSpPr>
+                  <p:spPr>
+                    <a:xfrm>
+                      <a:off x="2375" y="5159"/>
+                      <a:ext cx="907" cy="859"/>
+                    </a:xfrm>
+                    <a:prstGeom prst="rect">
+                      <a:avLst/>
+                    </a:prstGeom>
+                    <a:noFill/>
+                    <a:ln w="28575" cmpd="sng">
+                      <a:solidFill>
+                        <a:schemeClr val="tx1"/>
+                      </a:solidFill>
+                      <a:prstDash val="solid"/>
+                    </a:ln>
+                  </p:spPr>
+                  <p:style>
+                    <a:lnRef idx="2">
+                      <a:schemeClr val="accent1">
+                        <a:lumMod val="75000"/>
+                      </a:schemeClr>
+                    </a:lnRef>
+                    <a:fillRef idx="1">
+                      <a:schemeClr val="accent1"/>
+                    </a:fillRef>
+                    <a:effectRef idx="0">
+                      <a:srgbClr val="FFFFFF"/>
+                    </a:effectRef>
+                    <a:fontRef idx="minor">
+                      <a:schemeClr val="lt1"/>
+                    </a:fontRef>
+                  </p:style>
+                  <p:txBody>
+                    <a:bodyPr rtlCol="0" anchor="ctr"/>
+                    <a:p>
+                      <a:pPr algn="ctr"/>
+                      <a:endParaRPr lang="en-US"/>
+                    </a:p>
+                  </p:txBody>
+                </p:sp>
+                <p:sp>
+                  <p:nvSpPr>
+                    <p:cNvPr id="70" name="Rectangles 69"/>
+                    <p:cNvSpPr/>
+                    <p:nvPr/>
+                  </p:nvSpPr>
+                  <p:spPr>
+                    <a:xfrm>
+                      <a:off x="3282" y="5159"/>
+                      <a:ext cx="907" cy="859"/>
+                    </a:xfrm>
+                    <a:prstGeom prst="rect">
+                      <a:avLst/>
+                    </a:prstGeom>
+                    <a:noFill/>
+                    <a:ln w="28575" cmpd="sng">
+                      <a:solidFill>
+                        <a:schemeClr val="tx1"/>
+                      </a:solidFill>
+                      <a:prstDash val="solid"/>
+                    </a:ln>
+                  </p:spPr>
+                  <p:style>
+                    <a:lnRef idx="2">
+                      <a:schemeClr val="accent1">
+                        <a:lumMod val="75000"/>
+                      </a:schemeClr>
+                    </a:lnRef>
+                    <a:fillRef idx="1">
+                      <a:schemeClr val="accent1"/>
+                    </a:fillRef>
+                    <a:effectRef idx="0">
+                      <a:srgbClr val="FFFFFF"/>
+                    </a:effectRef>
+                    <a:fontRef idx="minor">
+                      <a:schemeClr val="lt1"/>
+                    </a:fontRef>
+                  </p:style>
+                  <p:txBody>
+                    <a:bodyPr rtlCol="0" anchor="ctr"/>
+                    <a:p>
+                      <a:pPr algn="ctr"/>
+                      <a:endParaRPr lang="en-US"/>
+                    </a:p>
+                  </p:txBody>
+                </p:sp>
+                <p:sp>
+                  <p:nvSpPr>
+                    <p:cNvPr id="71" name="Rectangles 70"/>
+                    <p:cNvSpPr/>
+                    <p:nvPr/>
+                  </p:nvSpPr>
+                  <p:spPr>
+                    <a:xfrm>
+                      <a:off x="4189" y="5159"/>
+                      <a:ext cx="907" cy="859"/>
+                    </a:xfrm>
+                    <a:prstGeom prst="rect">
+                      <a:avLst/>
+                    </a:prstGeom>
+                    <a:noFill/>
+                    <a:ln w="28575" cmpd="sng">
+                      <a:solidFill>
+                        <a:schemeClr val="tx1"/>
+                      </a:solidFill>
+                      <a:prstDash val="solid"/>
+                    </a:ln>
+                  </p:spPr>
+                  <p:style>
+                    <a:lnRef idx="2">
+                      <a:schemeClr val="accent1">
+                        <a:lumMod val="75000"/>
+                      </a:schemeClr>
+                    </a:lnRef>
+                    <a:fillRef idx="1">
+                      <a:schemeClr val="accent1"/>
+                    </a:fillRef>
+                    <a:effectRef idx="0">
+                      <a:srgbClr val="FFFFFF"/>
+                    </a:effectRef>
+                    <a:fontRef idx="minor">
+                      <a:schemeClr val="lt1"/>
+                    </a:fontRef>
+                  </p:style>
+                  <p:txBody>
+                    <a:bodyPr rtlCol="0" anchor="ctr"/>
+                    <a:p>
+                      <a:pPr algn="ctr"/>
+                      <a:endParaRPr lang="en-US"/>
+                    </a:p>
+                  </p:txBody>
+                </p:sp>
+              </p:grpSp>
+              <p:grpSp>
+                <p:nvGrpSpPr>
+                  <p:cNvPr id="72" name="Group 71"/>
+                  <p:cNvGrpSpPr/>
+                  <p:nvPr/>
+                </p:nvGrpSpPr>
+                <p:grpSpPr>
+                  <a:xfrm>
+                    <a:off x="2375" y="5298"/>
+                    <a:ext cx="2720" cy="858"/>
+                    <a:chOff x="2375" y="5159"/>
+                    <a:chExt cx="2720" cy="858"/>
+                  </a:xfrm>
+                </p:grpSpPr>
+                <p:sp>
+                  <p:nvSpPr>
+                    <p:cNvPr id="73" name="Rectangles 72"/>
+                    <p:cNvSpPr/>
+                    <p:nvPr/>
+                  </p:nvSpPr>
+                  <p:spPr>
+                    <a:xfrm>
+                      <a:off x="2375" y="5159"/>
+                      <a:ext cx="907" cy="859"/>
+                    </a:xfrm>
+                    <a:prstGeom prst="rect">
+                      <a:avLst/>
+                    </a:prstGeom>
+                    <a:noFill/>
+                    <a:ln w="28575" cmpd="sng">
+                      <a:solidFill>
+                        <a:schemeClr val="tx1"/>
+                      </a:solidFill>
+                      <a:prstDash val="solid"/>
+                    </a:ln>
+                  </p:spPr>
+                  <p:style>
+                    <a:lnRef idx="2">
+                      <a:schemeClr val="accent1">
+                        <a:lumMod val="75000"/>
+                      </a:schemeClr>
+                    </a:lnRef>
+                    <a:fillRef idx="1">
+                      <a:schemeClr val="accent1"/>
+                    </a:fillRef>
+                    <a:effectRef idx="0">
+                      <a:srgbClr val="FFFFFF"/>
+                    </a:effectRef>
+                    <a:fontRef idx="minor">
+                      <a:schemeClr val="lt1"/>
+                    </a:fontRef>
+                  </p:style>
+                  <p:txBody>
+                    <a:bodyPr rtlCol="0" anchor="ctr"/>
+                    <a:p>
+                      <a:pPr algn="ctr"/>
+                      <a:endParaRPr lang="en-US"/>
+                    </a:p>
+                  </p:txBody>
+                </p:sp>
+                <p:sp>
+                  <p:nvSpPr>
+                    <p:cNvPr id="74" name="Rectangles 73"/>
+                    <p:cNvSpPr/>
+                    <p:nvPr/>
+                  </p:nvSpPr>
+                  <p:spPr>
+                    <a:xfrm>
+                      <a:off x="3282" y="5159"/>
+                      <a:ext cx="907" cy="859"/>
+                    </a:xfrm>
+                    <a:prstGeom prst="rect">
+                      <a:avLst/>
+                    </a:prstGeom>
+                    <a:noFill/>
+                    <a:ln w="28575" cmpd="sng">
+                      <a:solidFill>
+                        <a:schemeClr val="tx1"/>
+                      </a:solidFill>
+                      <a:prstDash val="solid"/>
+                    </a:ln>
+                  </p:spPr>
+                  <p:style>
+                    <a:lnRef idx="2">
+                      <a:schemeClr val="accent1">
+                        <a:lumMod val="75000"/>
+                      </a:schemeClr>
+                    </a:lnRef>
+                    <a:fillRef idx="1">
+                      <a:schemeClr val="accent1"/>
+                    </a:fillRef>
+                    <a:effectRef idx="0">
+                      <a:srgbClr val="FFFFFF"/>
+                    </a:effectRef>
+                    <a:fontRef idx="minor">
+                      <a:schemeClr val="lt1"/>
+                    </a:fontRef>
+                  </p:style>
+                  <p:txBody>
+                    <a:bodyPr rtlCol="0" anchor="ctr"/>
+                    <a:p>
+                      <a:pPr algn="ctr"/>
+                      <a:endParaRPr lang="en-US"/>
+                    </a:p>
+                  </p:txBody>
+                </p:sp>
+                <p:sp>
+                  <p:nvSpPr>
+                    <p:cNvPr id="75" name="Rectangles 74"/>
+                    <p:cNvSpPr/>
+                    <p:nvPr/>
+                  </p:nvSpPr>
+                  <p:spPr>
+                    <a:xfrm>
+                      <a:off x="4189" y="5159"/>
+                      <a:ext cx="907" cy="859"/>
+                    </a:xfrm>
+                    <a:prstGeom prst="rect">
+                      <a:avLst/>
+                    </a:prstGeom>
+                    <a:noFill/>
+                    <a:ln w="28575" cmpd="sng">
+                      <a:solidFill>
+                        <a:schemeClr val="tx1"/>
+                      </a:solidFill>
+                      <a:prstDash val="solid"/>
+                    </a:ln>
+                  </p:spPr>
+                  <p:style>
+                    <a:lnRef idx="2">
+                      <a:schemeClr val="accent1">
+                        <a:lumMod val="75000"/>
+                      </a:schemeClr>
+                    </a:lnRef>
+                    <a:fillRef idx="1">
+                      <a:schemeClr val="accent1"/>
+                    </a:fillRef>
+                    <a:effectRef idx="0">
+                      <a:srgbClr val="FFFFFF"/>
+                    </a:effectRef>
+                    <a:fontRef idx="minor">
+                      <a:schemeClr val="lt1"/>
+                    </a:fontRef>
+                  </p:style>
+                  <p:txBody>
+                    <a:bodyPr rtlCol="0" anchor="ctr"/>
+                    <a:p>
+                      <a:pPr algn="ctr"/>
+                      <a:endParaRPr lang="en-US"/>
+                    </a:p>
+                  </p:txBody>
+                </p:sp>
+              </p:grpSp>
+            </p:grpSp>
+            <p:sp>
+              <p:nvSpPr>
+                <p:cNvPr id="76" name="Text Box 75"/>
+                <p:cNvSpPr txBox="1"/>
+                <p:nvPr/>
+              </p:nvSpPr>
+              <p:spPr>
+                <a:xfrm>
+                  <a:off x="1969" y="3134"/>
+                  <a:ext cx="819" cy="919"/>
+                </a:xfrm>
+                <a:prstGeom prst="rect">
+                  <a:avLst/>
+                </a:prstGeom>
+                <a:noFill/>
+              </p:spPr>
+              <p:txBody>
+                <a:bodyPr wrap="square" rtlCol="0">
+                  <a:spAutoFit/>
+                </a:bodyPr>
+                <a:p>
+                  <a:pPr algn="ctr"/>
+                  <a:r>
+                    <a:rPr lang="en-US" sz="3200" b="1">
+                      <a:solidFill>
+                        <a:schemeClr val="accent1"/>
+                      </a:solidFill>
+                      <a:effectLst>
+                        <a:outerShdw blurRad="38100" dist="25400" dir="5400000" algn="ctr" rotWithShape="0">
+                          <a:srgbClr val="6E747A">
+                            <a:alpha val="43000"/>
+                          </a:srgbClr>
+                        </a:outerShdw>
+                      </a:effectLst>
+                    </a:rPr>
+                    <a:t>1</a:t>
+                  </a:r>
+                  <a:endParaRPr lang="en-US" sz="3200" b="1">
+                    <a:solidFill>
+                      <a:schemeClr val="accent1"/>
+                    </a:solidFill>
+                    <a:effectLst>
+                      <a:outerShdw blurRad="38100" dist="25400" dir="5400000" algn="ctr" rotWithShape="0">
+                        <a:srgbClr val="6E747A">
+                          <a:alpha val="43000"/>
+                        </a:srgbClr>
+                      </a:outerShdw>
+                    </a:effectLst>
+                  </a:endParaRPr>
+                </a:p>
+              </p:txBody>
+            </p:sp>
+            <p:sp>
+              <p:nvSpPr>
+                <p:cNvPr id="77" name="Text Box 76"/>
+                <p:cNvSpPr txBox="1"/>
+                <p:nvPr/>
+              </p:nvSpPr>
+              <p:spPr>
+                <a:xfrm>
+                  <a:off x="4904" y="4443"/>
+                  <a:ext cx="819" cy="919"/>
+                </a:xfrm>
+                <a:prstGeom prst="rect">
+                  <a:avLst/>
+                </a:prstGeom>
+                <a:noFill/>
+              </p:spPr>
+              <p:txBody>
+                <a:bodyPr wrap="square" rtlCol="0">
+                  <a:spAutoFit/>
+                </a:bodyPr>
+                <a:p>
+                  <a:pPr algn="ctr"/>
+                  <a:r>
+                    <a:rPr lang="en-US" sz="3200" b="1">
+                      <a:solidFill>
+                        <a:schemeClr val="accent1"/>
+                      </a:solidFill>
+                      <a:effectLst>
+                        <a:outerShdw blurRad="38100" dist="25400" dir="5400000" algn="ctr" rotWithShape="0">
+                          <a:srgbClr val="6E747A">
+                            <a:alpha val="43000"/>
+                          </a:srgbClr>
+                        </a:outerShdw>
+                      </a:effectLst>
+                    </a:rPr>
+                    <a:t>8</a:t>
+                  </a:r>
+                  <a:endParaRPr lang="en-US" sz="3200" b="1">
+                    <a:solidFill>
+                      <a:schemeClr val="accent1"/>
+                    </a:solidFill>
+                    <a:effectLst>
+                      <a:outerShdw blurRad="38100" dist="25400" dir="5400000" algn="ctr" rotWithShape="0">
+                        <a:srgbClr val="6E747A">
+                          <a:alpha val="43000"/>
+                        </a:srgbClr>
+                      </a:outerShdw>
+                    </a:effectLst>
+                  </a:endParaRPr>
+                </a:p>
+              </p:txBody>
+            </p:sp>
+            <p:sp>
+              <p:nvSpPr>
+                <p:cNvPr id="78" name="Text Box 77"/>
+                <p:cNvSpPr txBox="1"/>
+                <p:nvPr/>
+              </p:nvSpPr>
+              <p:spPr>
+                <a:xfrm>
+                  <a:off x="3440" y="5752"/>
+                  <a:ext cx="819" cy="919"/>
+                </a:xfrm>
+                <a:prstGeom prst="rect">
+                  <a:avLst/>
+                </a:prstGeom>
+                <a:noFill/>
+              </p:spPr>
+              <p:txBody>
+                <a:bodyPr wrap="square" rtlCol="0">
+                  <a:spAutoFit/>
+                </a:bodyPr>
+                <a:p>
+                  <a:pPr algn="ctr"/>
+                  <a:r>
+                    <a:rPr lang="en-US" sz="3200" b="1">
+                      <a:solidFill>
+                        <a:schemeClr val="accent1"/>
+                      </a:solidFill>
+                      <a:effectLst>
+                        <a:outerShdw blurRad="38100" dist="25400" dir="5400000" algn="ctr" rotWithShape="0">
+                          <a:srgbClr val="6E747A">
+                            <a:alpha val="43000"/>
+                          </a:srgbClr>
+                        </a:outerShdw>
+                      </a:effectLst>
+                    </a:rPr>
+                    <a:t>6</a:t>
+                  </a:r>
+                  <a:endParaRPr lang="en-US" sz="3200" b="1">
+                    <a:solidFill>
+                      <a:schemeClr val="accent1"/>
+                    </a:solidFill>
+                    <a:effectLst>
+                      <a:outerShdw blurRad="38100" dist="25400" dir="5400000" algn="ctr" rotWithShape="0">
+                        <a:srgbClr val="6E747A">
+                          <a:alpha val="43000"/>
+                        </a:srgbClr>
+                      </a:outerShdw>
+                    </a:effectLst>
+                  </a:endParaRPr>
+                </a:p>
+              </p:txBody>
+            </p:sp>
+            <p:sp>
+              <p:nvSpPr>
+                <p:cNvPr id="79" name="Text Box 78"/>
+                <p:cNvSpPr txBox="1"/>
+                <p:nvPr/>
+              </p:nvSpPr>
+              <p:spPr>
+                <a:xfrm>
+                  <a:off x="3456" y="4443"/>
+                  <a:ext cx="819" cy="919"/>
+                </a:xfrm>
+                <a:prstGeom prst="rect">
+                  <a:avLst/>
+                </a:prstGeom>
+                <a:noFill/>
+              </p:spPr>
+              <p:txBody>
+                <a:bodyPr wrap="square" rtlCol="0">
+                  <a:spAutoFit/>
+                </a:bodyPr>
+                <a:p>
+                  <a:pPr algn="ctr"/>
+                  <a:r>
+                    <a:rPr lang="en-US" sz="3200" b="1">
+                      <a:solidFill>
+                        <a:schemeClr val="accent1"/>
+                      </a:solidFill>
+                      <a:effectLst>
+                        <a:outerShdw blurRad="38100" dist="25400" dir="5400000" algn="ctr" rotWithShape="0">
+                          <a:srgbClr val="6E747A">
+                            <a:alpha val="43000"/>
+                          </a:srgbClr>
+                        </a:outerShdw>
+                      </a:effectLst>
+                    </a:rPr>
+                    <a:t>5</a:t>
+                  </a:r>
+                  <a:endParaRPr lang="en-US" sz="3200" b="1">
+                    <a:solidFill>
+                      <a:schemeClr val="accent1"/>
+                    </a:solidFill>
+                    <a:effectLst>
+                      <a:outerShdw blurRad="38100" dist="25400" dir="5400000" algn="ctr" rotWithShape="0">
+                        <a:srgbClr val="6E747A">
+                          <a:alpha val="43000"/>
+                        </a:srgbClr>
+                      </a:outerShdw>
+                    </a:effectLst>
+                  </a:endParaRPr>
+                </a:p>
+              </p:txBody>
+            </p:sp>
+            <p:sp>
+              <p:nvSpPr>
+                <p:cNvPr id="80" name="Text Box 79"/>
+                <p:cNvSpPr txBox="1"/>
+                <p:nvPr/>
+              </p:nvSpPr>
+              <p:spPr>
+                <a:xfrm>
+                  <a:off x="4911" y="3134"/>
+                  <a:ext cx="819" cy="919"/>
+                </a:xfrm>
+                <a:prstGeom prst="rect">
+                  <a:avLst/>
+                </a:prstGeom>
+                <a:noFill/>
+              </p:spPr>
+              <p:txBody>
+                <a:bodyPr wrap="square" rtlCol="0">
+                  <a:spAutoFit/>
+                </a:bodyPr>
+                <a:p>
+                  <a:pPr algn="ctr"/>
+                  <a:r>
+                    <a:rPr lang="en-US" sz="3200" b="1">
+                      <a:solidFill>
+                        <a:schemeClr val="accent1"/>
+                      </a:solidFill>
+                      <a:effectLst>
+                        <a:outerShdw blurRad="38100" dist="25400" dir="5400000" algn="ctr" rotWithShape="0">
+                          <a:srgbClr val="6E747A">
+                            <a:alpha val="43000"/>
+                          </a:srgbClr>
+                        </a:outerShdw>
+                      </a:effectLst>
+                    </a:rPr>
+                    <a:t>7</a:t>
+                  </a:r>
+                  <a:endParaRPr lang="en-US" sz="3200" b="1">
+                    <a:solidFill>
+                      <a:schemeClr val="accent1"/>
+                    </a:solidFill>
+                    <a:effectLst>
+                      <a:outerShdw blurRad="38100" dist="25400" dir="5400000" algn="ctr" rotWithShape="0">
+                        <a:srgbClr val="6E747A">
+                          <a:alpha val="43000"/>
+                        </a:srgbClr>
+                      </a:outerShdw>
+                    </a:effectLst>
+                  </a:endParaRPr>
+                </a:p>
+              </p:txBody>
+            </p:sp>
+            <p:sp>
+              <p:nvSpPr>
+                <p:cNvPr id="81" name="Text Box 80"/>
+                <p:cNvSpPr txBox="1"/>
+                <p:nvPr/>
+              </p:nvSpPr>
+              <p:spPr>
+                <a:xfrm>
+                  <a:off x="3440" y="3134"/>
+                  <a:ext cx="819" cy="919"/>
+                </a:xfrm>
+                <a:prstGeom prst="rect">
+                  <a:avLst/>
+                </a:prstGeom>
+                <a:noFill/>
+              </p:spPr>
+              <p:txBody>
+                <a:bodyPr wrap="square" rtlCol="0">
+                  <a:spAutoFit/>
+                </a:bodyPr>
+                <a:p>
+                  <a:pPr algn="ctr"/>
+                  <a:r>
+                    <a:rPr lang="en-US" sz="3200" b="1">
+                      <a:solidFill>
+                        <a:schemeClr val="accent1"/>
+                      </a:solidFill>
+                      <a:effectLst>
+                        <a:outerShdw blurRad="38100" dist="25400" dir="5400000" algn="ctr" rotWithShape="0">
+                          <a:srgbClr val="6E747A">
+                            <a:alpha val="43000"/>
+                          </a:srgbClr>
+                        </a:outerShdw>
+                      </a:effectLst>
+                    </a:rPr>
+                    <a:t>4</a:t>
+                  </a:r>
+                  <a:endParaRPr lang="en-US" sz="3200" b="1">
+                    <a:solidFill>
+                      <a:schemeClr val="accent1"/>
+                    </a:solidFill>
+                    <a:effectLst>
+                      <a:outerShdw blurRad="38100" dist="25400" dir="5400000" algn="ctr" rotWithShape="0">
+                        <a:srgbClr val="6E747A">
+                          <a:alpha val="43000"/>
+                        </a:srgbClr>
+                      </a:outerShdw>
+                    </a:effectLst>
+                  </a:endParaRPr>
+                </a:p>
+              </p:txBody>
+            </p:sp>
+            <p:sp>
+              <p:nvSpPr>
+                <p:cNvPr id="82" name="Text Box 81"/>
+                <p:cNvSpPr txBox="1"/>
+                <p:nvPr/>
+              </p:nvSpPr>
+              <p:spPr>
+                <a:xfrm>
+                  <a:off x="1976" y="5752"/>
+                  <a:ext cx="819" cy="919"/>
+                </a:xfrm>
+                <a:prstGeom prst="rect">
+                  <a:avLst/>
+                </a:prstGeom>
+                <a:noFill/>
+              </p:spPr>
+              <p:txBody>
+                <a:bodyPr wrap="square" rtlCol="0">
+                  <a:spAutoFit/>
+                </a:bodyPr>
+                <a:p>
+                  <a:pPr algn="ctr"/>
+                  <a:r>
+                    <a:rPr lang="en-US" sz="3200" b="1">
+                      <a:solidFill>
+                        <a:schemeClr val="accent1"/>
+                      </a:solidFill>
+                      <a:effectLst>
+                        <a:outerShdw blurRad="38100" dist="25400" dir="5400000" algn="ctr" rotWithShape="0">
+                          <a:srgbClr val="6E747A">
+                            <a:alpha val="43000"/>
+                          </a:srgbClr>
+                        </a:outerShdw>
+                      </a:effectLst>
+                    </a:rPr>
+                    <a:t>3</a:t>
+                  </a:r>
+                  <a:endParaRPr lang="en-US" sz="3200" b="1">
+                    <a:solidFill>
+                      <a:schemeClr val="accent1"/>
+                    </a:solidFill>
+                    <a:effectLst>
+                      <a:outerShdw blurRad="38100" dist="25400" dir="5400000" algn="ctr" rotWithShape="0">
+                        <a:srgbClr val="6E747A">
+                          <a:alpha val="43000"/>
+                        </a:srgbClr>
+                      </a:outerShdw>
+                    </a:effectLst>
+                  </a:endParaRPr>
+                </a:p>
+              </p:txBody>
+            </p:sp>
+            <p:sp>
+              <p:nvSpPr>
+                <p:cNvPr id="83" name="Text Box 82"/>
+                <p:cNvSpPr txBox="1"/>
+                <p:nvPr/>
+              </p:nvSpPr>
+              <p:spPr>
+                <a:xfrm>
+                  <a:off x="2007" y="4443"/>
+                  <a:ext cx="819" cy="919"/>
+                </a:xfrm>
+                <a:prstGeom prst="rect">
+                  <a:avLst/>
+                </a:prstGeom>
+                <a:noFill/>
+              </p:spPr>
+              <p:txBody>
+                <a:bodyPr wrap="square" rtlCol="0">
+                  <a:spAutoFit/>
+                </a:bodyPr>
+                <a:p>
+                  <a:pPr algn="ctr"/>
+                  <a:r>
+                    <a:rPr lang="en-US" sz="3200" b="1">
+                      <a:solidFill>
+                        <a:schemeClr val="accent1"/>
+                      </a:solidFill>
+                      <a:effectLst>
+                        <a:outerShdw blurRad="38100" dist="25400" dir="5400000" algn="ctr" rotWithShape="0">
+                          <a:srgbClr val="6E747A">
+                            <a:alpha val="43000"/>
+                          </a:srgbClr>
+                        </a:outerShdw>
+                      </a:effectLst>
+                    </a:rPr>
+                    <a:t>2</a:t>
+                  </a:r>
+                  <a:endParaRPr lang="en-US" sz="3200" b="1">
+                    <a:solidFill>
+                      <a:schemeClr val="accent1"/>
+                    </a:solidFill>
+                    <a:effectLst>
+                      <a:outerShdw blurRad="38100" dist="25400" dir="5400000" algn="ctr" rotWithShape="0">
+                        <a:srgbClr val="6E747A">
+                          <a:alpha val="43000"/>
+                        </a:srgbClr>
+                      </a:outerShdw>
+                    </a:effectLst>
+                  </a:endParaRPr>
+                </a:p>
+              </p:txBody>
+            </p:sp>
+            <p:sp>
+              <p:nvSpPr>
+                <p:cNvPr id="84" name="Text Box 83"/>
+                <p:cNvSpPr txBox="1"/>
+                <p:nvPr/>
+              </p:nvSpPr>
+              <p:spPr>
+                <a:xfrm>
+                  <a:off x="4904" y="5752"/>
+                  <a:ext cx="819" cy="919"/>
+                </a:xfrm>
+                <a:prstGeom prst="rect">
+                  <a:avLst/>
+                </a:prstGeom>
+                <a:noFill/>
+              </p:spPr>
+              <p:txBody>
+                <a:bodyPr wrap="square" rtlCol="0">
+                  <a:spAutoFit/>
+                </a:bodyPr>
+                <a:p>
+                  <a:pPr algn="ctr"/>
+                  <a:r>
+                    <a:rPr lang="en-US" sz="3200" b="1">
+                      <a:solidFill>
+                        <a:schemeClr val="accent1"/>
+                      </a:solidFill>
+                      <a:effectLst>
+                        <a:outerShdw blurRad="38100" dist="25400" dir="5400000" algn="ctr" rotWithShape="0">
+                          <a:srgbClr val="6E747A">
+                            <a:alpha val="43000"/>
+                          </a:srgbClr>
+                        </a:outerShdw>
+                      </a:effectLst>
+                    </a:rPr>
+                    <a:t>9</a:t>
+                  </a:r>
+                  <a:endParaRPr lang="en-US" sz="3200" b="1">
+                    <a:solidFill>
+                      <a:schemeClr val="accent1"/>
+                    </a:solidFill>
+                    <a:effectLst>
+                      <a:outerShdw blurRad="38100" dist="25400" dir="5400000" algn="ctr" rotWithShape="0">
+                        <a:srgbClr val="6E747A">
+                          <a:alpha val="43000"/>
+                        </a:srgbClr>
+                      </a:outerShdw>
+                    </a:effectLst>
+                  </a:endParaRPr>
+                </a:p>
+              </p:txBody>
+            </p:sp>
+          </p:grpSp>
+          <p:sp>
+            <p:nvSpPr>
+              <p:cNvPr id="91" name="Text Box 90"/>
+              <p:cNvSpPr txBox="1"/>
+              <p:nvPr/>
+            </p:nvSpPr>
+            <p:spPr>
+              <a:xfrm>
+                <a:off x="10639" y="1903"/>
+                <a:ext cx="4907" cy="580"/>
+              </a:xfrm>
+              <a:prstGeom prst="rect">
+                <a:avLst/>
+              </a:prstGeom>
+              <a:noFill/>
+            </p:spPr>
+            <p:txBody>
+              <a:bodyPr wrap="square" rtlCol="0">
+                <a:spAutoFit/>
+              </a:bodyPr>
+              <a:p>
+                <a:pPr algn="ctr"/>
+                <a:r>
+                  <a:rPr lang="en-US">
+                    <a:highlight>
+                      <a:srgbClr val="00FF00"/>
+                    </a:highlight>
+                  </a:rPr>
+                  <a:t># Horizontal Reflection</a:t>
+                </a:r>
+                <a:endParaRPr lang="en-US">
+                  <a:highlight>
+                    <a:srgbClr val="00FF00"/>
+                  </a:highlight>
+                </a:endParaRPr>
+              </a:p>
+            </p:txBody>
+          </p:sp>
+          <p:sp>
+            <p:nvSpPr>
+              <p:cNvPr id="4" name="Rectangles 3"/>
+              <p:cNvSpPr/>
+              <p:nvPr/>
+            </p:nvSpPr>
+            <p:spPr>
+              <a:xfrm>
+                <a:off x="8864" y="3039"/>
+                <a:ext cx="1454" cy="3971"/>
+              </a:xfrm>
+              <a:prstGeom prst="rect">
+                <a:avLst/>
+              </a:prstGeom>
+              <a:noFill/>
+              <a:ln w="38100" cmpd="sng">
+                <a:solidFill>
+                  <a:srgbClr val="FF0000"/>
+                </a:solidFill>
+                <a:prstDash val="solid"/>
+              </a:ln>
+            </p:spPr>
+            <p:style>
+              <a:lnRef idx="2">
+                <a:schemeClr val="accent1">
+                  <a:lumMod val="75000"/>
+                </a:schemeClr>
+              </a:lnRef>
+              <a:fillRef idx="1">
+                <a:schemeClr val="accent1"/>
+              </a:fillRef>
+              <a:effectRef idx="0">
+                <a:srgbClr val="FFFFFF"/>
+              </a:effectRef>
+              <a:fontRef idx="minor">
+                <a:schemeClr val="lt1"/>
+              </a:fontRef>
+            </p:style>
+            <p:txBody>
+              <a:bodyPr rtlCol="0" anchor="ctr"/>
+              <a:p>
+                <a:pPr algn="ctr"/>
+                <a:endParaRPr lang="en-US"/>
+              </a:p>
+            </p:txBody>
+          </p:sp>
+          <p:cxnSp>
+            <p:nvCxnSpPr>
+              <p:cNvPr id="9" name="Curved Connector 8"/>
+              <p:cNvCxnSpPr>
+                <a:stCxn id="73" idx="2"/>
+                <a:endCxn id="75" idx="2"/>
+              </p:cNvCxnSpPr>
+              <p:nvPr/>
+            </p:nvCxnSpPr>
+            <p:spPr>
+              <a:xfrm rot="5400000" flipV="1">
+                <a:off x="9600" y="5543"/>
+                <a:ext cx="5" cy="2904"/>
+              </a:xfrm>
+              <a:prstGeom prst="curvedConnector3">
+                <a:avLst>
+                  <a:gd name="adj1" fmla="val 7550000"/>
+                </a:avLst>
+              </a:prstGeom>
+              <a:ln w="28575" cmpd="sng">
+                <a:solidFill>
+                  <a:srgbClr val="FFC000"/>
+                </a:solidFill>
+                <a:prstDash val="solid"/>
+                <a:headEnd type="arrow"/>
+                <a:tailEnd type="arrow"/>
+              </a:ln>
+            </p:spPr>
+            <p:style>
+              <a:lnRef idx="2">
+                <a:schemeClr val="accent1"/>
+              </a:lnRef>
+              <a:fillRef idx="0">
+                <a:srgbClr val="FFFFFF"/>
+              </a:fillRef>
+              <a:effectRef idx="0">
+                <a:srgbClr val="FFFFFF"/>
+              </a:effectRef>
+              <a:fontRef idx="minor">
+                <a:schemeClr val="tx1"/>
+              </a:fontRef>
+            </p:style>
+          </p:cxnSp>
+          <p:cxnSp>
+            <p:nvCxnSpPr>
+              <p:cNvPr id="10" name="Curved Connector 9"/>
+              <p:cNvCxnSpPr/>
+              <p:nvPr/>
+            </p:nvCxnSpPr>
+            <p:spPr>
+              <a:xfrm rot="16200000" flipV="1">
+                <a:off x="9600" y="1518"/>
+                <a:ext cx="5" cy="2904"/>
+              </a:xfrm>
+              <a:prstGeom prst="curvedConnector3">
+                <a:avLst>
+                  <a:gd name="adj1" fmla="val 7550000"/>
+                </a:avLst>
+              </a:prstGeom>
+              <a:ln w="28575" cmpd="sng">
+                <a:solidFill>
+                  <a:srgbClr val="FFC000"/>
+                </a:solidFill>
+                <a:prstDash val="solid"/>
+                <a:headEnd type="arrow"/>
+                <a:tailEnd type="arrow"/>
+              </a:ln>
+            </p:spPr>
+            <p:style>
+              <a:lnRef idx="2">
+                <a:schemeClr val="accent1"/>
+              </a:lnRef>
+              <a:fillRef idx="0">
+                <a:srgbClr val="FFFFFF"/>
+              </a:fillRef>
+              <a:effectRef idx="0">
+                <a:srgbClr val="FFFFFF"/>
+              </a:effectRef>
+              <a:fontRef idx="minor">
+                <a:schemeClr val="tx1"/>
+              </a:fontRef>
+            </p:style>
+          </p:cxnSp>
+          <p:cxnSp>
+            <p:nvCxnSpPr>
+              <p:cNvPr id="11" name="Straight Arrow Connector 10"/>
+              <p:cNvCxnSpPr/>
+              <p:nvPr/>
+            </p:nvCxnSpPr>
+            <p:spPr>
+              <a:xfrm>
+                <a:off x="8520" y="5031"/>
+                <a:ext cx="2142" cy="16"/>
+              </a:xfrm>
+              <a:prstGeom prst="straightConnector1">
+                <a:avLst/>
+              </a:prstGeom>
+              <a:ln w="28575" cmpd="sng">
+                <a:solidFill>
+                  <a:srgbClr val="FFC000"/>
+                </a:solidFill>
+                <a:prstDash val="solid"/>
+                <a:headEnd type="arrow"/>
+                <a:tailEnd type="arrow"/>
+              </a:ln>
+            </p:spPr>
+            <p:style>
+              <a:lnRef idx="2">
+                <a:schemeClr val="accent1"/>
+              </a:lnRef>
+              <a:fillRef idx="0">
+                <a:srgbClr val="FFFFFF"/>
+              </a:fillRef>
+              <a:effectRef idx="0">
+                <a:srgbClr val="FFFFFF"/>
+              </a:effectRef>
+              <a:fontRef idx="minor">
+                <a:schemeClr val="tx1"/>
+              </a:fontRef>
+            </p:style>
+          </p:cxnSp>
+        </p:grpSp>
+        <p:sp>
+          <p:nvSpPr>
+            <p:cNvPr id="13" name="Notched Right Arrow 12"/>
+            <p:cNvSpPr/>
+            <p:nvPr/>
+          </p:nvSpPr>
+          <p:spPr>
+            <a:xfrm>
+              <a:off x="6738" y="4945"/>
+              <a:ext cx="1501" cy="1126"/>
+            </a:xfrm>
+            <a:prstGeom prst="notchedRightArrow">
+              <a:avLst/>
+            </a:prstGeom>
+            <a:solidFill>
+              <a:schemeClr val="tx1"/>
+            </a:solidFill>
+          </p:spPr>
+          <p:style>
+            <a:lnRef idx="2">
+              <a:schemeClr val="accent1">
+                <a:lumMod val="75000"/>
+              </a:schemeClr>
+            </a:lnRef>
+            <a:fillRef idx="1">
+              <a:schemeClr val="accent1"/>
+            </a:fillRef>
+            <a:effectRef idx="0">
+              <a:srgbClr val="FFFFFF"/>
+            </a:effectRef>
+            <a:fontRef idx="minor">
+              <a:schemeClr val="lt1"/>
+            </a:fontRef>
+          </p:style>
+          <p:txBody>
+            <a:bodyPr rtlCol="0" anchor="ctr"/>
+            <a:p>
+              <a:pPr algn="ctr"/>
+              <a:endParaRPr lang="en-US"/>
+            </a:p>
+          </p:txBody>
+        </p:sp>
+        <p:grpSp>
+          <p:nvGrpSpPr>
+            <p:cNvPr id="99" name="Group 98"/>
+            <p:cNvGrpSpPr/>
+            <p:nvPr/>
+          </p:nvGrpSpPr>
+          <p:grpSpPr>
+            <a:xfrm>
+              <a:off x="8676" y="3253"/>
+              <a:ext cx="4907" cy="4505"/>
+              <a:chOff x="11006" y="3253"/>
+              <a:chExt cx="4907" cy="4505"/>
+            </a:xfrm>
+          </p:grpSpPr>
+          <p:grpSp>
+            <p:nvGrpSpPr>
+              <p:cNvPr id="15" name="Group 14"/>
+              <p:cNvGrpSpPr/>
+              <p:nvPr/>
+            </p:nvGrpSpPr>
+            <p:grpSpPr>
+              <a:xfrm rot="0">
+                <a:off x="11281" y="3833"/>
+                <a:ext cx="4355" cy="3925"/>
+                <a:chOff x="1687" y="2939"/>
+                <a:chExt cx="4355" cy="3925"/>
+              </a:xfrm>
+            </p:grpSpPr>
+            <p:grpSp>
+              <p:nvGrpSpPr>
+                <p:cNvPr id="16" name="Group 15"/>
+                <p:cNvGrpSpPr/>
+                <p:nvPr/>
+              </p:nvGrpSpPr>
+              <p:grpSpPr>
+                <a:xfrm>
+                  <a:off x="1687" y="2939"/>
+                  <a:ext cx="4355" cy="3925"/>
+                  <a:chOff x="2375" y="3580"/>
+                  <a:chExt cx="2720" cy="2576"/>
+                </a:xfrm>
+              </p:grpSpPr>
+              <p:grpSp>
+                <p:nvGrpSpPr>
+                  <p:cNvPr id="17" name="Group 16"/>
+                  <p:cNvGrpSpPr/>
+                  <p:nvPr/>
+                </p:nvGrpSpPr>
+                <p:grpSpPr>
+                  <a:xfrm>
+                    <a:off x="2375" y="3580"/>
+                    <a:ext cx="2720" cy="858"/>
+                    <a:chOff x="2375" y="5159"/>
+                    <a:chExt cx="2720" cy="858"/>
+                  </a:xfrm>
+                </p:grpSpPr>
+                <p:sp>
+                  <p:nvSpPr>
+                    <p:cNvPr id="18" name="Rectangles 17"/>
+                    <p:cNvSpPr/>
+                    <p:nvPr/>
+                  </p:nvSpPr>
+                  <p:spPr>
+                    <a:xfrm>
+                      <a:off x="2375" y="5159"/>
+                      <a:ext cx="907" cy="859"/>
+                    </a:xfrm>
+                    <a:prstGeom prst="rect">
+                      <a:avLst/>
+                    </a:prstGeom>
+                    <a:noFill/>
+                    <a:ln w="28575" cmpd="sng">
+                      <a:solidFill>
+                        <a:schemeClr val="tx1"/>
+                      </a:solidFill>
+                      <a:prstDash val="solid"/>
+                    </a:ln>
+                  </p:spPr>
+                  <p:style>
+                    <a:lnRef idx="2">
+                      <a:schemeClr val="accent1">
+                        <a:lumMod val="75000"/>
+                      </a:schemeClr>
+                    </a:lnRef>
+                    <a:fillRef idx="1">
+                      <a:schemeClr val="accent1"/>
+                    </a:fillRef>
+                    <a:effectRef idx="0">
+                      <a:srgbClr val="FFFFFF"/>
+                    </a:effectRef>
+                    <a:fontRef idx="minor">
+                      <a:schemeClr val="lt1"/>
+                    </a:fontRef>
+                  </p:style>
+                  <p:txBody>
+                    <a:bodyPr rtlCol="0" anchor="ctr"/>
+                    <a:p>
+                      <a:pPr algn="ctr"/>
+                      <a:endParaRPr lang="en-US"/>
+                    </a:p>
+                  </p:txBody>
+                </p:sp>
+                <p:sp>
+                  <p:nvSpPr>
+                    <p:cNvPr id="19" name="Rectangles 18"/>
+                    <p:cNvSpPr/>
+                    <p:nvPr/>
+                  </p:nvSpPr>
+                  <p:spPr>
+                    <a:xfrm>
+                      <a:off x="3282" y="5159"/>
+                      <a:ext cx="907" cy="859"/>
+                    </a:xfrm>
+                    <a:prstGeom prst="rect">
+                      <a:avLst/>
+                    </a:prstGeom>
+                    <a:noFill/>
+                    <a:ln w="28575" cmpd="sng">
+                      <a:solidFill>
+                        <a:schemeClr val="tx1"/>
+                      </a:solidFill>
+                      <a:prstDash val="solid"/>
+                    </a:ln>
+                  </p:spPr>
+                  <p:style>
+                    <a:lnRef idx="2">
+                      <a:schemeClr val="accent1">
+                        <a:lumMod val="75000"/>
+                      </a:schemeClr>
+                    </a:lnRef>
+                    <a:fillRef idx="1">
+                      <a:schemeClr val="accent1"/>
+                    </a:fillRef>
+                    <a:effectRef idx="0">
+                      <a:srgbClr val="FFFFFF"/>
+                    </a:effectRef>
+                    <a:fontRef idx="minor">
+                      <a:schemeClr val="lt1"/>
+                    </a:fontRef>
+                  </p:style>
+                  <p:txBody>
+                    <a:bodyPr rtlCol="0" anchor="ctr"/>
+                    <a:p>
+                      <a:pPr algn="ctr"/>
+                      <a:endParaRPr lang="en-US"/>
+                    </a:p>
+                  </p:txBody>
+                </p:sp>
+                <p:sp>
+                  <p:nvSpPr>
+                    <p:cNvPr id="20" name="Rectangles 19"/>
+                    <p:cNvSpPr/>
+                    <p:nvPr/>
+                  </p:nvSpPr>
+                  <p:spPr>
+                    <a:xfrm>
+                      <a:off x="4189" y="5159"/>
+                      <a:ext cx="907" cy="859"/>
+                    </a:xfrm>
+                    <a:prstGeom prst="rect">
+                      <a:avLst/>
+                    </a:prstGeom>
+                    <a:noFill/>
+                    <a:ln w="28575" cmpd="sng">
+                      <a:solidFill>
+                        <a:schemeClr val="tx1"/>
+                      </a:solidFill>
+                      <a:prstDash val="solid"/>
+                    </a:ln>
+                  </p:spPr>
+                  <p:style>
+                    <a:lnRef idx="2">
+                      <a:schemeClr val="accent1">
+                        <a:lumMod val="75000"/>
+                      </a:schemeClr>
+                    </a:lnRef>
+                    <a:fillRef idx="1">
+                      <a:schemeClr val="accent1"/>
+                    </a:fillRef>
+                    <a:effectRef idx="0">
+                      <a:srgbClr val="FFFFFF"/>
+                    </a:effectRef>
+                    <a:fontRef idx="minor">
+                      <a:schemeClr val="lt1"/>
+                    </a:fontRef>
+                  </p:style>
+                  <p:txBody>
+                    <a:bodyPr rtlCol="0" anchor="ctr"/>
+                    <a:p>
+                      <a:pPr algn="ctr"/>
+                      <a:endParaRPr lang="en-US"/>
+                    </a:p>
+                  </p:txBody>
+                </p:sp>
+              </p:grpSp>
+              <p:grpSp>
+                <p:nvGrpSpPr>
+                  <p:cNvPr id="21" name="Group 20"/>
+                  <p:cNvGrpSpPr/>
+                  <p:nvPr/>
+                </p:nvGrpSpPr>
+                <p:grpSpPr>
+                  <a:xfrm>
+                    <a:off x="2375" y="4439"/>
+                    <a:ext cx="2720" cy="858"/>
+                    <a:chOff x="2375" y="5159"/>
+                    <a:chExt cx="2720" cy="858"/>
+                  </a:xfrm>
+                </p:grpSpPr>
+                <p:sp>
+                  <p:nvSpPr>
+                    <p:cNvPr id="22" name="Rectangles 21"/>
+                    <p:cNvSpPr/>
+                    <p:nvPr/>
+                  </p:nvSpPr>
+                  <p:spPr>
+                    <a:xfrm>
+                      <a:off x="2375" y="5159"/>
+                      <a:ext cx="907" cy="859"/>
+                    </a:xfrm>
+                    <a:prstGeom prst="rect">
+                      <a:avLst/>
+                    </a:prstGeom>
+                    <a:noFill/>
+                    <a:ln w="28575" cmpd="sng">
+                      <a:solidFill>
+                        <a:schemeClr val="tx1"/>
+                      </a:solidFill>
+                      <a:prstDash val="solid"/>
+                    </a:ln>
+                  </p:spPr>
+                  <p:style>
+                    <a:lnRef idx="2">
+                      <a:schemeClr val="accent1">
+                        <a:lumMod val="75000"/>
+                      </a:schemeClr>
+                    </a:lnRef>
+                    <a:fillRef idx="1">
+                      <a:schemeClr val="accent1"/>
+                    </a:fillRef>
+                    <a:effectRef idx="0">
+                      <a:srgbClr val="FFFFFF"/>
+                    </a:effectRef>
+                    <a:fontRef idx="minor">
+                      <a:schemeClr val="lt1"/>
+                    </a:fontRef>
+                  </p:style>
+                  <p:txBody>
+                    <a:bodyPr rtlCol="0" anchor="ctr"/>
+                    <a:p>
+                      <a:pPr algn="ctr"/>
+                      <a:endParaRPr lang="en-US"/>
+                    </a:p>
+                  </p:txBody>
+                </p:sp>
+                <p:sp>
+                  <p:nvSpPr>
+                    <p:cNvPr id="24" name="Rectangles 23"/>
+                    <p:cNvSpPr/>
+                    <p:nvPr/>
+                  </p:nvSpPr>
+                  <p:spPr>
+                    <a:xfrm>
+                      <a:off x="3282" y="5159"/>
+                      <a:ext cx="907" cy="859"/>
+                    </a:xfrm>
+                    <a:prstGeom prst="rect">
+                      <a:avLst/>
+                    </a:prstGeom>
+                    <a:noFill/>
+                    <a:ln w="28575" cmpd="sng">
+                      <a:solidFill>
+                        <a:schemeClr val="tx1"/>
+                      </a:solidFill>
+                      <a:prstDash val="solid"/>
+                    </a:ln>
+                  </p:spPr>
+                  <p:style>
+                    <a:lnRef idx="2">
+                      <a:schemeClr val="accent1">
+                        <a:lumMod val="75000"/>
+                      </a:schemeClr>
+                    </a:lnRef>
+                    <a:fillRef idx="1">
+                      <a:schemeClr val="accent1"/>
+                    </a:fillRef>
+                    <a:effectRef idx="0">
+                      <a:srgbClr val="FFFFFF"/>
+                    </a:effectRef>
+                    <a:fontRef idx="minor">
+                      <a:schemeClr val="lt1"/>
+                    </a:fontRef>
+                  </p:style>
+                  <p:txBody>
+                    <a:bodyPr rtlCol="0" anchor="ctr"/>
+                    <a:p>
+                      <a:pPr algn="ctr"/>
+                      <a:endParaRPr lang="en-US"/>
+                    </a:p>
+                  </p:txBody>
+                </p:sp>
+                <p:sp>
+                  <p:nvSpPr>
+                    <p:cNvPr id="25" name="Rectangles 24"/>
+                    <p:cNvSpPr/>
+                    <p:nvPr/>
+                  </p:nvSpPr>
+                  <p:spPr>
+                    <a:xfrm>
+                      <a:off x="4189" y="5159"/>
+                      <a:ext cx="907" cy="859"/>
+                    </a:xfrm>
+                    <a:prstGeom prst="rect">
+                      <a:avLst/>
+                    </a:prstGeom>
+                    <a:noFill/>
+                    <a:ln w="28575" cmpd="sng">
+                      <a:solidFill>
+                        <a:schemeClr val="tx1"/>
+                      </a:solidFill>
+                      <a:prstDash val="solid"/>
+                    </a:ln>
+                  </p:spPr>
+                  <p:style>
+                    <a:lnRef idx="2">
+                      <a:schemeClr val="accent1">
+                        <a:lumMod val="75000"/>
+                      </a:schemeClr>
+                    </a:lnRef>
+                    <a:fillRef idx="1">
+                      <a:schemeClr val="accent1"/>
+                    </a:fillRef>
+                    <a:effectRef idx="0">
+                      <a:srgbClr val="FFFFFF"/>
+                    </a:effectRef>
+                    <a:fontRef idx="minor">
+                      <a:schemeClr val="lt1"/>
+                    </a:fontRef>
+                  </p:style>
+                  <p:txBody>
+                    <a:bodyPr rtlCol="0" anchor="ctr"/>
+                    <a:p>
+                      <a:pPr algn="ctr"/>
+                      <a:endParaRPr lang="en-US"/>
+                    </a:p>
+                  </p:txBody>
+                </p:sp>
+              </p:grpSp>
+              <p:grpSp>
+                <p:nvGrpSpPr>
+                  <p:cNvPr id="26" name="Group 25"/>
+                  <p:cNvGrpSpPr/>
+                  <p:nvPr/>
+                </p:nvGrpSpPr>
+                <p:grpSpPr>
+                  <a:xfrm>
+                    <a:off x="2375" y="5298"/>
+                    <a:ext cx="2720" cy="858"/>
+                    <a:chOff x="2375" y="5159"/>
+                    <a:chExt cx="2720" cy="858"/>
+                  </a:xfrm>
+                </p:grpSpPr>
+                <p:sp>
+                  <p:nvSpPr>
+                    <p:cNvPr id="27" name="Rectangles 26"/>
+                    <p:cNvSpPr/>
+                    <p:nvPr/>
+                  </p:nvSpPr>
+                  <p:spPr>
+                    <a:xfrm>
+                      <a:off x="2375" y="5159"/>
+                      <a:ext cx="907" cy="859"/>
+                    </a:xfrm>
+                    <a:prstGeom prst="rect">
+                      <a:avLst/>
+                    </a:prstGeom>
+                    <a:noFill/>
+                    <a:ln w="28575" cmpd="sng">
+                      <a:solidFill>
+                        <a:schemeClr val="tx1"/>
+                      </a:solidFill>
+                      <a:prstDash val="solid"/>
+                    </a:ln>
+                  </p:spPr>
+                  <p:style>
+                    <a:lnRef idx="2">
+                      <a:schemeClr val="accent1">
+                        <a:lumMod val="75000"/>
+                      </a:schemeClr>
+                    </a:lnRef>
+                    <a:fillRef idx="1">
+                      <a:schemeClr val="accent1"/>
+                    </a:fillRef>
+                    <a:effectRef idx="0">
+                      <a:srgbClr val="FFFFFF"/>
+                    </a:effectRef>
+                    <a:fontRef idx="minor">
+                      <a:schemeClr val="lt1"/>
+                    </a:fontRef>
+                  </p:style>
+                  <p:txBody>
+                    <a:bodyPr rtlCol="0" anchor="ctr"/>
+                    <a:p>
+                      <a:pPr algn="ctr"/>
+                      <a:endParaRPr lang="en-US"/>
+                    </a:p>
+                  </p:txBody>
+                </p:sp>
+                <p:sp>
+                  <p:nvSpPr>
+                    <p:cNvPr id="28" name="Rectangles 27"/>
+                    <p:cNvSpPr/>
+                    <p:nvPr/>
+                  </p:nvSpPr>
+                  <p:spPr>
+                    <a:xfrm>
+                      <a:off x="3282" y="5159"/>
+                      <a:ext cx="907" cy="859"/>
+                    </a:xfrm>
+                    <a:prstGeom prst="rect">
+                      <a:avLst/>
+                    </a:prstGeom>
+                    <a:noFill/>
+                    <a:ln w="28575" cmpd="sng">
+                      <a:solidFill>
+                        <a:schemeClr val="tx1"/>
+                      </a:solidFill>
+                      <a:prstDash val="solid"/>
+                    </a:ln>
+                  </p:spPr>
+                  <p:style>
+                    <a:lnRef idx="2">
+                      <a:schemeClr val="accent1">
+                        <a:lumMod val="75000"/>
+                      </a:schemeClr>
+                    </a:lnRef>
+                    <a:fillRef idx="1">
+                      <a:schemeClr val="accent1"/>
+                    </a:fillRef>
+                    <a:effectRef idx="0">
+                      <a:srgbClr val="FFFFFF"/>
+                    </a:effectRef>
+                    <a:fontRef idx="minor">
+                      <a:schemeClr val="lt1"/>
+                    </a:fontRef>
+                  </p:style>
+                  <p:txBody>
+                    <a:bodyPr rtlCol="0" anchor="ctr"/>
+                    <a:p>
+                      <a:pPr algn="ctr"/>
+                      <a:endParaRPr lang="en-US"/>
+                    </a:p>
+                  </p:txBody>
+                </p:sp>
+                <p:sp>
+                  <p:nvSpPr>
+                    <p:cNvPr id="29" name="Rectangles 28"/>
+                    <p:cNvSpPr/>
+                    <p:nvPr/>
+                  </p:nvSpPr>
+                  <p:spPr>
+                    <a:xfrm>
+                      <a:off x="4189" y="5159"/>
+                      <a:ext cx="907" cy="859"/>
+                    </a:xfrm>
+                    <a:prstGeom prst="rect">
+                      <a:avLst/>
+                    </a:prstGeom>
+                    <a:noFill/>
+                    <a:ln w="28575" cmpd="sng">
+                      <a:solidFill>
+                        <a:schemeClr val="tx1"/>
+                      </a:solidFill>
+                      <a:prstDash val="solid"/>
+                    </a:ln>
+                  </p:spPr>
+                  <p:style>
+                    <a:lnRef idx="2">
+                      <a:schemeClr val="accent1">
+                        <a:lumMod val="75000"/>
+                      </a:schemeClr>
+                    </a:lnRef>
+                    <a:fillRef idx="1">
+                      <a:schemeClr val="accent1"/>
+                    </a:fillRef>
+                    <a:effectRef idx="0">
+                      <a:srgbClr val="FFFFFF"/>
+                    </a:effectRef>
+                    <a:fontRef idx="minor">
+                      <a:schemeClr val="lt1"/>
+                    </a:fontRef>
+                  </p:style>
+                  <p:txBody>
+                    <a:bodyPr rtlCol="0" anchor="ctr"/>
+                    <a:p>
+                      <a:pPr algn="ctr"/>
+                      <a:endParaRPr lang="en-US"/>
+                    </a:p>
+                  </p:txBody>
+                </p:sp>
+              </p:grpSp>
+            </p:grpSp>
+            <p:sp>
+              <p:nvSpPr>
+                <p:cNvPr id="33" name="Text Box 32"/>
+                <p:cNvSpPr txBox="1"/>
+                <p:nvPr/>
+              </p:nvSpPr>
+              <p:spPr>
+                <a:xfrm>
+                  <a:off x="1969" y="3134"/>
+                  <a:ext cx="819" cy="919"/>
+                </a:xfrm>
+                <a:prstGeom prst="rect">
+                  <a:avLst/>
+                </a:prstGeom>
+                <a:noFill/>
+              </p:spPr>
+              <p:txBody>
+                <a:bodyPr wrap="square" rtlCol="0">
+                  <a:spAutoFit/>
+                </a:bodyPr>
+                <a:p>
+                  <a:pPr algn="ctr"/>
+                  <a:r>
+                    <a:rPr lang="en-US" sz="3200" b="1">
+                      <a:solidFill>
+                        <a:schemeClr val="accent1"/>
+                      </a:solidFill>
+                      <a:effectLst>
+                        <a:outerShdw blurRad="38100" dist="25400" dir="5400000" algn="ctr" rotWithShape="0">
+                          <a:srgbClr val="6E747A">
+                            <a:alpha val="43000"/>
+                          </a:srgbClr>
+                        </a:outerShdw>
+                      </a:effectLst>
+                    </a:rPr>
+                    <a:t>7</a:t>
+                  </a:r>
+                  <a:endParaRPr lang="en-US" sz="3200" b="1">
+                    <a:solidFill>
+                      <a:schemeClr val="accent1"/>
+                    </a:solidFill>
+                    <a:effectLst>
+                      <a:outerShdw blurRad="38100" dist="25400" dir="5400000" algn="ctr" rotWithShape="0">
+                        <a:srgbClr val="6E747A">
+                          <a:alpha val="43000"/>
+                        </a:srgbClr>
+                      </a:outerShdw>
+                    </a:effectLst>
+                  </a:endParaRPr>
+                </a:p>
+              </p:txBody>
+            </p:sp>
+            <p:sp>
+              <p:nvSpPr>
+                <p:cNvPr id="34" name="Text Box 33"/>
+                <p:cNvSpPr txBox="1"/>
+                <p:nvPr/>
+              </p:nvSpPr>
+              <p:spPr>
+                <a:xfrm>
+                  <a:off x="4904" y="4443"/>
+                  <a:ext cx="819" cy="919"/>
+                </a:xfrm>
+                <a:prstGeom prst="rect">
+                  <a:avLst/>
+                </a:prstGeom>
+                <a:noFill/>
+              </p:spPr>
+              <p:txBody>
+                <a:bodyPr wrap="square" rtlCol="0">
+                  <a:spAutoFit/>
+                </a:bodyPr>
+                <a:p>
+                  <a:pPr algn="ctr"/>
+                  <a:r>
+                    <a:rPr lang="en-US" sz="3200" b="1">
+                      <a:solidFill>
+                        <a:schemeClr val="accent1"/>
+                      </a:solidFill>
+                      <a:effectLst>
+                        <a:outerShdw blurRad="38100" dist="25400" dir="5400000" algn="ctr" rotWithShape="0">
+                          <a:srgbClr val="6E747A">
+                            <a:alpha val="43000"/>
+                          </a:srgbClr>
+                        </a:outerShdw>
+                      </a:effectLst>
+                    </a:rPr>
+                    <a:t>2</a:t>
+                  </a:r>
+                  <a:endParaRPr lang="en-US" sz="3200" b="1">
+                    <a:solidFill>
+                      <a:schemeClr val="accent1"/>
+                    </a:solidFill>
+                    <a:effectLst>
+                      <a:outerShdw blurRad="38100" dist="25400" dir="5400000" algn="ctr" rotWithShape="0">
+                        <a:srgbClr val="6E747A">
+                          <a:alpha val="43000"/>
+                        </a:srgbClr>
+                      </a:outerShdw>
+                    </a:effectLst>
+                  </a:endParaRPr>
+                </a:p>
+              </p:txBody>
+            </p:sp>
+            <p:sp>
+              <p:nvSpPr>
+                <p:cNvPr id="35" name="Text Box 34"/>
+                <p:cNvSpPr txBox="1"/>
+                <p:nvPr/>
+              </p:nvSpPr>
+              <p:spPr>
+                <a:xfrm>
+                  <a:off x="3440" y="5752"/>
+                  <a:ext cx="819" cy="919"/>
+                </a:xfrm>
+                <a:prstGeom prst="rect">
+                  <a:avLst/>
+                </a:prstGeom>
+                <a:noFill/>
+              </p:spPr>
+              <p:txBody>
+                <a:bodyPr wrap="square" rtlCol="0">
+                  <a:spAutoFit/>
+                </a:bodyPr>
+                <a:p>
+                  <a:pPr algn="ctr"/>
+                  <a:r>
+                    <a:rPr lang="en-US" sz="3200" b="1">
+                      <a:solidFill>
+                        <a:schemeClr val="accent1"/>
+                      </a:solidFill>
+                      <a:effectLst>
+                        <a:outerShdw blurRad="38100" dist="25400" dir="5400000" algn="ctr" rotWithShape="0">
+                          <a:srgbClr val="6E747A">
+                            <a:alpha val="43000"/>
+                          </a:srgbClr>
+                        </a:outerShdw>
+                      </a:effectLst>
+                    </a:rPr>
+                    <a:t>6</a:t>
+                  </a:r>
+                  <a:endParaRPr lang="en-US" sz="3200" b="1">
+                    <a:solidFill>
+                      <a:schemeClr val="accent1"/>
+                    </a:solidFill>
+                    <a:effectLst>
+                      <a:outerShdw blurRad="38100" dist="25400" dir="5400000" algn="ctr" rotWithShape="0">
+                        <a:srgbClr val="6E747A">
+                          <a:alpha val="43000"/>
+                        </a:srgbClr>
+                      </a:outerShdw>
+                    </a:effectLst>
+                  </a:endParaRPr>
+                </a:p>
+              </p:txBody>
+            </p:sp>
+            <p:sp>
+              <p:nvSpPr>
+                <p:cNvPr id="36" name="Text Box 35"/>
+                <p:cNvSpPr txBox="1"/>
+                <p:nvPr/>
+              </p:nvSpPr>
+              <p:spPr>
+                <a:xfrm>
+                  <a:off x="3456" y="4443"/>
+                  <a:ext cx="819" cy="919"/>
+                </a:xfrm>
+                <a:prstGeom prst="rect">
+                  <a:avLst/>
+                </a:prstGeom>
+                <a:noFill/>
+              </p:spPr>
+              <p:txBody>
+                <a:bodyPr wrap="square" rtlCol="0">
+                  <a:spAutoFit/>
+                </a:bodyPr>
+                <a:p>
+                  <a:pPr algn="ctr"/>
+                  <a:r>
+                    <a:rPr lang="en-US" sz="3200" b="1">
+                      <a:solidFill>
+                        <a:schemeClr val="accent1"/>
+                      </a:solidFill>
+                      <a:effectLst>
+                        <a:outerShdw blurRad="38100" dist="25400" dir="5400000" algn="ctr" rotWithShape="0">
+                          <a:srgbClr val="6E747A">
+                            <a:alpha val="43000"/>
+                          </a:srgbClr>
+                        </a:outerShdw>
+                      </a:effectLst>
+                    </a:rPr>
+                    <a:t>5</a:t>
+                  </a:r>
+                  <a:endParaRPr lang="en-US" sz="3200" b="1">
+                    <a:solidFill>
+                      <a:schemeClr val="accent1"/>
+                    </a:solidFill>
+                    <a:effectLst>
+                      <a:outerShdw blurRad="38100" dist="25400" dir="5400000" algn="ctr" rotWithShape="0">
+                        <a:srgbClr val="6E747A">
+                          <a:alpha val="43000"/>
+                        </a:srgbClr>
+                      </a:outerShdw>
+                    </a:effectLst>
+                  </a:endParaRPr>
+                </a:p>
+              </p:txBody>
+            </p:sp>
+            <p:sp>
+              <p:nvSpPr>
+                <p:cNvPr id="38" name="Text Box 37"/>
+                <p:cNvSpPr txBox="1"/>
+                <p:nvPr/>
+              </p:nvSpPr>
+              <p:spPr>
+                <a:xfrm>
+                  <a:off x="4911" y="3134"/>
+                  <a:ext cx="819" cy="919"/>
+                </a:xfrm>
+                <a:prstGeom prst="rect">
+                  <a:avLst/>
+                </a:prstGeom>
+                <a:noFill/>
+              </p:spPr>
+              <p:txBody>
+                <a:bodyPr wrap="square" rtlCol="0">
+                  <a:spAutoFit/>
+                </a:bodyPr>
+                <a:p>
+                  <a:pPr algn="ctr"/>
+                  <a:r>
+                    <a:rPr lang="en-US" sz="3200" b="1">
+                      <a:solidFill>
+                        <a:schemeClr val="accent1"/>
+                      </a:solidFill>
+                      <a:effectLst>
+                        <a:outerShdw blurRad="38100" dist="25400" dir="5400000" algn="ctr" rotWithShape="0">
+                          <a:srgbClr val="6E747A">
+                            <a:alpha val="43000"/>
+                          </a:srgbClr>
+                        </a:outerShdw>
+                      </a:effectLst>
+                    </a:rPr>
+                    <a:t>1</a:t>
+                  </a:r>
+                  <a:endParaRPr lang="en-US" sz="3200" b="1">
+                    <a:solidFill>
+                      <a:schemeClr val="accent1"/>
+                    </a:solidFill>
+                    <a:effectLst>
+                      <a:outerShdw blurRad="38100" dist="25400" dir="5400000" algn="ctr" rotWithShape="0">
+                        <a:srgbClr val="6E747A">
+                          <a:alpha val="43000"/>
+                        </a:srgbClr>
+                      </a:outerShdw>
+                    </a:effectLst>
+                  </a:endParaRPr>
+                </a:p>
+              </p:txBody>
+            </p:sp>
+            <p:sp>
+              <p:nvSpPr>
+                <p:cNvPr id="46" name="Text Box 45"/>
+                <p:cNvSpPr txBox="1"/>
+                <p:nvPr/>
+              </p:nvSpPr>
+              <p:spPr>
+                <a:xfrm>
+                  <a:off x="3440" y="3134"/>
+                  <a:ext cx="819" cy="919"/>
+                </a:xfrm>
+                <a:prstGeom prst="rect">
+                  <a:avLst/>
+                </a:prstGeom>
+                <a:noFill/>
+              </p:spPr>
+              <p:txBody>
+                <a:bodyPr wrap="square" rtlCol="0">
+                  <a:spAutoFit/>
+                </a:bodyPr>
+                <a:p>
+                  <a:pPr algn="ctr"/>
+                  <a:r>
+                    <a:rPr lang="en-US" sz="3200" b="1">
+                      <a:solidFill>
+                        <a:schemeClr val="accent1"/>
+                      </a:solidFill>
+                      <a:effectLst>
+                        <a:outerShdw blurRad="38100" dist="25400" dir="5400000" algn="ctr" rotWithShape="0">
+                          <a:srgbClr val="6E747A">
+                            <a:alpha val="43000"/>
+                          </a:srgbClr>
+                        </a:outerShdw>
+                      </a:effectLst>
+                    </a:rPr>
+                    <a:t>4</a:t>
+                  </a:r>
+                  <a:endParaRPr lang="en-US" sz="3200" b="1">
+                    <a:solidFill>
+                      <a:schemeClr val="accent1"/>
+                    </a:solidFill>
+                    <a:effectLst>
+                      <a:outerShdw blurRad="38100" dist="25400" dir="5400000" algn="ctr" rotWithShape="0">
+                        <a:srgbClr val="6E747A">
+                          <a:alpha val="43000"/>
+                        </a:srgbClr>
+                      </a:outerShdw>
+                    </a:effectLst>
+                  </a:endParaRPr>
+                </a:p>
+              </p:txBody>
+            </p:sp>
+            <p:sp>
+              <p:nvSpPr>
+                <p:cNvPr id="47" name="Text Box 46"/>
+                <p:cNvSpPr txBox="1"/>
+                <p:nvPr/>
+              </p:nvSpPr>
+              <p:spPr>
+                <a:xfrm>
+                  <a:off x="1976" y="5752"/>
+                  <a:ext cx="819" cy="919"/>
+                </a:xfrm>
+                <a:prstGeom prst="rect">
+                  <a:avLst/>
+                </a:prstGeom>
+                <a:noFill/>
+              </p:spPr>
+              <p:txBody>
+                <a:bodyPr wrap="square" rtlCol="0">
+                  <a:spAutoFit/>
+                </a:bodyPr>
+                <a:p>
+                  <a:pPr algn="ctr"/>
+                  <a:r>
+                    <a:rPr lang="en-US" sz="3200" b="1">
+                      <a:solidFill>
+                        <a:schemeClr val="accent1"/>
+                      </a:solidFill>
+                      <a:effectLst>
+                        <a:outerShdw blurRad="38100" dist="25400" dir="5400000" algn="ctr" rotWithShape="0">
+                          <a:srgbClr val="6E747A">
+                            <a:alpha val="43000"/>
+                          </a:srgbClr>
+                        </a:outerShdw>
+                      </a:effectLst>
+                    </a:rPr>
+                    <a:t>9</a:t>
+                  </a:r>
+                  <a:endParaRPr lang="en-US" sz="3200" b="1">
+                    <a:solidFill>
+                      <a:schemeClr val="accent1"/>
+                    </a:solidFill>
+                    <a:effectLst>
+                      <a:outerShdw blurRad="38100" dist="25400" dir="5400000" algn="ctr" rotWithShape="0">
+                        <a:srgbClr val="6E747A">
+                          <a:alpha val="43000"/>
+                        </a:srgbClr>
+                      </a:outerShdw>
+                    </a:effectLst>
+                  </a:endParaRPr>
+                </a:p>
+              </p:txBody>
+            </p:sp>
+            <p:sp>
+              <p:nvSpPr>
+                <p:cNvPr id="48" name="Text Box 47"/>
+                <p:cNvSpPr txBox="1"/>
+                <p:nvPr/>
+              </p:nvSpPr>
+              <p:spPr>
+                <a:xfrm>
+                  <a:off x="2007" y="4443"/>
+                  <a:ext cx="819" cy="919"/>
+                </a:xfrm>
+                <a:prstGeom prst="rect">
+                  <a:avLst/>
+                </a:prstGeom>
+                <a:noFill/>
+              </p:spPr>
+              <p:txBody>
+                <a:bodyPr wrap="square" rtlCol="0">
+                  <a:spAutoFit/>
+                </a:bodyPr>
+                <a:p>
+                  <a:pPr algn="ctr"/>
+                  <a:r>
+                    <a:rPr lang="en-US" sz="3200" b="1">
+                      <a:solidFill>
+                        <a:schemeClr val="accent1"/>
+                      </a:solidFill>
+                      <a:effectLst>
+                        <a:outerShdw blurRad="38100" dist="25400" dir="5400000" algn="ctr" rotWithShape="0">
+                          <a:srgbClr val="6E747A">
+                            <a:alpha val="43000"/>
+                          </a:srgbClr>
+                        </a:outerShdw>
+                      </a:effectLst>
+                    </a:rPr>
+                    <a:t>8</a:t>
+                  </a:r>
+                  <a:endParaRPr lang="en-US" sz="3200" b="1">
+                    <a:solidFill>
+                      <a:schemeClr val="accent1"/>
+                    </a:solidFill>
+                    <a:effectLst>
+                      <a:outerShdw blurRad="38100" dist="25400" dir="5400000" algn="ctr" rotWithShape="0">
+                        <a:srgbClr val="6E747A">
+                          <a:alpha val="43000"/>
+                        </a:srgbClr>
+                      </a:outerShdw>
+                    </a:effectLst>
+                  </a:endParaRPr>
+                </a:p>
+              </p:txBody>
+            </p:sp>
+            <p:sp>
+              <p:nvSpPr>
+                <p:cNvPr id="49" name="Text Box 48"/>
+                <p:cNvSpPr txBox="1"/>
+                <p:nvPr/>
+              </p:nvSpPr>
+              <p:spPr>
+                <a:xfrm>
+                  <a:off x="4904" y="5752"/>
+                  <a:ext cx="819" cy="919"/>
+                </a:xfrm>
+                <a:prstGeom prst="rect">
+                  <a:avLst/>
+                </a:prstGeom>
+                <a:noFill/>
+              </p:spPr>
+              <p:txBody>
+                <a:bodyPr wrap="square" rtlCol="0">
+                  <a:spAutoFit/>
+                </a:bodyPr>
+                <a:p>
+                  <a:pPr algn="ctr"/>
+                  <a:r>
+                    <a:rPr lang="en-US" sz="3200" b="1">
+                      <a:solidFill>
+                        <a:schemeClr val="accent1"/>
+                      </a:solidFill>
+                      <a:effectLst>
+                        <a:outerShdw blurRad="38100" dist="25400" dir="5400000" algn="ctr" rotWithShape="0">
+                          <a:srgbClr val="6E747A">
+                            <a:alpha val="43000"/>
+                          </a:srgbClr>
+                        </a:outerShdw>
+                      </a:effectLst>
+                    </a:rPr>
+                    <a:t>3</a:t>
+                  </a:r>
+                  <a:endParaRPr lang="en-US" sz="3200" b="1">
+                    <a:solidFill>
+                      <a:schemeClr val="accent1"/>
+                    </a:solidFill>
+                    <a:effectLst>
+                      <a:outerShdw blurRad="38100" dist="25400" dir="5400000" algn="ctr" rotWithShape="0">
+                        <a:srgbClr val="6E747A">
+                          <a:alpha val="43000"/>
+                        </a:srgbClr>
+                      </a:outerShdw>
+                    </a:effectLst>
+                  </a:endParaRPr>
+                </a:p>
+              </p:txBody>
+            </p:sp>
+          </p:grpSp>
+          <p:sp>
+            <p:nvSpPr>
+              <p:cNvPr id="51" name="Text Box 50"/>
+              <p:cNvSpPr txBox="1"/>
+              <p:nvPr/>
+            </p:nvSpPr>
+            <p:spPr>
+              <a:xfrm>
+                <a:off x="11006" y="3253"/>
+                <a:ext cx="4907" cy="580"/>
+              </a:xfrm>
+              <a:prstGeom prst="rect">
+                <a:avLst/>
+              </a:prstGeom>
+              <a:noFill/>
+            </p:spPr>
+            <p:txBody>
+              <a:bodyPr wrap="square" rtlCol="0">
+                <a:spAutoFit/>
+              </a:bodyPr>
+              <a:p>
+                <a:pPr algn="ctr"/>
+                <a:r>
+                  <a:rPr lang="en-US">
+                    <a:highlight>
+                      <a:srgbClr val="00FFFF"/>
+                    </a:highlight>
+                  </a:rPr>
+                  <a:t># Rotated Image</a:t>
+                </a:r>
+                <a:endParaRPr lang="en-US">
+                  <a:highlight>
+                    <a:srgbClr val="00FFFF"/>
+                  </a:highlight>
+                </a:endParaRPr>
+              </a:p>
+            </p:txBody>
+          </p:sp>
+        </p:grpSp>
+      </p:grpSp>
+      <p:grpSp>
+        <p:nvGrpSpPr>
+          <p:cNvPr id="128" name="Group 127"/>
+          <p:cNvGrpSpPr/>
+          <p:nvPr/>
+        </p:nvGrpSpPr>
+        <p:grpSpPr>
+          <a:xfrm>
+            <a:off x="10159365" y="1190625"/>
+            <a:ext cx="1612900" cy="1735455"/>
+            <a:chOff x="11981" y="7751"/>
+            <a:chExt cx="2540" cy="2733"/>
+          </a:xfrm>
+        </p:grpSpPr>
+        <p:grpSp>
+          <p:nvGrpSpPr>
+            <p:cNvPr id="102" name="Group 101"/>
+            <p:cNvGrpSpPr/>
+            <p:nvPr/>
+          </p:nvGrpSpPr>
+          <p:grpSpPr>
+            <a:xfrm rot="0">
+              <a:off x="11981" y="7752"/>
+              <a:ext cx="2541" cy="2528"/>
+              <a:chOff x="2375" y="3580"/>
+              <a:chExt cx="2720" cy="2576"/>
+            </a:xfrm>
+          </p:grpSpPr>
+          <p:grpSp>
+            <p:nvGrpSpPr>
+              <p:cNvPr id="103" name="Group 102"/>
+              <p:cNvGrpSpPr/>
+              <p:nvPr/>
+            </p:nvGrpSpPr>
+            <p:grpSpPr>
+              <a:xfrm>
+                <a:off x="2375" y="3580"/>
+                <a:ext cx="2720" cy="858"/>
+                <a:chOff x="2375" y="5159"/>
+                <a:chExt cx="2720" cy="858"/>
+              </a:xfrm>
+            </p:grpSpPr>
+            <p:sp>
+              <p:nvSpPr>
+                <p:cNvPr id="104" name="Rectangles 103"/>
+                <p:cNvSpPr/>
+                <p:nvPr/>
+              </p:nvSpPr>
+              <p:spPr>
+                <a:xfrm>
+                  <a:off x="2375" y="5159"/>
+                  <a:ext cx="907" cy="859"/>
+                </a:xfrm>
+                <a:prstGeom prst="rect">
+                  <a:avLst/>
+                </a:prstGeom>
+                <a:noFill/>
+                <a:ln w="28575" cmpd="sng">
+                  <a:solidFill>
+                    <a:schemeClr val="tx1"/>
+                  </a:solidFill>
+                  <a:prstDash val="solid"/>
+                </a:ln>
+              </p:spPr>
+              <p:style>
+                <a:lnRef idx="2">
+                  <a:schemeClr val="accent1">
+                    <a:lumMod val="75000"/>
+                  </a:schemeClr>
+                </a:lnRef>
+                <a:fillRef idx="1">
+                  <a:schemeClr val="accent1"/>
+                </a:fillRef>
+                <a:effectRef idx="0">
+                  <a:srgbClr val="FFFFFF"/>
+                </a:effectRef>
+                <a:fontRef idx="minor">
+                  <a:schemeClr val="lt1"/>
+                </a:fontRef>
+              </p:style>
+              <p:txBody>
+                <a:bodyPr rtlCol="0" anchor="ctr"/>
+                <a:p>
+                  <a:pPr algn="ctr"/>
+                  <a:endParaRPr lang="en-US"/>
+                </a:p>
+              </p:txBody>
+            </p:sp>
+            <p:sp>
+              <p:nvSpPr>
+                <p:cNvPr id="105" name="Rectangles 104"/>
+                <p:cNvSpPr/>
+                <p:nvPr/>
+              </p:nvSpPr>
+              <p:spPr>
+                <a:xfrm>
+                  <a:off x="3282" y="5159"/>
+                  <a:ext cx="907" cy="859"/>
+                </a:xfrm>
+                <a:prstGeom prst="rect">
+                  <a:avLst/>
+                </a:prstGeom>
+                <a:noFill/>
+                <a:ln w="28575" cmpd="sng">
+                  <a:solidFill>
+                    <a:schemeClr val="tx1"/>
+                  </a:solidFill>
+                  <a:prstDash val="solid"/>
+                </a:ln>
+              </p:spPr>
+              <p:style>
+                <a:lnRef idx="2">
+                  <a:schemeClr val="accent1">
+                    <a:lumMod val="75000"/>
+                  </a:schemeClr>
+                </a:lnRef>
+                <a:fillRef idx="1">
+                  <a:schemeClr val="accent1"/>
+                </a:fillRef>
+                <a:effectRef idx="0">
+                  <a:srgbClr val="FFFFFF"/>
+                </a:effectRef>
+                <a:fontRef idx="minor">
+                  <a:schemeClr val="lt1"/>
+                </a:fontRef>
+              </p:style>
+              <p:txBody>
+                <a:bodyPr rtlCol="0" anchor="ctr"/>
+                <a:p>
+                  <a:pPr algn="ctr"/>
+                  <a:endParaRPr lang="en-US"/>
+                </a:p>
+              </p:txBody>
+            </p:sp>
+            <p:sp>
+              <p:nvSpPr>
+                <p:cNvPr id="106" name="Rectangles 105"/>
+                <p:cNvSpPr/>
+                <p:nvPr/>
+              </p:nvSpPr>
+              <p:spPr>
+                <a:xfrm>
+                  <a:off x="4189" y="5159"/>
+                  <a:ext cx="907" cy="859"/>
+                </a:xfrm>
+                <a:prstGeom prst="rect">
+                  <a:avLst/>
+                </a:prstGeom>
+                <a:noFill/>
+                <a:ln w="28575" cmpd="sng">
+                  <a:solidFill>
+                    <a:schemeClr val="tx1"/>
+                  </a:solidFill>
+                  <a:prstDash val="solid"/>
+                </a:ln>
+              </p:spPr>
+              <p:style>
+                <a:lnRef idx="2">
+                  <a:schemeClr val="accent1">
+                    <a:lumMod val="75000"/>
+                  </a:schemeClr>
+                </a:lnRef>
+                <a:fillRef idx="1">
+                  <a:schemeClr val="accent1"/>
+                </a:fillRef>
+                <a:effectRef idx="0">
+                  <a:srgbClr val="FFFFFF"/>
+                </a:effectRef>
+                <a:fontRef idx="minor">
+                  <a:schemeClr val="lt1"/>
+                </a:fontRef>
+              </p:style>
+              <p:txBody>
+                <a:bodyPr rtlCol="0" anchor="ctr"/>
+                <a:p>
+                  <a:pPr algn="ctr"/>
+                  <a:endParaRPr lang="en-US"/>
+                </a:p>
+              </p:txBody>
+            </p:sp>
+          </p:grpSp>
+          <p:grpSp>
+            <p:nvGrpSpPr>
+              <p:cNvPr id="107" name="Group 106"/>
+              <p:cNvGrpSpPr/>
+              <p:nvPr/>
+            </p:nvGrpSpPr>
+            <p:grpSpPr>
+              <a:xfrm>
+                <a:off x="2375" y="4439"/>
+                <a:ext cx="2720" cy="858"/>
+                <a:chOff x="2375" y="5159"/>
+                <a:chExt cx="2720" cy="858"/>
+              </a:xfrm>
+            </p:grpSpPr>
+            <p:sp>
+              <p:nvSpPr>
+                <p:cNvPr id="108" name="Rectangles 107"/>
+                <p:cNvSpPr/>
+                <p:nvPr/>
+              </p:nvSpPr>
+              <p:spPr>
+                <a:xfrm>
+                  <a:off x="2375" y="5159"/>
+                  <a:ext cx="907" cy="859"/>
+                </a:xfrm>
+                <a:prstGeom prst="rect">
+                  <a:avLst/>
+                </a:prstGeom>
+                <a:noFill/>
+                <a:ln w="28575" cmpd="sng">
+                  <a:solidFill>
+                    <a:schemeClr val="tx1"/>
+                  </a:solidFill>
+                  <a:prstDash val="solid"/>
+                </a:ln>
+              </p:spPr>
+              <p:style>
+                <a:lnRef idx="2">
+                  <a:schemeClr val="accent1">
+                    <a:lumMod val="75000"/>
+                  </a:schemeClr>
+                </a:lnRef>
+                <a:fillRef idx="1">
+                  <a:schemeClr val="accent1"/>
+                </a:fillRef>
+                <a:effectRef idx="0">
+                  <a:srgbClr val="FFFFFF"/>
+                </a:effectRef>
+                <a:fontRef idx="minor">
+                  <a:schemeClr val="lt1"/>
+                </a:fontRef>
+              </p:style>
+              <p:txBody>
+                <a:bodyPr rtlCol="0" anchor="ctr"/>
+                <a:p>
+                  <a:pPr algn="ctr"/>
+                  <a:endParaRPr lang="en-US"/>
+                </a:p>
+              </p:txBody>
+            </p:sp>
+            <p:sp>
+              <p:nvSpPr>
+                <p:cNvPr id="109" name="Rectangles 108"/>
+                <p:cNvSpPr/>
+                <p:nvPr/>
+              </p:nvSpPr>
+              <p:spPr>
+                <a:xfrm>
+                  <a:off x="3282" y="5159"/>
+                  <a:ext cx="907" cy="859"/>
+                </a:xfrm>
+                <a:prstGeom prst="rect">
+                  <a:avLst/>
+                </a:prstGeom>
+                <a:noFill/>
+                <a:ln w="28575" cmpd="sng">
+                  <a:solidFill>
+                    <a:schemeClr val="tx1"/>
+                  </a:solidFill>
+                  <a:prstDash val="solid"/>
+                </a:ln>
+              </p:spPr>
+              <p:style>
+                <a:lnRef idx="2">
+                  <a:schemeClr val="accent1">
+                    <a:lumMod val="75000"/>
+                  </a:schemeClr>
+                </a:lnRef>
+                <a:fillRef idx="1">
+                  <a:schemeClr val="accent1"/>
+                </a:fillRef>
+                <a:effectRef idx="0">
+                  <a:srgbClr val="FFFFFF"/>
+                </a:effectRef>
+                <a:fontRef idx="minor">
+                  <a:schemeClr val="lt1"/>
+                </a:fontRef>
+              </p:style>
+              <p:txBody>
+                <a:bodyPr rtlCol="0" anchor="ctr"/>
+                <a:p>
+                  <a:pPr algn="ctr"/>
+                  <a:endParaRPr lang="en-US"/>
+                </a:p>
+              </p:txBody>
+            </p:sp>
+            <p:sp>
+              <p:nvSpPr>
+                <p:cNvPr id="110" name="Rectangles 109"/>
+                <p:cNvSpPr/>
+                <p:nvPr/>
+              </p:nvSpPr>
+              <p:spPr>
+                <a:xfrm>
+                  <a:off x="4189" y="5159"/>
+                  <a:ext cx="907" cy="859"/>
+                </a:xfrm>
+                <a:prstGeom prst="rect">
+                  <a:avLst/>
+                </a:prstGeom>
+                <a:noFill/>
+                <a:ln w="28575" cmpd="sng">
+                  <a:solidFill>
+                    <a:schemeClr val="tx1"/>
+                  </a:solidFill>
+                  <a:prstDash val="solid"/>
+                </a:ln>
+              </p:spPr>
+              <p:style>
+                <a:lnRef idx="2">
+                  <a:schemeClr val="accent1">
+                    <a:lumMod val="75000"/>
+                  </a:schemeClr>
+                </a:lnRef>
+                <a:fillRef idx="1">
+                  <a:schemeClr val="accent1"/>
+                </a:fillRef>
+                <a:effectRef idx="0">
+                  <a:srgbClr val="FFFFFF"/>
+                </a:effectRef>
+                <a:fontRef idx="minor">
+                  <a:schemeClr val="lt1"/>
+                </a:fontRef>
+              </p:style>
+              <p:txBody>
+                <a:bodyPr rtlCol="0" anchor="ctr"/>
+                <a:p>
+                  <a:pPr algn="ctr"/>
+                  <a:endParaRPr lang="en-US"/>
+                </a:p>
+              </p:txBody>
+            </p:sp>
+          </p:grpSp>
+          <p:grpSp>
+            <p:nvGrpSpPr>
+              <p:cNvPr id="111" name="Group 110"/>
+              <p:cNvGrpSpPr/>
+              <p:nvPr/>
+            </p:nvGrpSpPr>
+            <p:grpSpPr>
+              <a:xfrm>
+                <a:off x="2375" y="5298"/>
+                <a:ext cx="2720" cy="858"/>
+                <a:chOff x="2375" y="5159"/>
+                <a:chExt cx="2720" cy="858"/>
+              </a:xfrm>
+            </p:grpSpPr>
+            <p:sp>
+              <p:nvSpPr>
+                <p:cNvPr id="112" name="Rectangles 111"/>
+                <p:cNvSpPr/>
+                <p:nvPr/>
+              </p:nvSpPr>
+              <p:spPr>
+                <a:xfrm>
+                  <a:off x="2375" y="5159"/>
+                  <a:ext cx="907" cy="859"/>
+                </a:xfrm>
+                <a:prstGeom prst="rect">
+                  <a:avLst/>
+                </a:prstGeom>
+                <a:noFill/>
+                <a:ln w="28575" cmpd="sng">
+                  <a:solidFill>
+                    <a:schemeClr val="tx1"/>
+                  </a:solidFill>
+                  <a:prstDash val="solid"/>
+                </a:ln>
+              </p:spPr>
+              <p:style>
+                <a:lnRef idx="2">
+                  <a:schemeClr val="accent1">
+                    <a:lumMod val="75000"/>
+                  </a:schemeClr>
+                </a:lnRef>
+                <a:fillRef idx="1">
+                  <a:schemeClr val="accent1"/>
+                </a:fillRef>
+                <a:effectRef idx="0">
+                  <a:srgbClr val="FFFFFF"/>
+                </a:effectRef>
+                <a:fontRef idx="minor">
+                  <a:schemeClr val="lt1"/>
+                </a:fontRef>
+              </p:style>
+              <p:txBody>
+                <a:bodyPr rtlCol="0" anchor="ctr"/>
+                <a:p>
+                  <a:pPr algn="ctr"/>
+                  <a:endParaRPr lang="en-US"/>
+                </a:p>
+              </p:txBody>
+            </p:sp>
+            <p:sp>
+              <p:nvSpPr>
+                <p:cNvPr id="113" name="Rectangles 112"/>
+                <p:cNvSpPr/>
+                <p:nvPr/>
+              </p:nvSpPr>
+              <p:spPr>
+                <a:xfrm>
+                  <a:off x="3282" y="5159"/>
+                  <a:ext cx="907" cy="859"/>
+                </a:xfrm>
+                <a:prstGeom prst="rect">
+                  <a:avLst/>
+                </a:prstGeom>
+                <a:noFill/>
+                <a:ln w="28575" cmpd="sng">
+                  <a:solidFill>
+                    <a:schemeClr val="tx1"/>
+                  </a:solidFill>
+                  <a:prstDash val="solid"/>
+                </a:ln>
+              </p:spPr>
+              <p:style>
+                <a:lnRef idx="2">
+                  <a:schemeClr val="accent1">
+                    <a:lumMod val="75000"/>
+                  </a:schemeClr>
+                </a:lnRef>
+                <a:fillRef idx="1">
+                  <a:schemeClr val="accent1"/>
+                </a:fillRef>
+                <a:effectRef idx="0">
+                  <a:srgbClr val="FFFFFF"/>
+                </a:effectRef>
+                <a:fontRef idx="minor">
+                  <a:schemeClr val="lt1"/>
+                </a:fontRef>
+              </p:style>
+              <p:txBody>
+                <a:bodyPr rtlCol="0" anchor="ctr"/>
+                <a:p>
+                  <a:pPr algn="ctr"/>
+                  <a:endParaRPr lang="en-US"/>
+                </a:p>
+              </p:txBody>
+            </p:sp>
+            <p:sp>
+              <p:nvSpPr>
+                <p:cNvPr id="114" name="Rectangles 113"/>
+                <p:cNvSpPr/>
+                <p:nvPr/>
+              </p:nvSpPr>
+              <p:spPr>
+                <a:xfrm>
+                  <a:off x="4189" y="5159"/>
+                  <a:ext cx="907" cy="859"/>
+                </a:xfrm>
+                <a:prstGeom prst="rect">
+                  <a:avLst/>
+                </a:prstGeom>
+                <a:noFill/>
+                <a:ln w="28575" cmpd="sng">
+                  <a:solidFill>
+                    <a:schemeClr val="tx1"/>
+                  </a:solidFill>
+                  <a:prstDash val="solid"/>
+                </a:ln>
+              </p:spPr>
+              <p:style>
+                <a:lnRef idx="2">
+                  <a:schemeClr val="accent1">
+                    <a:lumMod val="75000"/>
+                  </a:schemeClr>
+                </a:lnRef>
+                <a:fillRef idx="1">
+                  <a:schemeClr val="accent1"/>
+                </a:fillRef>
+                <a:effectRef idx="0">
+                  <a:srgbClr val="FFFFFF"/>
+                </a:effectRef>
+                <a:fontRef idx="minor">
+                  <a:schemeClr val="lt1"/>
+                </a:fontRef>
+              </p:style>
+              <p:txBody>
+                <a:bodyPr rtlCol="0" anchor="ctr"/>
+                <a:p>
+                  <a:pPr algn="ctr"/>
+                  <a:endParaRPr lang="en-US"/>
+                </a:p>
+              </p:txBody>
+            </p:sp>
+          </p:grpSp>
+        </p:grpSp>
+        <p:sp>
+          <p:nvSpPr>
+            <p:cNvPr id="115" name="Text Box 114"/>
+            <p:cNvSpPr txBox="1"/>
+            <p:nvPr/>
+          </p:nvSpPr>
+          <p:spPr>
+            <a:xfrm>
+              <a:off x="12168" y="7751"/>
+              <a:ext cx="478" cy="919"/>
+            </a:xfrm>
+            <a:prstGeom prst="rect">
+              <a:avLst/>
+            </a:prstGeom>
+            <a:noFill/>
+          </p:spPr>
+          <p:txBody>
+            <a:bodyPr wrap="square" rtlCol="0">
+              <a:spAutoFit/>
+            </a:bodyPr>
+            <a:p>
+              <a:pPr algn="ctr"/>
+              <a:r>
+                <a:rPr lang="en-US" sz="3200" b="1">
+                  <a:solidFill>
+                    <a:schemeClr val="accent1"/>
+                  </a:solidFill>
+                  <a:effectLst>
+                    <a:outerShdw blurRad="38100" dist="25400" dir="5400000" algn="ctr" rotWithShape="0">
+                      <a:srgbClr val="6E747A">
+                        <a:alpha val="43000"/>
+                      </a:srgbClr>
+                    </a:outerShdw>
+                  </a:effectLst>
+                </a:rPr>
+                <a:t>1</a:t>
+              </a:r>
+              <a:endParaRPr lang="en-US" sz="3200" b="1">
+                <a:solidFill>
+                  <a:schemeClr val="accent1"/>
+                </a:solidFill>
+                <a:effectLst>
+                  <a:outerShdw blurRad="38100" dist="25400" dir="5400000" algn="ctr" rotWithShape="0">
+                    <a:srgbClr val="6E747A">
+                      <a:alpha val="43000"/>
+                    </a:srgbClr>
+                  </a:outerShdw>
+                </a:effectLst>
+              </a:endParaRPr>
+            </a:p>
+          </p:txBody>
+        </p:sp>
+        <p:sp>
+          <p:nvSpPr>
+            <p:cNvPr id="116" name="Text Box 115"/>
+            <p:cNvSpPr txBox="1"/>
+            <p:nvPr/>
+          </p:nvSpPr>
+          <p:spPr>
+            <a:xfrm>
+              <a:off x="13858" y="8595"/>
+              <a:ext cx="478" cy="1044"/>
+            </a:xfrm>
+            <a:prstGeom prst="rect">
+              <a:avLst/>
+            </a:prstGeom>
+            <a:noFill/>
+          </p:spPr>
+          <p:txBody>
+            <a:bodyPr wrap="square" rtlCol="0">
+              <a:noAutofit/>
+            </a:bodyPr>
+            <a:p>
+              <a:pPr algn="ctr"/>
+              <a:r>
+                <a:rPr lang="en-US" sz="3200" b="1">
+                  <a:solidFill>
+                    <a:schemeClr val="accent1"/>
+                  </a:solidFill>
+                  <a:effectLst>
+                    <a:outerShdw blurRad="38100" dist="25400" dir="5400000" algn="ctr" rotWithShape="0">
+                      <a:srgbClr val="6E747A">
+                        <a:alpha val="43000"/>
+                      </a:srgbClr>
+                    </a:outerShdw>
+                  </a:effectLst>
+                </a:rPr>
+                <a:t>6</a:t>
+              </a:r>
+              <a:endParaRPr lang="en-US" sz="3200" b="1">
+                <a:solidFill>
+                  <a:schemeClr val="accent1"/>
+                </a:solidFill>
+                <a:effectLst>
+                  <a:outerShdw blurRad="38100" dist="25400" dir="5400000" algn="ctr" rotWithShape="0">
+                    <a:srgbClr val="6E747A">
+                      <a:alpha val="43000"/>
+                    </a:srgbClr>
+                  </a:outerShdw>
+                </a:effectLst>
+              </a:endParaRPr>
+            </a:p>
+          </p:txBody>
+        </p:sp>
+        <p:sp>
+          <p:nvSpPr>
+            <p:cNvPr id="117" name="Text Box 116"/>
+            <p:cNvSpPr txBox="1"/>
+            <p:nvPr/>
+          </p:nvSpPr>
+          <p:spPr>
+            <a:xfrm>
+              <a:off x="13004" y="9438"/>
+              <a:ext cx="478" cy="1045"/>
+            </a:xfrm>
+            <a:prstGeom prst="rect">
+              <a:avLst/>
+            </a:prstGeom>
+            <a:noFill/>
+          </p:spPr>
+          <p:txBody>
+            <a:bodyPr wrap="square" rtlCol="0">
+              <a:noAutofit/>
+            </a:bodyPr>
+            <a:p>
+              <a:pPr algn="ctr"/>
+              <a:r>
+                <a:rPr lang="en-US" sz="3200" b="1">
+                  <a:solidFill>
+                    <a:schemeClr val="accent1"/>
+                  </a:solidFill>
+                  <a:effectLst>
+                    <a:outerShdw blurRad="38100" dist="25400" dir="5400000" algn="ctr" rotWithShape="0">
+                      <a:srgbClr val="6E747A">
+                        <a:alpha val="43000"/>
+                      </a:srgbClr>
+                    </a:outerShdw>
+                  </a:effectLst>
+                </a:rPr>
+                <a:t>8</a:t>
+              </a:r>
+              <a:endParaRPr lang="en-US" sz="3200" b="1">
+                <a:solidFill>
+                  <a:schemeClr val="accent1"/>
+                </a:solidFill>
+                <a:effectLst>
+                  <a:outerShdw blurRad="38100" dist="25400" dir="5400000" algn="ctr" rotWithShape="0">
+                    <a:srgbClr val="6E747A">
+                      <a:alpha val="43000"/>
+                    </a:srgbClr>
+                  </a:outerShdw>
+                </a:effectLst>
+              </a:endParaRPr>
+            </a:p>
+          </p:txBody>
+        </p:sp>
+        <p:sp>
+          <p:nvSpPr>
+            <p:cNvPr id="118" name="Text Box 117"/>
+            <p:cNvSpPr txBox="1"/>
+            <p:nvPr/>
+          </p:nvSpPr>
+          <p:spPr>
+            <a:xfrm>
+              <a:off x="13013" y="8595"/>
+              <a:ext cx="478" cy="1044"/>
+            </a:xfrm>
+            <a:prstGeom prst="rect">
+              <a:avLst/>
+            </a:prstGeom>
+            <a:noFill/>
+          </p:spPr>
+          <p:txBody>
+            <a:bodyPr wrap="square" rtlCol="0">
+              <a:noAutofit/>
+            </a:bodyPr>
+            <a:p>
+              <a:pPr algn="ctr"/>
+              <a:r>
+                <a:rPr lang="en-US" sz="3200" b="1">
+                  <a:solidFill>
+                    <a:schemeClr val="accent1"/>
+                  </a:solidFill>
+                  <a:effectLst>
+                    <a:outerShdw blurRad="38100" dist="25400" dir="5400000" algn="ctr" rotWithShape="0">
+                      <a:srgbClr val="6E747A">
+                        <a:alpha val="43000"/>
+                      </a:srgbClr>
+                    </a:outerShdw>
+                  </a:effectLst>
+                </a:rPr>
+                <a:t>5</a:t>
+              </a:r>
+              <a:endParaRPr lang="en-US" sz="3200" b="1">
+                <a:solidFill>
+                  <a:schemeClr val="accent1"/>
+                </a:solidFill>
+                <a:effectLst>
+                  <a:outerShdw blurRad="38100" dist="25400" dir="5400000" algn="ctr" rotWithShape="0">
+                    <a:srgbClr val="6E747A">
+                      <a:alpha val="43000"/>
+                    </a:srgbClr>
+                  </a:outerShdw>
+                </a:effectLst>
+              </a:endParaRPr>
+            </a:p>
+          </p:txBody>
+        </p:sp>
+        <p:sp>
+          <p:nvSpPr>
+            <p:cNvPr id="119" name="Text Box 118"/>
+            <p:cNvSpPr txBox="1"/>
+            <p:nvPr/>
+          </p:nvSpPr>
+          <p:spPr>
+            <a:xfrm>
+              <a:off x="13862" y="7751"/>
+              <a:ext cx="478" cy="1045"/>
+            </a:xfrm>
+            <a:prstGeom prst="rect">
+              <a:avLst/>
+            </a:prstGeom>
+            <a:noFill/>
+          </p:spPr>
+          <p:txBody>
+            <a:bodyPr wrap="square" rtlCol="0">
+              <a:noAutofit/>
+            </a:bodyPr>
+            <a:p>
+              <a:pPr algn="ctr"/>
+              <a:r>
+                <a:rPr lang="en-US" sz="3200" b="1">
+                  <a:solidFill>
+                    <a:schemeClr val="accent1"/>
+                  </a:solidFill>
+                  <a:effectLst>
+                    <a:outerShdw blurRad="38100" dist="25400" dir="5400000" algn="ctr" rotWithShape="0">
+                      <a:srgbClr val="6E747A">
+                        <a:alpha val="43000"/>
+                      </a:srgbClr>
+                    </a:outerShdw>
+                  </a:effectLst>
+                </a:rPr>
+                <a:t>3</a:t>
+              </a:r>
+              <a:endParaRPr lang="en-US" sz="3200" b="1">
+                <a:solidFill>
+                  <a:schemeClr val="accent1"/>
+                </a:solidFill>
+                <a:effectLst>
+                  <a:outerShdw blurRad="38100" dist="25400" dir="5400000" algn="ctr" rotWithShape="0">
+                    <a:srgbClr val="6E747A">
+                      <a:alpha val="43000"/>
+                    </a:srgbClr>
+                  </a:outerShdw>
+                </a:effectLst>
+              </a:endParaRPr>
+            </a:p>
+          </p:txBody>
+        </p:sp>
+        <p:sp>
+          <p:nvSpPr>
+            <p:cNvPr id="120" name="Text Box 119"/>
+            <p:cNvSpPr txBox="1"/>
+            <p:nvPr/>
+          </p:nvSpPr>
+          <p:spPr>
+            <a:xfrm>
+              <a:off x="13004" y="7753"/>
+              <a:ext cx="478" cy="842"/>
+            </a:xfrm>
+            <a:prstGeom prst="rect">
+              <a:avLst/>
+            </a:prstGeom>
+            <a:noFill/>
+          </p:spPr>
+          <p:txBody>
+            <a:bodyPr wrap="square" rtlCol="0">
+              <a:noAutofit/>
+            </a:bodyPr>
+            <a:p>
+              <a:pPr algn="ctr"/>
+              <a:r>
+                <a:rPr lang="en-US" sz="3200" b="1">
+                  <a:solidFill>
+                    <a:schemeClr val="accent1"/>
+                  </a:solidFill>
+                  <a:effectLst>
+                    <a:outerShdw blurRad="38100" dist="25400" dir="5400000" algn="ctr" rotWithShape="0">
+                      <a:srgbClr val="6E747A">
+                        <a:alpha val="43000"/>
+                      </a:srgbClr>
+                    </a:outerShdw>
+                  </a:effectLst>
+                </a:rPr>
+                <a:t>2</a:t>
+              </a:r>
+              <a:endParaRPr lang="en-US" sz="3200" b="1">
+                <a:solidFill>
+                  <a:schemeClr val="accent1"/>
+                </a:solidFill>
+                <a:effectLst>
+                  <a:outerShdw blurRad="38100" dist="25400" dir="5400000" algn="ctr" rotWithShape="0">
+                    <a:srgbClr val="6E747A">
+                      <a:alpha val="43000"/>
+                    </a:srgbClr>
+                  </a:outerShdw>
+                </a:effectLst>
+              </a:endParaRPr>
+            </a:p>
+          </p:txBody>
+        </p:sp>
+        <p:sp>
+          <p:nvSpPr>
+            <p:cNvPr id="121" name="Text Box 120"/>
+            <p:cNvSpPr txBox="1"/>
+            <p:nvPr/>
+          </p:nvSpPr>
+          <p:spPr>
+            <a:xfrm>
+              <a:off x="12150" y="9438"/>
+              <a:ext cx="478" cy="1046"/>
+            </a:xfrm>
+            <a:prstGeom prst="rect">
+              <a:avLst/>
+            </a:prstGeom>
+            <a:noFill/>
+          </p:spPr>
+          <p:txBody>
+            <a:bodyPr wrap="square" rtlCol="0">
+              <a:noAutofit/>
+            </a:bodyPr>
+            <a:p>
+              <a:pPr algn="ctr"/>
+              <a:r>
+                <a:rPr lang="en-US" sz="3200" b="1">
+                  <a:solidFill>
+                    <a:schemeClr val="accent1"/>
+                  </a:solidFill>
+                  <a:effectLst>
+                    <a:outerShdw blurRad="38100" dist="25400" dir="5400000" algn="ctr" rotWithShape="0">
+                      <a:srgbClr val="6E747A">
+                        <a:alpha val="43000"/>
+                      </a:srgbClr>
+                    </a:outerShdw>
+                  </a:effectLst>
+                </a:rPr>
+                <a:t>7</a:t>
+              </a:r>
+              <a:endParaRPr lang="en-US" sz="3200" b="1">
+                <a:solidFill>
+                  <a:schemeClr val="accent1"/>
+                </a:solidFill>
+                <a:effectLst>
+                  <a:outerShdw blurRad="38100" dist="25400" dir="5400000" algn="ctr" rotWithShape="0">
+                    <a:srgbClr val="6E747A">
+                      <a:alpha val="43000"/>
+                    </a:srgbClr>
+                  </a:outerShdw>
+                </a:effectLst>
+              </a:endParaRPr>
+            </a:p>
+          </p:txBody>
+        </p:sp>
+        <p:sp>
+          <p:nvSpPr>
+            <p:cNvPr id="122" name="Text Box 121"/>
+            <p:cNvSpPr txBox="1"/>
+            <p:nvPr/>
+          </p:nvSpPr>
+          <p:spPr>
+            <a:xfrm>
+              <a:off x="12168" y="8595"/>
+              <a:ext cx="478" cy="1045"/>
+            </a:xfrm>
+            <a:prstGeom prst="rect">
+              <a:avLst/>
+            </a:prstGeom>
+            <a:noFill/>
+          </p:spPr>
+          <p:txBody>
+            <a:bodyPr wrap="square" rtlCol="0">
+              <a:noAutofit/>
+            </a:bodyPr>
+            <a:p>
+              <a:pPr algn="ctr"/>
+              <a:r>
+                <a:rPr lang="en-US" sz="3200" b="1">
+                  <a:solidFill>
+                    <a:schemeClr val="accent1"/>
+                  </a:solidFill>
+                  <a:effectLst>
+                    <a:outerShdw blurRad="38100" dist="25400" dir="5400000" algn="ctr" rotWithShape="0">
+                      <a:srgbClr val="6E747A">
+                        <a:alpha val="43000"/>
+                      </a:srgbClr>
+                    </a:outerShdw>
+                  </a:effectLst>
+                </a:rPr>
+                <a:t>4</a:t>
+              </a:r>
+              <a:endParaRPr lang="en-US" sz="3200" b="1">
+                <a:solidFill>
+                  <a:schemeClr val="accent1"/>
+                </a:solidFill>
+                <a:effectLst>
+                  <a:outerShdw blurRad="38100" dist="25400" dir="5400000" algn="ctr" rotWithShape="0">
+                    <a:srgbClr val="6E747A">
+                      <a:alpha val="43000"/>
+                    </a:srgbClr>
+                  </a:outerShdw>
+                </a:effectLst>
+              </a:endParaRPr>
+            </a:p>
+          </p:txBody>
+        </p:sp>
+        <p:sp>
+          <p:nvSpPr>
+            <p:cNvPr id="123" name="Text Box 122"/>
+            <p:cNvSpPr txBox="1"/>
+            <p:nvPr/>
+          </p:nvSpPr>
+          <p:spPr>
+            <a:xfrm>
+              <a:off x="13858" y="9438"/>
+              <a:ext cx="478" cy="1045"/>
+            </a:xfrm>
+            <a:prstGeom prst="rect">
+              <a:avLst/>
+            </a:prstGeom>
+            <a:noFill/>
+          </p:spPr>
+          <p:txBody>
+            <a:bodyPr wrap="square" rtlCol="0">
+              <a:noAutofit/>
+            </a:bodyPr>
+            <a:p>
+              <a:pPr algn="ctr"/>
+              <a:r>
+                <a:rPr lang="en-US" sz="3200" b="1">
+                  <a:solidFill>
+                    <a:schemeClr val="accent1"/>
+                  </a:solidFill>
+                  <a:effectLst>
+                    <a:outerShdw blurRad="38100" dist="25400" dir="5400000" algn="ctr" rotWithShape="0">
+                      <a:srgbClr val="6E747A">
+                        <a:alpha val="43000"/>
+                      </a:srgbClr>
+                    </a:outerShdw>
+                  </a:effectLst>
+                </a:rPr>
+                <a:t>9</a:t>
+              </a:r>
+              <a:endParaRPr lang="en-US" sz="3200" b="1">
+                <a:solidFill>
+                  <a:schemeClr val="accent1"/>
+                </a:solidFill>
+                <a:effectLst>
+                  <a:outerShdw blurRad="38100" dist="25400" dir="5400000" algn="ctr" rotWithShape="0">
+                    <a:srgbClr val="6E747A">
+                      <a:alpha val="43000"/>
+                    </a:srgbClr>
+                  </a:outerShdw>
+                </a:effectLst>
+              </a:endParaRPr>
+            </a:p>
+          </p:txBody>
+        </p:sp>
+      </p:grpSp>
+      <p:cxnSp>
+        <p:nvCxnSpPr>
+          <p:cNvPr id="129" name="Straight Arrow Connector 128"/>
+          <p:cNvCxnSpPr>
+            <a:stCxn id="117" idx="2"/>
+          </p:cNvCxnSpPr>
+          <p:nvPr/>
+        </p:nvCxnSpPr>
+        <p:spPr>
+          <a:xfrm flipH="1">
+            <a:off x="9719310" y="2925445"/>
+            <a:ext cx="1241425" cy="914400"/>
+          </a:xfrm>
+          <a:prstGeom prst="straightConnector1">
+            <a:avLst/>
+          </a:prstGeom>
+          <a:ln w="41275" cmpd="sng">
+            <a:solidFill>
+              <a:srgbClr val="00B050"/>
+            </a:solidFill>
+            <a:prstDash val="solid"/>
+            <a:tailEnd type="arrow"/>
+          </a:ln>
+        </p:spPr>
+        <p:style>
+          <a:lnRef idx="2">
+            <a:schemeClr val="accent1"/>
+          </a:lnRef>
+          <a:fillRef idx="0">
+            <a:srgbClr val="FFFFFF"/>
+          </a:fillRef>
+          <a:effectRef idx="0">
+            <a:srgbClr val="FFFFFF"/>
+          </a:effectRef>
+          <a:fontRef idx="minor">
+            <a:schemeClr val="tx1"/>
+          </a:fontRef>
+        </p:style>
+      </p:cxnSp>
+      <p:sp>
+        <p:nvSpPr>
+          <p:cNvPr id="130" name="Text Box 129"/>
+          <p:cNvSpPr txBox="1"/>
+          <p:nvPr/>
+        </p:nvSpPr>
         <p:spPr>
           <a:xfrm>
-            <a:off x="485775" y="1325880"/>
-            <a:ext cx="11220450" cy="4743450"/>
+            <a:off x="2211070" y="5761990"/>
+            <a:ext cx="7268845" cy="521970"/>
           </a:xfrm>
           <a:prstGeom prst="rect">
             <a:avLst/>
           </a:prstGeom>
+          <a:noFill/>
         </p:spPr>
-      </p:pic>
+        <p:txBody>
+          <a:bodyPr wrap="square" rtlCol="0">
+            <a:spAutoFit/>
+          </a:bodyPr>
+          <a:p>
+            <a:pPr marL="457200" indent="-457200">
+              <a:buFont typeface="Wingdings" panose="05000000000000000000" charset="0"/>
+              <a:buChar char="ü"/>
+            </a:pPr>
+            <a:r>
+              <a:rPr lang="en-US" sz="2800"/>
+              <a:t>I solved this problem based on </a:t>
+            </a:r>
+            <a:r>
+              <a:rPr lang="en-US" sz="2800">
+                <a:highlight>
+                  <a:srgbClr val="FFFF00"/>
+                </a:highlight>
+              </a:rPr>
+              <a:t>Step #1</a:t>
+            </a:r>
+            <a:r>
+              <a:rPr lang="en-US" sz="2800"/>
+              <a:t> and </a:t>
+            </a:r>
+            <a:r>
+              <a:rPr lang="en-US" sz="2800">
+                <a:highlight>
+                  <a:srgbClr val="FFFF00"/>
+                </a:highlight>
+              </a:rPr>
+              <a:t>#2</a:t>
+            </a:r>
+            <a:endParaRPr lang="en-US" sz="2800">
+              <a:highlight>
+                <a:srgbClr val="FFFF00"/>
+              </a:highlight>
+            </a:endParaRPr>
+          </a:p>
+        </p:txBody>
+      </p:sp>
     </p:spTree>
   </p:cSld>
   <p:clrMapOvr>
@@ -5248,6 +10052,83 @@
           </a:p>
         </p:txBody>
       </p:sp>
+      <p:pic>
+        <p:nvPicPr>
+          <p:cNvPr id="6" name="Picture 5"/>
+          <p:cNvPicPr>
+            <a:picLocks noChangeAspect="1"/>
+          </p:cNvPicPr>
+          <p:nvPr/>
+        </p:nvPicPr>
+        <p:blipFill>
+          <a:blip r:embed="rId1"/>
+          <a:stretch>
+            <a:fillRect/>
+          </a:stretch>
+        </p:blipFill>
+        <p:spPr>
+          <a:xfrm>
+            <a:off x="741045" y="1325880"/>
+            <a:ext cx="10868025" cy="4752975"/>
+          </a:xfrm>
+          <a:prstGeom prst="rect">
+            <a:avLst/>
+          </a:prstGeom>
+        </p:spPr>
+      </p:pic>
+    </p:spTree>
+  </p:cSld>
+  <p:clrMapOvr>
+    <a:masterClrMapping/>
+  </p:clrMapOvr>
+</p:sld>
+</file>
+
+<file path=ppt/slides/slide7.xml><?xml version="1.0" encoding="utf-8"?>
+<p:sld xmlns:a="http://schemas.openxmlformats.org/drawingml/2006/main" xmlns:r="http://schemas.openxmlformats.org/officeDocument/2006/relationships" xmlns:p="http://schemas.openxmlformats.org/presentationml/2006/main">
+  <p:cSld>
+    <p:spTree>
+      <p:nvGrpSpPr>
+        <p:cNvPr id="1" name=""/>
+        <p:cNvGrpSpPr/>
+        <p:nvPr/>
+      </p:nvGrpSpPr>
+      <p:grpSpPr>
+        <a:xfrm>
+          <a:off x="0" y="0"/>
+          <a:ext cx="0" cy="0"/>
+          <a:chOff x="0" y="0"/>
+          <a:chExt cx="0" cy="0"/>
+        </a:xfrm>
+      </p:grpSpPr>
+      <p:sp>
+        <p:nvSpPr>
+          <p:cNvPr id="2" name="제목 1"/>
+          <p:cNvSpPr>
+            <a:spLocks noGrp="1"/>
+          </p:cNvSpPr>
+          <p:nvPr>
+            <p:ph type="title"/>
+          </p:nvPr>
+        </p:nvSpPr>
+        <p:spPr>
+          <a:xfrm>
+            <a:off x="838200" y="0"/>
+            <a:ext cx="10515600" cy="1325563"/>
+          </a:xfrm>
+        </p:spPr>
+        <p:txBody>
+          <a:bodyPr/>
+          <a:lstStyle/>
+          <a:p>
+            <a:r>
+              <a:rPr lang="en-US" altLang="ko-KR" dirty="0"/>
+              <a:t>Solution (3)</a:t>
+            </a:r>
+            <a:endParaRPr lang="en-US" dirty="0"/>
+          </a:p>
+        </p:txBody>
+      </p:sp>
       <p:sp>
         <p:nvSpPr>
           <p:cNvPr id="5" name="Chevron 4"/>
@@ -5295,7 +10176,7 @@
       </p:sp>
       <p:pic>
         <p:nvPicPr>
-          <p:cNvPr id="3" name="Picture 2"/>
+          <p:cNvPr id="6" name="Picture 5"/>
           <p:cNvPicPr>
             <a:picLocks noChangeAspect="1"/>
           </p:cNvPicPr>
@@ -5309,13 +10190,13 @@
         </p:blipFill>
         <p:spPr>
           <a:xfrm>
-            <a:off x="8001000" y="2061210"/>
-            <a:ext cx="3352800" cy="3819525"/>
+            <a:off x="7923530" y="2388870"/>
+            <a:ext cx="3887470" cy="3163570"/>
           </a:xfrm>
           <a:prstGeom prst="rect">
             <a:avLst/>
           </a:prstGeom>
-          <a:ln w="47625" cmpd="sng">
+          <a:ln w="44450" cmpd="sng">
             <a:solidFill>
               <a:srgbClr val="00B050"/>
             </a:solidFill>
@@ -5325,7 +10206,7 @@
       </p:pic>
       <p:pic>
         <p:nvPicPr>
-          <p:cNvPr id="4" name="Picture 3"/>
+          <p:cNvPr id="7" name="Picture 6"/>
           <p:cNvPicPr>
             <a:picLocks noChangeAspect="1"/>
           </p:cNvPicPr>
@@ -5339,403 +10220,14 @@
         </p:blipFill>
         <p:spPr>
           <a:xfrm>
-            <a:off x="309245" y="1893570"/>
-            <a:ext cx="6365240" cy="4153535"/>
+            <a:off x="640080" y="1643380"/>
+            <a:ext cx="6369050" cy="4020185"/>
           </a:xfrm>
           <a:prstGeom prst="rect">
             <a:avLst/>
           </a:prstGeom>
-          <a:ln w="47625">
-            <a:solidFill>
-              <a:srgbClr val="FFC000"/>
-            </a:solidFill>
-          </a:ln>
         </p:spPr>
       </p:pic>
-    </p:spTree>
-  </p:cSld>
-  <p:clrMapOvr>
-    <a:masterClrMapping/>
-  </p:clrMapOvr>
-</p:sld>
-</file>
-
-<file path=ppt/slides/slide7.xml><?xml version="1.0" encoding="utf-8"?>
-<p:sld xmlns:a="http://schemas.openxmlformats.org/drawingml/2006/main" xmlns:r="http://schemas.openxmlformats.org/officeDocument/2006/relationships" xmlns:p="http://schemas.openxmlformats.org/presentationml/2006/main">
-  <p:cSld>
-    <p:spTree>
-      <p:nvGrpSpPr>
-        <p:cNvPr id="1" name=""/>
-        <p:cNvGrpSpPr/>
-        <p:nvPr/>
-      </p:nvGrpSpPr>
-      <p:grpSpPr>
-        <a:xfrm>
-          <a:off x="0" y="0"/>
-          <a:ext cx="0" cy="0"/>
-          <a:chOff x="0" y="0"/>
-          <a:chExt cx="0" cy="0"/>
-        </a:xfrm>
-      </p:grpSpPr>
-      <p:sp>
-        <p:nvSpPr>
-          <p:cNvPr id="5" name="Rounded Rectangle 4"/>
-          <p:cNvSpPr/>
-          <p:nvPr/>
-        </p:nvSpPr>
-        <p:spPr>
-          <a:xfrm>
-            <a:off x="971550" y="3724910"/>
-            <a:ext cx="5200650" cy="1466215"/>
-          </a:xfrm>
-          <a:prstGeom prst="roundRect">
-            <a:avLst/>
-          </a:prstGeom>
-          <a:solidFill>
-            <a:srgbClr val="00B0F0">
-              <a:alpha val="44000"/>
-            </a:srgbClr>
-          </a:solidFill>
-          <a:ln>
-            <a:noFill/>
-          </a:ln>
-        </p:spPr>
-        <p:style>
-          <a:lnRef idx="2">
-            <a:schemeClr val="accent1">
-              <a:lumMod val="75000"/>
-            </a:schemeClr>
-          </a:lnRef>
-          <a:fillRef idx="1">
-            <a:schemeClr val="accent1"/>
-          </a:fillRef>
-          <a:effectRef idx="0">
-            <a:srgbClr val="FFFFFF"/>
-          </a:effectRef>
-          <a:fontRef idx="minor">
-            <a:schemeClr val="lt1"/>
-          </a:fontRef>
-        </p:style>
-        <p:txBody>
-          <a:bodyPr rtlCol="0" anchor="ctr"/>
-          <a:p>
-            <a:pPr algn="ctr"/>
-            <a:endParaRPr lang="en-US"/>
-          </a:p>
-        </p:txBody>
-      </p:sp>
-      <p:sp>
-        <p:nvSpPr>
-          <p:cNvPr id="2" name="제목 1"/>
-          <p:cNvSpPr>
-            <a:spLocks noGrp="1"/>
-          </p:cNvSpPr>
-          <p:nvPr>
-            <p:ph type="title"/>
-          </p:nvPr>
-        </p:nvSpPr>
-        <p:spPr/>
-        <p:txBody>
-          <a:bodyPr/>
-          <a:lstStyle/>
-          <a:p>
-            <a:r>
-              <a:rPr lang="en-US" altLang="ko-KR" dirty="0"/>
-              <a:t>What I have learned</a:t>
-            </a:r>
-            <a:endParaRPr lang="en-US" dirty="0"/>
-          </a:p>
-        </p:txBody>
-      </p:sp>
-      <p:sp>
-        <p:nvSpPr>
-          <p:cNvPr id="3" name="내용 개체 틀 2"/>
-          <p:cNvSpPr>
-            <a:spLocks noGrp="1"/>
-          </p:cNvSpPr>
-          <p:nvPr>
-            <p:ph idx="1"/>
-          </p:nvPr>
-        </p:nvSpPr>
-        <p:spPr>
-          <a:xfrm>
-            <a:off x="838200" y="1600200"/>
-            <a:ext cx="10808335" cy="3590290"/>
-          </a:xfrm>
-        </p:spPr>
-        <p:txBody>
-          <a:bodyPr>
-            <a:normAutofit fontScale="60000"/>
-          </a:bodyPr>
-          <a:lstStyle/>
-          <a:p>
-            <a:pPr algn="l">
-              <a:lnSpc>
-                <a:spcPct val="100000"/>
-              </a:lnSpc>
-              <a:buFont typeface="Wingdings" panose="05000000000000000000" charset="0"/>
-              <a:buChar char=""/>
-            </a:pPr>
-            <a:r>
-              <a:rPr lang="en-US" sz="4700" b="1">
-                <a:highlight>
-                  <a:srgbClr val="00FFFF"/>
-                </a:highlight>
-              </a:rPr>
-              <a:t>Hashmaps:</a:t>
-            </a:r>
-            <a:r>
-              <a:rPr lang="en-US" sz="4700">
-                <a:highlight>
-                  <a:srgbClr val="00FFFF"/>
-                </a:highlight>
-              </a:rPr>
-              <a:t> </a:t>
-            </a:r>
-            <a:endParaRPr lang="en-US" sz="4700">
-              <a:highlight>
-                <a:srgbClr val="00FFFF"/>
-              </a:highlight>
-            </a:endParaRPr>
-          </a:p>
-          <a:p>
-            <a:pPr lvl="1" algn="l">
-              <a:lnSpc>
-                <a:spcPct val="100000"/>
-              </a:lnSpc>
-              <a:buFont typeface="Wingdings" panose="05000000000000000000" charset="0"/>
-              <a:buChar char="ü"/>
-            </a:pPr>
-            <a:r>
-              <a:rPr lang="en-US" sz="3300"/>
-              <a:t>I learnt to check </a:t>
-            </a:r>
-            <a:r>
-              <a:rPr lang="en-US" sz="3300" b="1"/>
-              <a:t>Hashmap’s elements by its indexe</a:t>
-            </a:r>
-            <a:r>
-              <a:rPr lang="en-US" sz="3300"/>
-              <a:t>s </a:t>
-            </a:r>
-            <a:endParaRPr lang="en-US" sz="3300" b="1">
-              <a:solidFill>
-                <a:schemeClr val="tx1"/>
-              </a:solidFill>
-              <a:effectLst>
-                <a:outerShdw blurRad="38100" dist="19050" dir="2700000" algn="tl" rotWithShape="0">
-                  <a:schemeClr val="dk1">
-                    <a:alpha val="40000"/>
-                  </a:schemeClr>
-                </a:outerShdw>
-              </a:effectLst>
-            </a:endParaRPr>
-          </a:p>
-          <a:p>
-            <a:pPr marL="457200" lvl="1" indent="0" algn="l">
-              <a:lnSpc>
-                <a:spcPct val="100000"/>
-              </a:lnSpc>
-              <a:buFont typeface="Wingdings" panose="05000000000000000000" charset="0"/>
-              <a:buNone/>
-            </a:pPr>
-            <a:endParaRPr lang="en-US" sz="3300" b="1">
-              <a:solidFill>
-                <a:schemeClr val="tx1"/>
-              </a:solidFill>
-              <a:effectLst>
-                <a:outerShdw blurRad="38100" dist="19050" dir="2700000" algn="tl" rotWithShape="0">
-                  <a:schemeClr val="dk1">
-                    <a:alpha val="40000"/>
-                  </a:schemeClr>
-                </a:outerShdw>
-              </a:effectLst>
-            </a:endParaRPr>
-          </a:p>
-          <a:p>
-            <a:pPr lvl="1" algn="l">
-              <a:lnSpc>
-                <a:spcPct val="100000"/>
-              </a:lnSpc>
-              <a:buFont typeface="Wingdings" panose="05000000000000000000" charset="0"/>
-              <a:buChar char="ü"/>
-            </a:pPr>
-            <a:r>
-              <a:rPr lang="en-US" sz="3300"/>
-              <a:t>Understood logic of </a:t>
-            </a:r>
-            <a:r>
-              <a:rPr lang="en-US" sz="3300">
-                <a:ln/>
-                <a:solidFill>
-                  <a:schemeClr val="accent1"/>
-                </a:solidFill>
-                <a:effectLst>
-                  <a:outerShdw blurRad="38100" dist="25400" dir="5400000" algn="ctr" rotWithShape="0">
-                    <a:srgbClr val="6E747A">
-                      <a:alpha val="43000"/>
-                    </a:srgbClr>
-                  </a:outerShdw>
-                </a:effectLst>
-              </a:rPr>
-              <a:t>Roman Numbers</a:t>
-            </a:r>
-            <a:r>
-              <a:rPr lang="en-US" sz="3300"/>
-              <a:t> for </a:t>
-            </a:r>
-            <a:r>
-              <a:rPr lang="en-US" sz="3300" b="1"/>
-              <a:t>CM, IV,  IX, XL</a:t>
-            </a:r>
-            <a:r>
-              <a:rPr lang="en-US" sz="3300"/>
-              <a:t> cases</a:t>
-            </a:r>
-            <a:endParaRPr lang="en-US" sz="3300"/>
-          </a:p>
-          <a:p>
-            <a:pPr lvl="1" algn="l">
-              <a:lnSpc>
-                <a:spcPct val="100000"/>
-              </a:lnSpc>
-              <a:buFont typeface="Wingdings" panose="05000000000000000000" charset="0"/>
-              <a:buChar char="ü"/>
-            </a:pPr>
-            <a:endParaRPr lang="en-US"/>
-          </a:p>
-          <a:p>
-            <a:pPr lvl="1" algn="l">
-              <a:lnSpc>
-                <a:spcPct val="100000"/>
-              </a:lnSpc>
-              <a:buFont typeface="Wingdings" panose="05000000000000000000" charset="0"/>
-              <a:buChar char="ü"/>
-            </a:pPr>
-            <a:endParaRPr lang="en-US"/>
-          </a:p>
-          <a:p>
-            <a:pPr lvl="1" algn="l">
-              <a:lnSpc>
-                <a:spcPct val="100000"/>
-              </a:lnSpc>
-              <a:buFont typeface="Wingdings" panose="05000000000000000000" charset="0"/>
-              <a:buChar char="ü"/>
-            </a:pPr>
-            <a:endParaRPr lang="en-US"/>
-          </a:p>
-          <a:p>
-            <a:pPr lvl="1" algn="l">
-              <a:lnSpc>
-                <a:spcPct val="100000"/>
-              </a:lnSpc>
-              <a:buFont typeface="Wingdings" panose="05000000000000000000" charset="0"/>
-              <a:buChar char="ü"/>
-            </a:pPr>
-            <a:r>
-              <a:rPr lang="en-US">
-                <a:highlight>
-                  <a:srgbClr val="FFFF00"/>
-                </a:highlight>
-              </a:rPr>
-              <a:t>I used  </a:t>
-            </a:r>
-            <a:r>
-              <a:rPr lang="en-US" b="1">
-                <a:highlight>
-                  <a:srgbClr val="FFFF00"/>
-                </a:highlight>
-              </a:rPr>
-              <a:t>n</a:t>
-            </a:r>
-            <a:r>
-              <a:rPr lang="en-US">
-                <a:highlight>
-                  <a:srgbClr val="FFFF00"/>
-                </a:highlight>
-              </a:rPr>
-              <a:t> operators(times) ,</a:t>
-            </a:r>
-            <a:r>
-              <a:rPr lang="en-US"/>
-              <a:t> so ------&gt; </a:t>
-            </a:r>
-            <a:r>
-              <a:rPr lang="en-US" b="1">
-                <a:solidFill>
-                  <a:srgbClr val="FF0000"/>
-                </a:solidFill>
-              </a:rPr>
-              <a:t> time: O(n)</a:t>
-            </a:r>
-            <a:endParaRPr lang="en-US" b="1">
-              <a:solidFill>
-                <a:srgbClr val="FF0000"/>
-              </a:solidFill>
-            </a:endParaRPr>
-          </a:p>
-          <a:p>
-            <a:pPr lvl="1" algn="l">
-              <a:lnSpc>
-                <a:spcPct val="100000"/>
-              </a:lnSpc>
-              <a:buFont typeface="Wingdings" panose="05000000000000000000" charset="0"/>
-              <a:buChar char="ü"/>
-            </a:pPr>
-            <a:endParaRPr lang="en-US"/>
-          </a:p>
-          <a:p>
-            <a:pPr lvl="1" algn="l">
-              <a:lnSpc>
-                <a:spcPct val="100000"/>
-              </a:lnSpc>
-              <a:buFont typeface="Wingdings" panose="05000000000000000000" charset="0"/>
-              <a:buChar char="ü"/>
-            </a:pPr>
-            <a:r>
-              <a:rPr lang="en-US">
-                <a:highlight>
-                  <a:srgbClr val="FFFF00"/>
-                </a:highlight>
-              </a:rPr>
-              <a:t>I  didn’t use space ,</a:t>
-            </a:r>
-            <a:r>
-              <a:rPr lang="en-US"/>
-              <a:t> so -------&gt; </a:t>
-            </a:r>
-            <a:r>
-              <a:rPr lang="en-US" b="1">
-                <a:solidFill>
-                  <a:srgbClr val="FF0000"/>
-                </a:solidFill>
-              </a:rPr>
-              <a:t>space: O(1)</a:t>
-            </a:r>
-            <a:endParaRPr lang="en-US"/>
-          </a:p>
-          <a:p>
-            <a:pPr lvl="1" algn="l">
-              <a:lnSpc>
-                <a:spcPct val="100000"/>
-              </a:lnSpc>
-              <a:buFont typeface="Wingdings" panose="05000000000000000000" charset="0"/>
-              <a:buChar char="ü"/>
-            </a:pPr>
-            <a:endParaRPr lang="en-US"/>
-          </a:p>
-          <a:p>
-            <a:pPr lvl="1" algn="l">
-              <a:lnSpc>
-                <a:spcPct val="100000"/>
-              </a:lnSpc>
-              <a:buFont typeface="Wingdings" panose="05000000000000000000" charset="0"/>
-              <a:buChar char="ü"/>
-            </a:pPr>
-            <a:endParaRPr lang="en-US"/>
-          </a:p>
-        </p:txBody>
-      </p:sp>
     </p:spTree>
   </p:cSld>
   <p:clrMapOvr>
@@ -5778,7 +10270,7 @@
           <a:p>
             <a:r>
               <a:rPr lang="en-US" altLang="ko-KR" dirty="0"/>
-              <a:t>Questions and Answers</a:t>
+              <a:t>What I have learned</a:t>
             </a:r>
             <a:endParaRPr lang="en-US" dirty="0"/>
           </a:p>
@@ -5794,11 +10286,156 @@
             <p:ph idx="1"/>
           </p:nvPr>
         </p:nvSpPr>
-        <p:spPr/>
+        <p:spPr>
+          <a:xfrm>
+            <a:off x="838200" y="1600200"/>
+            <a:ext cx="10808335" cy="3582035"/>
+          </a:xfrm>
+        </p:spPr>
         <p:txBody>
-          <a:bodyPr/>
+          <a:bodyPr>
+            <a:normAutofit fontScale="60000"/>
+          </a:bodyPr>
           <a:lstStyle/>
           <a:p>
+            <a:pPr algn="l">
+              <a:lnSpc>
+                <a:spcPct val="100000"/>
+              </a:lnSpc>
+              <a:buFont typeface="Wingdings" panose="05000000000000000000" charset="0"/>
+              <a:buChar char=""/>
+            </a:pPr>
+            <a:r>
+              <a:rPr lang="en-US" sz="6000" b="1">
+                <a:highlight>
+                  <a:srgbClr val="00FFFF"/>
+                </a:highlight>
+              </a:rPr>
+              <a:t>MATRIX:</a:t>
+            </a:r>
+            <a:r>
+              <a:rPr lang="en-US" sz="6000">
+                <a:highlight>
+                  <a:srgbClr val="00FFFF"/>
+                </a:highlight>
+              </a:rPr>
+              <a:t> </a:t>
+            </a:r>
+            <a:endParaRPr lang="en-US" sz="6000">
+              <a:highlight>
+                <a:srgbClr val="00FFFF"/>
+              </a:highlight>
+            </a:endParaRPr>
+          </a:p>
+          <a:p>
+            <a:pPr lvl="1" algn="l">
+              <a:lnSpc>
+                <a:spcPct val="100000"/>
+              </a:lnSpc>
+              <a:buFont typeface="Wingdings" panose="05000000000000000000" charset="0"/>
+              <a:buChar char="ü"/>
+            </a:pPr>
+            <a:r>
+              <a:rPr lang="en-US" sz="4700"/>
+              <a:t>I split problem into 2 steps: </a:t>
+            </a:r>
+            <a:endParaRPr lang="en-US" sz="4700"/>
+          </a:p>
+          <a:p>
+            <a:pPr marL="457200" lvl="1" indent="457200" algn="l">
+              <a:lnSpc>
+                <a:spcPct val="100000"/>
+              </a:lnSpc>
+              <a:buFont typeface="Wingdings" panose="05000000000000000000" charset="0"/>
+              <a:buNone/>
+            </a:pPr>
+            <a:r>
+              <a:rPr lang="en-US" sz="4700"/>
+              <a:t>Step1 - Transposation   Step2 - Horizontally Reflection</a:t>
+            </a:r>
+            <a:br>
+              <a:rPr lang="en-US" sz="4700"/>
+            </a:br>
+            <a:r>
+              <a:rPr lang="en-US" sz="4700" b="1"/>
+              <a:t>I got  technique kinda solving problem by seperating into steps</a:t>
+            </a:r>
+            <a:endParaRPr lang="en-US" sz="4700" b="1">
+              <a:solidFill>
+                <a:schemeClr val="tx1"/>
+              </a:solidFill>
+              <a:effectLst>
+                <a:outerShdw blurRad="38100" dist="19050" dir="2700000" algn="tl" rotWithShape="0">
+                  <a:schemeClr val="dk1">
+                    <a:alpha val="40000"/>
+                  </a:schemeClr>
+                </a:outerShdw>
+              </a:effectLst>
+            </a:endParaRPr>
+          </a:p>
+          <a:p>
+            <a:pPr marL="457200" lvl="1" indent="0" algn="l">
+              <a:lnSpc>
+                <a:spcPct val="100000"/>
+              </a:lnSpc>
+              <a:buFont typeface="Wingdings" panose="05000000000000000000" charset="0"/>
+              <a:buNone/>
+            </a:pPr>
+            <a:endParaRPr lang="en-US" sz="4700" b="1">
+              <a:solidFill>
+                <a:schemeClr val="tx1"/>
+              </a:solidFill>
+              <a:effectLst>
+                <a:outerShdw blurRad="38100" dist="19050" dir="2700000" algn="tl" rotWithShape="0">
+                  <a:schemeClr val="dk1">
+                    <a:alpha val="40000"/>
+                  </a:schemeClr>
+                </a:outerShdw>
+              </a:effectLst>
+            </a:endParaRPr>
+          </a:p>
+          <a:p>
+            <a:pPr lvl="1" algn="l">
+              <a:lnSpc>
+                <a:spcPct val="100000"/>
+              </a:lnSpc>
+              <a:buFont typeface="Wingdings" panose="05000000000000000000" charset="0"/>
+              <a:buChar char="ü"/>
+            </a:pPr>
+            <a:r>
+              <a:rPr lang="en-US" sz="4700"/>
+              <a:t>Understood logic of changing matrix indexes</a:t>
+            </a:r>
+            <a:endParaRPr lang="en-US"/>
+          </a:p>
+          <a:p>
+            <a:pPr lvl="1" algn="l">
+              <a:lnSpc>
+                <a:spcPct val="100000"/>
+              </a:lnSpc>
+              <a:buFont typeface="Wingdings" panose="05000000000000000000" charset="0"/>
+              <a:buChar char="ü"/>
+            </a:pPr>
+            <a:endParaRPr lang="en-US"/>
+          </a:p>
+          <a:p>
+            <a:pPr lvl="1" algn="l">
+              <a:lnSpc>
+                <a:spcPct val="100000"/>
+              </a:lnSpc>
+              <a:buFont typeface="Wingdings" panose="05000000000000000000" charset="0"/>
+              <a:buChar char="ü"/>
+            </a:pPr>
+            <a:endParaRPr lang="en-US"/>
+          </a:p>
+          <a:p>
+            <a:pPr lvl="1" algn="l">
+              <a:lnSpc>
+                <a:spcPct val="100000"/>
+              </a:lnSpc>
+              <a:buFont typeface="Wingdings" panose="05000000000000000000" charset="0"/>
+              <a:buChar char="ü"/>
+            </a:pPr>
             <a:endParaRPr lang="en-US"/>
           </a:p>
         </p:txBody>
@@ -5845,7 +10482,7 @@
           <a:p>
             <a:r>
               <a:rPr lang="en-US" altLang="ko-KR" dirty="0"/>
-              <a:t>Greetings</a:t>
+              <a:t>Questions and Answers</a:t>
             </a:r>
             <a:endParaRPr lang="en-US" dirty="0"/>
           </a:p>
@@ -5853,12 +10490,12 @@
       </p:sp>
       <p:sp>
         <p:nvSpPr>
-          <p:cNvPr id="3" name="텍스트 개체 틀 2"/>
+          <p:cNvPr id="3" name="내용 개체 틀 2"/>
           <p:cNvSpPr>
             <a:spLocks noGrp="1"/>
           </p:cNvSpPr>
           <p:nvPr>
-            <p:ph type="body" idx="1"/>
+            <p:ph idx="1"/>
           </p:nvPr>
         </p:nvSpPr>
         <p:spPr/>
